--- a/0080_btn/rtl/schematic/cnt10.pptx
+++ b/0080_btn/rtl/schematic/cnt10.pptx
@@ -2,7 +2,7 @@
 <file path=ppt/presentation.xml><?xml version="1.0" encoding="utf-8"?>
 <p:presentation xmlns:a="http://schemas.openxmlformats.org/drawingml/2006/main" xmlns:r="http://schemas.openxmlformats.org/officeDocument/2006/relationships" xmlns:p="http://schemas.openxmlformats.org/presentationml/2006/main" saveSubsetFonts="1">
   <p:sldMasterIdLst>
-    <p:sldMasterId id="2147484477" r:id="rId1"/>
+    <p:sldMasterId id="2147484489" r:id="rId1"/>
   </p:sldMasterIdLst>
   <p:notesMasterIdLst>
     <p:notesMasterId r:id="rId3"/>
@@ -10,14 +10,14 @@
   <p:sldIdLst>
     <p:sldId id="262" r:id="rId2"/>
   </p:sldIdLst>
-  <p:sldSz cx="18288000" cy="12801600"/>
+  <p:sldSz cx="12801600" cy="9144000"/>
   <p:notesSz cx="6797675" cy="9926638"/>
   <p:defaultTextStyle>
     <a:defPPr>
       <a:defRPr lang="en-US"/>
     </a:defPPr>
-    <a:lvl1pPr marL="0" algn="l" defTabSz="2229316" rtl="0" eaLnBrk="1" latinLnBrk="0" hangingPunct="1">
-      <a:defRPr sz="4388" kern="1200">
+    <a:lvl1pPr marL="0" algn="l" defTabSz="1573451" rtl="0" eaLnBrk="1" latinLnBrk="0" hangingPunct="1">
+      <a:defRPr sz="3097" kern="1200">
         <a:solidFill>
           <a:schemeClr val="tx1"/>
         </a:solidFill>
@@ -26,8 +26,8 @@
         <a:cs typeface="+mn-cs"/>
       </a:defRPr>
     </a:lvl1pPr>
-    <a:lvl2pPr marL="1114657" algn="l" defTabSz="2229316" rtl="0" eaLnBrk="1" latinLnBrk="0" hangingPunct="1">
-      <a:defRPr sz="4388" kern="1200">
+    <a:lvl2pPr marL="786725" algn="l" defTabSz="1573451" rtl="0" eaLnBrk="1" latinLnBrk="0" hangingPunct="1">
+      <a:defRPr sz="3097" kern="1200">
         <a:solidFill>
           <a:schemeClr val="tx1"/>
         </a:solidFill>
@@ -36,8 +36,8 @@
         <a:cs typeface="+mn-cs"/>
       </a:defRPr>
     </a:lvl2pPr>
-    <a:lvl3pPr marL="2229316" algn="l" defTabSz="2229316" rtl="0" eaLnBrk="1" latinLnBrk="0" hangingPunct="1">
-      <a:defRPr sz="4388" kern="1200">
+    <a:lvl3pPr marL="1573451" algn="l" defTabSz="1573451" rtl="0" eaLnBrk="1" latinLnBrk="0" hangingPunct="1">
+      <a:defRPr sz="3097" kern="1200">
         <a:solidFill>
           <a:schemeClr val="tx1"/>
         </a:solidFill>
@@ -46,8 +46,8 @@
         <a:cs typeface="+mn-cs"/>
       </a:defRPr>
     </a:lvl3pPr>
-    <a:lvl4pPr marL="3343975" algn="l" defTabSz="2229316" rtl="0" eaLnBrk="1" latinLnBrk="0" hangingPunct="1">
-      <a:defRPr sz="4388" kern="1200">
+    <a:lvl4pPr marL="2360178" algn="l" defTabSz="1573451" rtl="0" eaLnBrk="1" latinLnBrk="0" hangingPunct="1">
+      <a:defRPr sz="3097" kern="1200">
         <a:solidFill>
           <a:schemeClr val="tx1"/>
         </a:solidFill>
@@ -56,8 +56,8 @@
         <a:cs typeface="+mn-cs"/>
       </a:defRPr>
     </a:lvl4pPr>
-    <a:lvl5pPr marL="4458626" algn="l" defTabSz="2229316" rtl="0" eaLnBrk="1" latinLnBrk="0" hangingPunct="1">
-      <a:defRPr sz="4388" kern="1200">
+    <a:lvl5pPr marL="3146898" algn="l" defTabSz="1573451" rtl="0" eaLnBrk="1" latinLnBrk="0" hangingPunct="1">
+      <a:defRPr sz="3097" kern="1200">
         <a:solidFill>
           <a:schemeClr val="tx1"/>
         </a:solidFill>
@@ -66,8 +66,8 @@
         <a:cs typeface="+mn-cs"/>
       </a:defRPr>
     </a:lvl5pPr>
-    <a:lvl6pPr marL="5573288" algn="l" defTabSz="2229316" rtl="0" eaLnBrk="1" latinLnBrk="0" hangingPunct="1">
-      <a:defRPr sz="4388" kern="1200">
+    <a:lvl6pPr marL="3933627" algn="l" defTabSz="1573451" rtl="0" eaLnBrk="1" latinLnBrk="0" hangingPunct="1">
+      <a:defRPr sz="3097" kern="1200">
         <a:solidFill>
           <a:schemeClr val="tx1"/>
         </a:solidFill>
@@ -76,8 +76,8 @@
         <a:cs typeface="+mn-cs"/>
       </a:defRPr>
     </a:lvl6pPr>
-    <a:lvl7pPr marL="6687945" algn="l" defTabSz="2229316" rtl="0" eaLnBrk="1" latinLnBrk="0" hangingPunct="1">
-      <a:defRPr sz="4388" kern="1200">
+    <a:lvl7pPr marL="4720352" algn="l" defTabSz="1573451" rtl="0" eaLnBrk="1" latinLnBrk="0" hangingPunct="1">
+      <a:defRPr sz="3097" kern="1200">
         <a:solidFill>
           <a:schemeClr val="tx1"/>
         </a:solidFill>
@@ -86,8 +86,8 @@
         <a:cs typeface="+mn-cs"/>
       </a:defRPr>
     </a:lvl7pPr>
-    <a:lvl8pPr marL="7802603" algn="l" defTabSz="2229316" rtl="0" eaLnBrk="1" latinLnBrk="0" hangingPunct="1">
-      <a:defRPr sz="4388" kern="1200">
+    <a:lvl8pPr marL="5507077" algn="l" defTabSz="1573451" rtl="0" eaLnBrk="1" latinLnBrk="0" hangingPunct="1">
+      <a:defRPr sz="3097" kern="1200">
         <a:solidFill>
           <a:schemeClr val="tx1"/>
         </a:solidFill>
@@ -96,8 +96,8 @@
         <a:cs typeface="+mn-cs"/>
       </a:defRPr>
     </a:lvl8pPr>
-    <a:lvl9pPr marL="8917258" algn="l" defTabSz="2229316" rtl="0" eaLnBrk="1" latinLnBrk="0" hangingPunct="1">
-      <a:defRPr sz="4388" kern="1200">
+    <a:lvl9pPr marL="6293801" algn="l" defTabSz="1573451" rtl="0" eaLnBrk="1" latinLnBrk="0" hangingPunct="1">
+      <a:defRPr sz="3097" kern="1200">
         <a:solidFill>
           <a:schemeClr val="tx1"/>
         </a:solidFill>
@@ -215,8 +215,8 @@
         </p:nvSpPr>
         <p:spPr>
           <a:xfrm>
-            <a:off x="1006475" y="1241425"/>
-            <a:ext cx="4784725" cy="3349625"/>
+            <a:off x="1054100" y="1241425"/>
+            <a:ext cx="4689475" cy="3349625"/>
           </a:xfrm>
           <a:prstGeom prst="rect">
             <a:avLst/>
@@ -371,8 +371,8 @@
   </p:cSld>
   <p:clrMap bg1="lt1" tx1="dk1" bg2="lt2" tx2="dk2" accent1="accent1" accent2="accent2" accent3="accent3" accent4="accent4" accent5="accent5" accent6="accent6" hlink="hlink" folHlink="folHlink"/>
   <p:notesStyle>
-    <a:lvl1pPr marL="0" algn="l" defTabSz="2229316" rtl="0" eaLnBrk="1" latinLnBrk="0" hangingPunct="1">
-      <a:defRPr sz="2925" kern="1200">
+    <a:lvl1pPr marL="0" algn="l" defTabSz="1573451" rtl="0" eaLnBrk="1" latinLnBrk="0" hangingPunct="1">
+      <a:defRPr sz="2064" kern="1200">
         <a:solidFill>
           <a:schemeClr val="tx1"/>
         </a:solidFill>
@@ -381,8 +381,8 @@
         <a:cs typeface="+mn-cs"/>
       </a:defRPr>
     </a:lvl1pPr>
-    <a:lvl2pPr marL="1114657" algn="l" defTabSz="2229316" rtl="0" eaLnBrk="1" latinLnBrk="0" hangingPunct="1">
-      <a:defRPr sz="2925" kern="1200">
+    <a:lvl2pPr marL="786725" algn="l" defTabSz="1573451" rtl="0" eaLnBrk="1" latinLnBrk="0" hangingPunct="1">
+      <a:defRPr sz="2064" kern="1200">
         <a:solidFill>
           <a:schemeClr val="tx1"/>
         </a:solidFill>
@@ -391,8 +391,8 @@
         <a:cs typeface="+mn-cs"/>
       </a:defRPr>
     </a:lvl2pPr>
-    <a:lvl3pPr marL="2229316" algn="l" defTabSz="2229316" rtl="0" eaLnBrk="1" latinLnBrk="0" hangingPunct="1">
-      <a:defRPr sz="2925" kern="1200">
+    <a:lvl3pPr marL="1573451" algn="l" defTabSz="1573451" rtl="0" eaLnBrk="1" latinLnBrk="0" hangingPunct="1">
+      <a:defRPr sz="2064" kern="1200">
         <a:solidFill>
           <a:schemeClr val="tx1"/>
         </a:solidFill>
@@ -401,8 +401,8 @@
         <a:cs typeface="+mn-cs"/>
       </a:defRPr>
     </a:lvl3pPr>
-    <a:lvl4pPr marL="3343975" algn="l" defTabSz="2229316" rtl="0" eaLnBrk="1" latinLnBrk="0" hangingPunct="1">
-      <a:defRPr sz="2925" kern="1200">
+    <a:lvl4pPr marL="2360178" algn="l" defTabSz="1573451" rtl="0" eaLnBrk="1" latinLnBrk="0" hangingPunct="1">
+      <a:defRPr sz="2064" kern="1200">
         <a:solidFill>
           <a:schemeClr val="tx1"/>
         </a:solidFill>
@@ -411,8 +411,8 @@
         <a:cs typeface="+mn-cs"/>
       </a:defRPr>
     </a:lvl4pPr>
-    <a:lvl5pPr marL="4458626" algn="l" defTabSz="2229316" rtl="0" eaLnBrk="1" latinLnBrk="0" hangingPunct="1">
-      <a:defRPr sz="2925" kern="1200">
+    <a:lvl5pPr marL="3146898" algn="l" defTabSz="1573451" rtl="0" eaLnBrk="1" latinLnBrk="0" hangingPunct="1">
+      <a:defRPr sz="2064" kern="1200">
         <a:solidFill>
           <a:schemeClr val="tx1"/>
         </a:solidFill>
@@ -421,8 +421,8 @@
         <a:cs typeface="+mn-cs"/>
       </a:defRPr>
     </a:lvl5pPr>
-    <a:lvl6pPr marL="5573288" algn="l" defTabSz="2229316" rtl="0" eaLnBrk="1" latinLnBrk="0" hangingPunct="1">
-      <a:defRPr sz="2925" kern="1200">
+    <a:lvl6pPr marL="3933627" algn="l" defTabSz="1573451" rtl="0" eaLnBrk="1" latinLnBrk="0" hangingPunct="1">
+      <a:defRPr sz="2064" kern="1200">
         <a:solidFill>
           <a:schemeClr val="tx1"/>
         </a:solidFill>
@@ -431,8 +431,8 @@
         <a:cs typeface="+mn-cs"/>
       </a:defRPr>
     </a:lvl6pPr>
-    <a:lvl7pPr marL="6687945" algn="l" defTabSz="2229316" rtl="0" eaLnBrk="1" latinLnBrk="0" hangingPunct="1">
-      <a:defRPr sz="2925" kern="1200">
+    <a:lvl7pPr marL="4720352" algn="l" defTabSz="1573451" rtl="0" eaLnBrk="1" latinLnBrk="0" hangingPunct="1">
+      <a:defRPr sz="2064" kern="1200">
         <a:solidFill>
           <a:schemeClr val="tx1"/>
         </a:solidFill>
@@ -441,8 +441,8 @@
         <a:cs typeface="+mn-cs"/>
       </a:defRPr>
     </a:lvl7pPr>
-    <a:lvl8pPr marL="7802603" algn="l" defTabSz="2229316" rtl="0" eaLnBrk="1" latinLnBrk="0" hangingPunct="1">
-      <a:defRPr sz="2925" kern="1200">
+    <a:lvl8pPr marL="5507077" algn="l" defTabSz="1573451" rtl="0" eaLnBrk="1" latinLnBrk="0" hangingPunct="1">
+      <a:defRPr sz="2064" kern="1200">
         <a:solidFill>
           <a:schemeClr val="tx1"/>
         </a:solidFill>
@@ -451,8 +451,8 @@
         <a:cs typeface="+mn-cs"/>
       </a:defRPr>
     </a:lvl8pPr>
-    <a:lvl9pPr marL="8917258" algn="l" defTabSz="2229316" rtl="0" eaLnBrk="1" latinLnBrk="0" hangingPunct="1">
-      <a:defRPr sz="2925" kern="1200">
+    <a:lvl9pPr marL="6293801" algn="l" defTabSz="1573451" rtl="0" eaLnBrk="1" latinLnBrk="0" hangingPunct="1">
+      <a:defRPr sz="2064" kern="1200">
         <a:solidFill>
           <a:schemeClr val="tx1"/>
         </a:solidFill>
@@ -494,8 +494,8 @@
         </p:nvSpPr>
         <p:spPr>
           <a:xfrm>
-            <a:off x="1006475" y="1241425"/>
-            <a:ext cx="4784725" cy="3349625"/>
+            <a:off x="1054100" y="1241425"/>
+            <a:ext cx="4689475" cy="3349625"/>
           </a:xfrm>
         </p:spPr>
       </p:sp>
@@ -583,15 +583,15 @@
         </p:nvSpPr>
         <p:spPr>
           <a:xfrm>
-            <a:off x="1371600" y="2095078"/>
-            <a:ext cx="15544800" cy="4456853"/>
+            <a:off x="960120" y="1496484"/>
+            <a:ext cx="10881360" cy="3183467"/>
           </a:xfrm>
         </p:spPr>
         <p:txBody>
           <a:bodyPr anchor="b"/>
           <a:lstStyle>
             <a:lvl1pPr algn="ctr">
-              <a:defRPr sz="11200"/>
+              <a:defRPr sz="8000"/>
             </a:lvl1pPr>
           </a:lstStyle>
           <a:p>
@@ -615,8 +615,8 @@
         </p:nvSpPr>
         <p:spPr>
           <a:xfrm>
-            <a:off x="2286000" y="6723804"/>
-            <a:ext cx="13716000" cy="3090756"/>
+            <a:off x="1600200" y="4802717"/>
+            <a:ext cx="9601200" cy="2207683"/>
           </a:xfrm>
         </p:spPr>
         <p:txBody>
@@ -624,39 +624,39 @@
           <a:lstStyle>
             <a:lvl1pPr marL="0" indent="0" algn="ctr">
               <a:buNone/>
-              <a:defRPr sz="4480"/>
+              <a:defRPr sz="3200"/>
             </a:lvl1pPr>
-            <a:lvl2pPr marL="853455" indent="0" algn="ctr">
+            <a:lvl2pPr marL="609585" indent="0" algn="ctr">
               <a:buNone/>
-              <a:defRPr sz="3733"/>
+              <a:defRPr sz="2667"/>
             </a:lvl2pPr>
-            <a:lvl3pPr marL="1706910" indent="0" algn="ctr">
+            <a:lvl3pPr marL="1219170" indent="0" algn="ctr">
               <a:buNone/>
-              <a:defRPr sz="3360"/>
+              <a:defRPr sz="2400"/>
             </a:lvl3pPr>
-            <a:lvl4pPr marL="2560366" indent="0" algn="ctr">
+            <a:lvl4pPr marL="1828754" indent="0" algn="ctr">
               <a:buNone/>
-              <a:defRPr sz="2987"/>
+              <a:defRPr sz="2133"/>
             </a:lvl4pPr>
-            <a:lvl5pPr marL="3413821" indent="0" algn="ctr">
+            <a:lvl5pPr marL="2438339" indent="0" algn="ctr">
               <a:buNone/>
-              <a:defRPr sz="2987"/>
+              <a:defRPr sz="2133"/>
             </a:lvl5pPr>
-            <a:lvl6pPr marL="4267276" indent="0" algn="ctr">
+            <a:lvl6pPr marL="3047924" indent="0" algn="ctr">
               <a:buNone/>
-              <a:defRPr sz="2987"/>
+              <a:defRPr sz="2133"/>
             </a:lvl6pPr>
-            <a:lvl7pPr marL="5120731" indent="0" algn="ctr">
+            <a:lvl7pPr marL="3657509" indent="0" algn="ctr">
               <a:buNone/>
-              <a:defRPr sz="2987"/>
+              <a:defRPr sz="2133"/>
             </a:lvl7pPr>
-            <a:lvl8pPr marL="5974187" indent="0" algn="ctr">
+            <a:lvl8pPr marL="4267093" indent="0" algn="ctr">
               <a:buNone/>
-              <a:defRPr sz="2987"/>
+              <a:defRPr sz="2133"/>
             </a:lvl8pPr>
-            <a:lvl9pPr marL="6827642" indent="0" algn="ctr">
+            <a:lvl9pPr marL="4876678" indent="0" algn="ctr">
               <a:buNone/>
-              <a:defRPr sz="2987"/>
+              <a:defRPr sz="2133"/>
             </a:lvl9pPr>
           </a:lstStyle>
           <a:p>
@@ -736,7 +736,7 @@
     </p:spTree>
     <p:extLst>
       <p:ext uri="{BB962C8B-B14F-4D97-AF65-F5344CB8AC3E}">
-        <p14:creationId xmlns:p14="http://schemas.microsoft.com/office/powerpoint/2010/main" val="3664683119"/>
+        <p14:creationId xmlns:p14="http://schemas.microsoft.com/office/powerpoint/2010/main" val="437646007"/>
       </p:ext>
     </p:extLst>
   </p:cSld>
@@ -906,7 +906,7 @@
     </p:spTree>
     <p:extLst>
       <p:ext uri="{BB962C8B-B14F-4D97-AF65-F5344CB8AC3E}">
-        <p14:creationId xmlns:p14="http://schemas.microsoft.com/office/powerpoint/2010/main" val="1811939550"/>
+        <p14:creationId xmlns:p14="http://schemas.microsoft.com/office/powerpoint/2010/main" val="3685582858"/>
       </p:ext>
     </p:extLst>
   </p:cSld>
@@ -945,8 +945,8 @@
         </p:nvSpPr>
         <p:spPr>
           <a:xfrm>
-            <a:off x="13087351" y="681567"/>
-            <a:ext cx="3943350" cy="10848764"/>
+            <a:off x="9161146" y="486834"/>
+            <a:ext cx="2760345" cy="7749117"/>
           </a:xfrm>
         </p:spPr>
         <p:txBody>
@@ -973,8 +973,8 @@
         </p:nvSpPr>
         <p:spPr>
           <a:xfrm>
-            <a:off x="1257301" y="681567"/>
-            <a:ext cx="11601450" cy="10848764"/>
+            <a:off x="880111" y="486834"/>
+            <a:ext cx="8121015" cy="7749117"/>
           </a:xfrm>
         </p:spPr>
         <p:txBody>
@@ -1086,7 +1086,7 @@
     </p:spTree>
     <p:extLst>
       <p:ext uri="{BB962C8B-B14F-4D97-AF65-F5344CB8AC3E}">
-        <p14:creationId xmlns:p14="http://schemas.microsoft.com/office/powerpoint/2010/main" val="3328102931"/>
+        <p14:creationId xmlns:p14="http://schemas.microsoft.com/office/powerpoint/2010/main" val="4009712247"/>
       </p:ext>
     </p:extLst>
   </p:cSld>
@@ -1256,7 +1256,7 @@
     </p:spTree>
     <p:extLst>
       <p:ext uri="{BB962C8B-B14F-4D97-AF65-F5344CB8AC3E}">
-        <p14:creationId xmlns:p14="http://schemas.microsoft.com/office/powerpoint/2010/main" val="497605660"/>
+        <p14:creationId xmlns:p14="http://schemas.microsoft.com/office/powerpoint/2010/main" val="2383666529"/>
       </p:ext>
     </p:extLst>
   </p:cSld>
@@ -1295,15 +1295,15 @@
         </p:nvSpPr>
         <p:spPr>
           <a:xfrm>
-            <a:off x="1247776" y="3191514"/>
-            <a:ext cx="15773400" cy="5325109"/>
+            <a:off x="873443" y="2279653"/>
+            <a:ext cx="11041380" cy="3803649"/>
           </a:xfrm>
         </p:spPr>
         <p:txBody>
           <a:bodyPr anchor="b"/>
           <a:lstStyle>
             <a:lvl1pPr>
-              <a:defRPr sz="11200"/>
+              <a:defRPr sz="8000"/>
             </a:lvl1pPr>
           </a:lstStyle>
           <a:p>
@@ -1327,8 +1327,8 @@
         </p:nvSpPr>
         <p:spPr>
           <a:xfrm>
-            <a:off x="1247776" y="8567000"/>
-            <a:ext cx="15773400" cy="2800349"/>
+            <a:off x="873443" y="6119286"/>
+            <a:ext cx="11041380" cy="2000249"/>
           </a:xfrm>
         </p:spPr>
         <p:txBody>
@@ -1336,15 +1336,15 @@
           <a:lstStyle>
             <a:lvl1pPr marL="0" indent="0">
               <a:buNone/>
-              <a:defRPr sz="4480">
+              <a:defRPr sz="3200">
                 <a:solidFill>
                   <a:schemeClr val="tx1"/>
                 </a:solidFill>
               </a:defRPr>
             </a:lvl1pPr>
-            <a:lvl2pPr marL="853455" indent="0">
+            <a:lvl2pPr marL="609585" indent="0">
               <a:buNone/>
-              <a:defRPr sz="3733">
+              <a:defRPr sz="2667">
                 <a:solidFill>
                   <a:schemeClr val="tx1">
                     <a:tint val="75000"/>
@@ -1352,9 +1352,9 @@
                 </a:solidFill>
               </a:defRPr>
             </a:lvl2pPr>
-            <a:lvl3pPr marL="1706910" indent="0">
+            <a:lvl3pPr marL="1219170" indent="0">
               <a:buNone/>
-              <a:defRPr sz="3360">
+              <a:defRPr sz="2400">
                 <a:solidFill>
                   <a:schemeClr val="tx1">
                     <a:tint val="75000"/>
@@ -1362,9 +1362,9 @@
                 </a:solidFill>
               </a:defRPr>
             </a:lvl3pPr>
-            <a:lvl4pPr marL="2560366" indent="0">
+            <a:lvl4pPr marL="1828754" indent="0">
               <a:buNone/>
-              <a:defRPr sz="2987">
+              <a:defRPr sz="2133">
                 <a:solidFill>
                   <a:schemeClr val="tx1">
                     <a:tint val="75000"/>
@@ -1372,9 +1372,9 @@
                 </a:solidFill>
               </a:defRPr>
             </a:lvl4pPr>
-            <a:lvl5pPr marL="3413821" indent="0">
+            <a:lvl5pPr marL="2438339" indent="0">
               <a:buNone/>
-              <a:defRPr sz="2987">
+              <a:defRPr sz="2133">
                 <a:solidFill>
                   <a:schemeClr val="tx1">
                     <a:tint val="75000"/>
@@ -1382,9 +1382,9 @@
                 </a:solidFill>
               </a:defRPr>
             </a:lvl5pPr>
-            <a:lvl6pPr marL="4267276" indent="0">
+            <a:lvl6pPr marL="3047924" indent="0">
               <a:buNone/>
-              <a:defRPr sz="2987">
+              <a:defRPr sz="2133">
                 <a:solidFill>
                   <a:schemeClr val="tx1">
                     <a:tint val="75000"/>
@@ -1392,9 +1392,9 @@
                 </a:solidFill>
               </a:defRPr>
             </a:lvl6pPr>
-            <a:lvl7pPr marL="5120731" indent="0">
+            <a:lvl7pPr marL="3657509" indent="0">
               <a:buNone/>
-              <a:defRPr sz="2987">
+              <a:defRPr sz="2133">
                 <a:solidFill>
                   <a:schemeClr val="tx1">
                     <a:tint val="75000"/>
@@ -1402,9 +1402,9 @@
                 </a:solidFill>
               </a:defRPr>
             </a:lvl7pPr>
-            <a:lvl8pPr marL="5974187" indent="0">
+            <a:lvl8pPr marL="4267093" indent="0">
               <a:buNone/>
-              <a:defRPr sz="2987">
+              <a:defRPr sz="2133">
                 <a:solidFill>
                   <a:schemeClr val="tx1">
                     <a:tint val="75000"/>
@@ -1412,9 +1412,9 @@
                 </a:solidFill>
               </a:defRPr>
             </a:lvl8pPr>
-            <a:lvl9pPr marL="6827642" indent="0">
+            <a:lvl9pPr marL="4876678" indent="0">
               <a:buNone/>
-              <a:defRPr sz="2987">
+              <a:defRPr sz="2133">
                 <a:solidFill>
                   <a:schemeClr val="tx1">
                     <a:tint val="75000"/>
@@ -1500,7 +1500,7 @@
     </p:spTree>
     <p:extLst>
       <p:ext uri="{BB962C8B-B14F-4D97-AF65-F5344CB8AC3E}">
-        <p14:creationId xmlns:p14="http://schemas.microsoft.com/office/powerpoint/2010/main" val="220371270"/>
+        <p14:creationId xmlns:p14="http://schemas.microsoft.com/office/powerpoint/2010/main" val="1262225005"/>
       </p:ext>
     </p:extLst>
   </p:cSld>
@@ -1562,8 +1562,8 @@
         </p:nvSpPr>
         <p:spPr>
           <a:xfrm>
-            <a:off x="1257300" y="3407833"/>
-            <a:ext cx="7772400" cy="8122498"/>
+            <a:off x="880110" y="2434167"/>
+            <a:ext cx="5440680" cy="5801784"/>
           </a:xfrm>
         </p:spPr>
         <p:txBody>
@@ -1619,8 +1619,8 @@
         </p:nvSpPr>
         <p:spPr>
           <a:xfrm>
-            <a:off x="9258300" y="3407833"/>
-            <a:ext cx="7772400" cy="8122498"/>
+            <a:off x="6480810" y="2434167"/>
+            <a:ext cx="5440680" cy="5801784"/>
           </a:xfrm>
         </p:spPr>
         <p:txBody>
@@ -1732,7 +1732,7 @@
     </p:spTree>
     <p:extLst>
       <p:ext uri="{BB962C8B-B14F-4D97-AF65-F5344CB8AC3E}">
-        <p14:creationId xmlns:p14="http://schemas.microsoft.com/office/powerpoint/2010/main" val="1702353597"/>
+        <p14:creationId xmlns:p14="http://schemas.microsoft.com/office/powerpoint/2010/main" val="2359418000"/>
       </p:ext>
     </p:extLst>
   </p:cSld>
@@ -1771,8 +1771,8 @@
         </p:nvSpPr>
         <p:spPr>
           <a:xfrm>
-            <a:off x="1259682" y="681570"/>
-            <a:ext cx="15773400" cy="2474384"/>
+            <a:off x="881777" y="486836"/>
+            <a:ext cx="11041380" cy="1767417"/>
           </a:xfrm>
         </p:spPr>
         <p:txBody>
@@ -1799,8 +1799,8 @@
         </p:nvSpPr>
         <p:spPr>
           <a:xfrm>
-            <a:off x="1259684" y="3138171"/>
-            <a:ext cx="7736680" cy="1537969"/>
+            <a:off x="881779" y="2241551"/>
+            <a:ext cx="5415676" cy="1098549"/>
           </a:xfrm>
         </p:spPr>
         <p:txBody>
@@ -1808,39 +1808,39 @@
           <a:lstStyle>
             <a:lvl1pPr marL="0" indent="0">
               <a:buNone/>
-              <a:defRPr sz="4480" b="1"/>
+              <a:defRPr sz="3200" b="1"/>
             </a:lvl1pPr>
-            <a:lvl2pPr marL="853455" indent="0">
+            <a:lvl2pPr marL="609585" indent="0">
               <a:buNone/>
-              <a:defRPr sz="3733" b="1"/>
+              <a:defRPr sz="2667" b="1"/>
             </a:lvl2pPr>
-            <a:lvl3pPr marL="1706910" indent="0">
+            <a:lvl3pPr marL="1219170" indent="0">
               <a:buNone/>
-              <a:defRPr sz="3360" b="1"/>
+              <a:defRPr sz="2400" b="1"/>
             </a:lvl3pPr>
-            <a:lvl4pPr marL="2560366" indent="0">
+            <a:lvl4pPr marL="1828754" indent="0">
               <a:buNone/>
-              <a:defRPr sz="2987" b="1"/>
+              <a:defRPr sz="2133" b="1"/>
             </a:lvl4pPr>
-            <a:lvl5pPr marL="3413821" indent="0">
+            <a:lvl5pPr marL="2438339" indent="0">
               <a:buNone/>
-              <a:defRPr sz="2987" b="1"/>
+              <a:defRPr sz="2133" b="1"/>
             </a:lvl5pPr>
-            <a:lvl6pPr marL="4267276" indent="0">
+            <a:lvl6pPr marL="3047924" indent="0">
               <a:buNone/>
-              <a:defRPr sz="2987" b="1"/>
+              <a:defRPr sz="2133" b="1"/>
             </a:lvl6pPr>
-            <a:lvl7pPr marL="5120731" indent="0">
+            <a:lvl7pPr marL="3657509" indent="0">
               <a:buNone/>
-              <a:defRPr sz="2987" b="1"/>
+              <a:defRPr sz="2133" b="1"/>
             </a:lvl7pPr>
-            <a:lvl8pPr marL="5974187" indent="0">
+            <a:lvl8pPr marL="4267093" indent="0">
               <a:buNone/>
-              <a:defRPr sz="2987" b="1"/>
+              <a:defRPr sz="2133" b="1"/>
             </a:lvl8pPr>
-            <a:lvl9pPr marL="6827642" indent="0">
+            <a:lvl9pPr marL="4876678" indent="0">
               <a:buNone/>
-              <a:defRPr sz="2987" b="1"/>
+              <a:defRPr sz="2133" b="1"/>
             </a:lvl9pPr>
           </a:lstStyle>
           <a:p>
@@ -1864,8 +1864,8 @@
         </p:nvSpPr>
         <p:spPr>
           <a:xfrm>
-            <a:off x="1259684" y="4676140"/>
-            <a:ext cx="7736680" cy="6877898"/>
+            <a:off x="881779" y="3340100"/>
+            <a:ext cx="5415676" cy="4912784"/>
           </a:xfrm>
         </p:spPr>
         <p:txBody>
@@ -1921,8 +1921,8 @@
         </p:nvSpPr>
         <p:spPr>
           <a:xfrm>
-            <a:off x="9258301" y="3138171"/>
-            <a:ext cx="7774782" cy="1537969"/>
+            <a:off x="6480811" y="2241551"/>
+            <a:ext cx="5442347" cy="1098549"/>
           </a:xfrm>
         </p:spPr>
         <p:txBody>
@@ -1930,39 +1930,39 @@
           <a:lstStyle>
             <a:lvl1pPr marL="0" indent="0">
               <a:buNone/>
-              <a:defRPr sz="4480" b="1"/>
+              <a:defRPr sz="3200" b="1"/>
             </a:lvl1pPr>
-            <a:lvl2pPr marL="853455" indent="0">
+            <a:lvl2pPr marL="609585" indent="0">
               <a:buNone/>
-              <a:defRPr sz="3733" b="1"/>
+              <a:defRPr sz="2667" b="1"/>
             </a:lvl2pPr>
-            <a:lvl3pPr marL="1706910" indent="0">
+            <a:lvl3pPr marL="1219170" indent="0">
               <a:buNone/>
-              <a:defRPr sz="3360" b="1"/>
+              <a:defRPr sz="2400" b="1"/>
             </a:lvl3pPr>
-            <a:lvl4pPr marL="2560366" indent="0">
+            <a:lvl4pPr marL="1828754" indent="0">
               <a:buNone/>
-              <a:defRPr sz="2987" b="1"/>
+              <a:defRPr sz="2133" b="1"/>
             </a:lvl4pPr>
-            <a:lvl5pPr marL="3413821" indent="0">
+            <a:lvl5pPr marL="2438339" indent="0">
               <a:buNone/>
-              <a:defRPr sz="2987" b="1"/>
+              <a:defRPr sz="2133" b="1"/>
             </a:lvl5pPr>
-            <a:lvl6pPr marL="4267276" indent="0">
+            <a:lvl6pPr marL="3047924" indent="0">
               <a:buNone/>
-              <a:defRPr sz="2987" b="1"/>
+              <a:defRPr sz="2133" b="1"/>
             </a:lvl6pPr>
-            <a:lvl7pPr marL="5120731" indent="0">
+            <a:lvl7pPr marL="3657509" indent="0">
               <a:buNone/>
-              <a:defRPr sz="2987" b="1"/>
+              <a:defRPr sz="2133" b="1"/>
             </a:lvl7pPr>
-            <a:lvl8pPr marL="5974187" indent="0">
+            <a:lvl8pPr marL="4267093" indent="0">
               <a:buNone/>
-              <a:defRPr sz="2987" b="1"/>
+              <a:defRPr sz="2133" b="1"/>
             </a:lvl8pPr>
-            <a:lvl9pPr marL="6827642" indent="0">
+            <a:lvl9pPr marL="4876678" indent="0">
               <a:buNone/>
-              <a:defRPr sz="2987" b="1"/>
+              <a:defRPr sz="2133" b="1"/>
             </a:lvl9pPr>
           </a:lstStyle>
           <a:p>
@@ -1986,8 +1986,8 @@
         </p:nvSpPr>
         <p:spPr>
           <a:xfrm>
-            <a:off x="9258301" y="4676140"/>
-            <a:ext cx="7774782" cy="6877898"/>
+            <a:off x="6480811" y="3340100"/>
+            <a:ext cx="5442347" cy="4912784"/>
           </a:xfrm>
         </p:spPr>
         <p:txBody>
@@ -2099,7 +2099,7 @@
     </p:spTree>
     <p:extLst>
       <p:ext uri="{BB962C8B-B14F-4D97-AF65-F5344CB8AC3E}">
-        <p14:creationId xmlns:p14="http://schemas.microsoft.com/office/powerpoint/2010/main" val="2134071272"/>
+        <p14:creationId xmlns:p14="http://schemas.microsoft.com/office/powerpoint/2010/main" val="1115377003"/>
       </p:ext>
     </p:extLst>
   </p:cSld>
@@ -2217,7 +2217,7 @@
     </p:spTree>
     <p:extLst>
       <p:ext uri="{BB962C8B-B14F-4D97-AF65-F5344CB8AC3E}">
-        <p14:creationId xmlns:p14="http://schemas.microsoft.com/office/powerpoint/2010/main" val="3168837572"/>
+        <p14:creationId xmlns:p14="http://schemas.microsoft.com/office/powerpoint/2010/main" val="2883980199"/>
       </p:ext>
     </p:extLst>
   </p:cSld>
@@ -2312,7 +2312,7 @@
     </p:spTree>
     <p:extLst>
       <p:ext uri="{BB962C8B-B14F-4D97-AF65-F5344CB8AC3E}">
-        <p14:creationId xmlns:p14="http://schemas.microsoft.com/office/powerpoint/2010/main" val="441985847"/>
+        <p14:creationId xmlns:p14="http://schemas.microsoft.com/office/powerpoint/2010/main" val="1104154643"/>
       </p:ext>
     </p:extLst>
   </p:cSld>
@@ -2351,15 +2351,15 @@
         </p:nvSpPr>
         <p:spPr>
           <a:xfrm>
-            <a:off x="1259682" y="853440"/>
-            <a:ext cx="5898356" cy="2987040"/>
+            <a:off x="881778" y="609600"/>
+            <a:ext cx="4128849" cy="2133600"/>
           </a:xfrm>
         </p:spPr>
         <p:txBody>
           <a:bodyPr anchor="b"/>
           <a:lstStyle>
             <a:lvl1pPr>
-              <a:defRPr sz="5973"/>
+              <a:defRPr sz="4267"/>
             </a:lvl1pPr>
           </a:lstStyle>
           <a:p>
@@ -2383,39 +2383,39 @@
         </p:nvSpPr>
         <p:spPr>
           <a:xfrm>
-            <a:off x="7774782" y="1843196"/>
-            <a:ext cx="9258300" cy="9097433"/>
+            <a:off x="5442347" y="1316569"/>
+            <a:ext cx="6480810" cy="6498167"/>
           </a:xfrm>
         </p:spPr>
         <p:txBody>
           <a:bodyPr/>
           <a:lstStyle>
             <a:lvl1pPr>
-              <a:defRPr sz="5973"/>
+              <a:defRPr sz="4267"/>
             </a:lvl1pPr>
             <a:lvl2pPr>
-              <a:defRPr sz="5227"/>
+              <a:defRPr sz="3733"/>
             </a:lvl2pPr>
             <a:lvl3pPr>
-              <a:defRPr sz="4480"/>
+              <a:defRPr sz="3200"/>
             </a:lvl3pPr>
             <a:lvl4pPr>
-              <a:defRPr sz="3733"/>
+              <a:defRPr sz="2667"/>
             </a:lvl4pPr>
             <a:lvl5pPr>
-              <a:defRPr sz="3733"/>
+              <a:defRPr sz="2667"/>
             </a:lvl5pPr>
             <a:lvl6pPr>
-              <a:defRPr sz="3733"/>
+              <a:defRPr sz="2667"/>
             </a:lvl6pPr>
             <a:lvl7pPr>
-              <a:defRPr sz="3733"/>
+              <a:defRPr sz="2667"/>
             </a:lvl7pPr>
             <a:lvl8pPr>
-              <a:defRPr sz="3733"/>
+              <a:defRPr sz="2667"/>
             </a:lvl8pPr>
             <a:lvl9pPr>
-              <a:defRPr sz="3733"/>
+              <a:defRPr sz="2667"/>
             </a:lvl9pPr>
           </a:lstStyle>
           <a:p>
@@ -2468,8 +2468,8 @@
         </p:nvSpPr>
         <p:spPr>
           <a:xfrm>
-            <a:off x="1259682" y="3840480"/>
-            <a:ext cx="5898356" cy="7114964"/>
+            <a:off x="881778" y="2743200"/>
+            <a:ext cx="4128849" cy="5082117"/>
           </a:xfrm>
         </p:spPr>
         <p:txBody>
@@ -2477,39 +2477,39 @@
           <a:lstStyle>
             <a:lvl1pPr marL="0" indent="0">
               <a:buNone/>
-              <a:defRPr sz="2987"/>
+              <a:defRPr sz="2133"/>
             </a:lvl1pPr>
-            <a:lvl2pPr marL="853455" indent="0">
-              <a:buNone/>
-              <a:defRPr sz="2613"/>
-            </a:lvl2pPr>
-            <a:lvl3pPr marL="1706910" indent="0">
-              <a:buNone/>
-              <a:defRPr sz="2240"/>
-            </a:lvl3pPr>
-            <a:lvl4pPr marL="2560366" indent="0">
+            <a:lvl2pPr marL="609585" indent="0">
               <a:buNone/>
               <a:defRPr sz="1867"/>
+            </a:lvl2pPr>
+            <a:lvl3pPr marL="1219170" indent="0">
+              <a:buNone/>
+              <a:defRPr sz="1600"/>
+            </a:lvl3pPr>
+            <a:lvl4pPr marL="1828754" indent="0">
+              <a:buNone/>
+              <a:defRPr sz="1333"/>
             </a:lvl4pPr>
-            <a:lvl5pPr marL="3413821" indent="0">
+            <a:lvl5pPr marL="2438339" indent="0">
               <a:buNone/>
-              <a:defRPr sz="1867"/>
+              <a:defRPr sz="1333"/>
             </a:lvl5pPr>
-            <a:lvl6pPr marL="4267276" indent="0">
+            <a:lvl6pPr marL="3047924" indent="0">
               <a:buNone/>
-              <a:defRPr sz="1867"/>
+              <a:defRPr sz="1333"/>
             </a:lvl6pPr>
-            <a:lvl7pPr marL="5120731" indent="0">
+            <a:lvl7pPr marL="3657509" indent="0">
               <a:buNone/>
-              <a:defRPr sz="1867"/>
+              <a:defRPr sz="1333"/>
             </a:lvl7pPr>
-            <a:lvl8pPr marL="5974187" indent="0">
+            <a:lvl8pPr marL="4267093" indent="0">
               <a:buNone/>
-              <a:defRPr sz="1867"/>
+              <a:defRPr sz="1333"/>
             </a:lvl8pPr>
-            <a:lvl9pPr marL="6827642" indent="0">
+            <a:lvl9pPr marL="4876678" indent="0">
               <a:buNone/>
-              <a:defRPr sz="1867"/>
+              <a:defRPr sz="1333"/>
             </a:lvl9pPr>
           </a:lstStyle>
           <a:p>
@@ -2589,7 +2589,7 @@
     </p:spTree>
     <p:extLst>
       <p:ext uri="{BB962C8B-B14F-4D97-AF65-F5344CB8AC3E}">
-        <p14:creationId xmlns:p14="http://schemas.microsoft.com/office/powerpoint/2010/main" val="3476049019"/>
+        <p14:creationId xmlns:p14="http://schemas.microsoft.com/office/powerpoint/2010/main" val="3332254256"/>
       </p:ext>
     </p:extLst>
   </p:cSld>
@@ -2628,15 +2628,15 @@
         </p:nvSpPr>
         <p:spPr>
           <a:xfrm>
-            <a:off x="1259682" y="853440"/>
-            <a:ext cx="5898356" cy="2987040"/>
+            <a:off x="881778" y="609600"/>
+            <a:ext cx="4128849" cy="2133600"/>
           </a:xfrm>
         </p:spPr>
         <p:txBody>
           <a:bodyPr anchor="b"/>
           <a:lstStyle>
             <a:lvl1pPr>
-              <a:defRPr sz="5973"/>
+              <a:defRPr sz="4267"/>
             </a:lvl1pPr>
           </a:lstStyle>
           <a:p>
@@ -2660,8 +2660,8 @@
         </p:nvSpPr>
         <p:spPr>
           <a:xfrm>
-            <a:off x="7774782" y="1843196"/>
-            <a:ext cx="9258300" cy="9097433"/>
+            <a:off x="5442347" y="1316569"/>
+            <a:ext cx="6480810" cy="6498167"/>
           </a:xfrm>
         </p:spPr>
         <p:txBody>
@@ -2669,39 +2669,39 @@
           <a:lstStyle>
             <a:lvl1pPr marL="0" indent="0">
               <a:buNone/>
-              <a:defRPr sz="5973"/>
+              <a:defRPr sz="4267"/>
             </a:lvl1pPr>
-            <a:lvl2pPr marL="853455" indent="0">
-              <a:buNone/>
-              <a:defRPr sz="5227"/>
-            </a:lvl2pPr>
-            <a:lvl3pPr marL="1706910" indent="0">
-              <a:buNone/>
-              <a:defRPr sz="4480"/>
-            </a:lvl3pPr>
-            <a:lvl4pPr marL="2560366" indent="0">
+            <a:lvl2pPr marL="609585" indent="0">
               <a:buNone/>
               <a:defRPr sz="3733"/>
+            </a:lvl2pPr>
+            <a:lvl3pPr marL="1219170" indent="0">
+              <a:buNone/>
+              <a:defRPr sz="3200"/>
+            </a:lvl3pPr>
+            <a:lvl4pPr marL="1828754" indent="0">
+              <a:buNone/>
+              <a:defRPr sz="2667"/>
             </a:lvl4pPr>
-            <a:lvl5pPr marL="3413821" indent="0">
+            <a:lvl5pPr marL="2438339" indent="0">
               <a:buNone/>
-              <a:defRPr sz="3733"/>
+              <a:defRPr sz="2667"/>
             </a:lvl5pPr>
-            <a:lvl6pPr marL="4267276" indent="0">
+            <a:lvl6pPr marL="3047924" indent="0">
               <a:buNone/>
-              <a:defRPr sz="3733"/>
+              <a:defRPr sz="2667"/>
             </a:lvl6pPr>
-            <a:lvl7pPr marL="5120731" indent="0">
+            <a:lvl7pPr marL="3657509" indent="0">
               <a:buNone/>
-              <a:defRPr sz="3733"/>
+              <a:defRPr sz="2667"/>
             </a:lvl7pPr>
-            <a:lvl8pPr marL="5974187" indent="0">
+            <a:lvl8pPr marL="4267093" indent="0">
               <a:buNone/>
-              <a:defRPr sz="3733"/>
+              <a:defRPr sz="2667"/>
             </a:lvl8pPr>
-            <a:lvl9pPr marL="6827642" indent="0">
+            <a:lvl9pPr marL="4876678" indent="0">
               <a:buNone/>
-              <a:defRPr sz="3733"/>
+              <a:defRPr sz="2667"/>
             </a:lvl9pPr>
           </a:lstStyle>
           <a:p>
@@ -2725,8 +2725,8 @@
         </p:nvSpPr>
         <p:spPr>
           <a:xfrm>
-            <a:off x="1259682" y="3840480"/>
-            <a:ext cx="5898356" cy="7114964"/>
+            <a:off x="881778" y="2743200"/>
+            <a:ext cx="4128849" cy="5082117"/>
           </a:xfrm>
         </p:spPr>
         <p:txBody>
@@ -2734,39 +2734,39 @@
           <a:lstStyle>
             <a:lvl1pPr marL="0" indent="0">
               <a:buNone/>
-              <a:defRPr sz="2987"/>
+              <a:defRPr sz="2133"/>
             </a:lvl1pPr>
-            <a:lvl2pPr marL="853455" indent="0">
-              <a:buNone/>
-              <a:defRPr sz="2613"/>
-            </a:lvl2pPr>
-            <a:lvl3pPr marL="1706910" indent="0">
-              <a:buNone/>
-              <a:defRPr sz="2240"/>
-            </a:lvl3pPr>
-            <a:lvl4pPr marL="2560366" indent="0">
+            <a:lvl2pPr marL="609585" indent="0">
               <a:buNone/>
               <a:defRPr sz="1867"/>
+            </a:lvl2pPr>
+            <a:lvl3pPr marL="1219170" indent="0">
+              <a:buNone/>
+              <a:defRPr sz="1600"/>
+            </a:lvl3pPr>
+            <a:lvl4pPr marL="1828754" indent="0">
+              <a:buNone/>
+              <a:defRPr sz="1333"/>
             </a:lvl4pPr>
-            <a:lvl5pPr marL="3413821" indent="0">
+            <a:lvl5pPr marL="2438339" indent="0">
               <a:buNone/>
-              <a:defRPr sz="1867"/>
+              <a:defRPr sz="1333"/>
             </a:lvl5pPr>
-            <a:lvl6pPr marL="4267276" indent="0">
+            <a:lvl6pPr marL="3047924" indent="0">
               <a:buNone/>
-              <a:defRPr sz="1867"/>
+              <a:defRPr sz="1333"/>
             </a:lvl6pPr>
-            <a:lvl7pPr marL="5120731" indent="0">
+            <a:lvl7pPr marL="3657509" indent="0">
               <a:buNone/>
-              <a:defRPr sz="1867"/>
+              <a:defRPr sz="1333"/>
             </a:lvl7pPr>
-            <a:lvl8pPr marL="5974187" indent="0">
+            <a:lvl8pPr marL="4267093" indent="0">
               <a:buNone/>
-              <a:defRPr sz="1867"/>
+              <a:defRPr sz="1333"/>
             </a:lvl8pPr>
-            <a:lvl9pPr marL="6827642" indent="0">
+            <a:lvl9pPr marL="4876678" indent="0">
               <a:buNone/>
-              <a:defRPr sz="1867"/>
+              <a:defRPr sz="1333"/>
             </a:lvl9pPr>
           </a:lstStyle>
           <a:p>
@@ -2846,7 +2846,7 @@
     </p:spTree>
     <p:extLst>
       <p:ext uri="{BB962C8B-B14F-4D97-AF65-F5344CB8AC3E}">
-        <p14:creationId xmlns:p14="http://schemas.microsoft.com/office/powerpoint/2010/main" val="656723097"/>
+        <p14:creationId xmlns:p14="http://schemas.microsoft.com/office/powerpoint/2010/main" val="1223898704"/>
       </p:ext>
     </p:extLst>
   </p:cSld>
@@ -2890,8 +2890,8 @@
         </p:nvSpPr>
         <p:spPr>
           <a:xfrm>
-            <a:off x="1257300" y="681570"/>
-            <a:ext cx="15773400" cy="2474384"/>
+            <a:off x="880110" y="486836"/>
+            <a:ext cx="11041380" cy="1767417"/>
           </a:xfrm>
           <a:prstGeom prst="rect">
             <a:avLst/>
@@ -2923,8 +2923,8 @@
         </p:nvSpPr>
         <p:spPr>
           <a:xfrm>
-            <a:off x="1257300" y="3407833"/>
-            <a:ext cx="15773400" cy="8122498"/>
+            <a:off x="880110" y="2434167"/>
+            <a:ext cx="11041380" cy="5801784"/>
           </a:xfrm>
           <a:prstGeom prst="rect">
             <a:avLst/>
@@ -2985,8 +2985,8 @@
         </p:nvSpPr>
         <p:spPr>
           <a:xfrm>
-            <a:off x="1257300" y="11865189"/>
-            <a:ext cx="4114800" cy="681567"/>
+            <a:off x="880110" y="8475136"/>
+            <a:ext cx="2880360" cy="486833"/>
           </a:xfrm>
           <a:prstGeom prst="rect">
             <a:avLst/>
@@ -2996,7 +2996,7 @@
           <a:bodyPr vert="horz" lIns="91440" tIns="45720" rIns="91440" bIns="45720" rtlCol="0" anchor="ctr"/>
           <a:lstStyle>
             <a:lvl1pPr algn="l">
-              <a:defRPr sz="2240">
+              <a:defRPr sz="1600">
                 <a:solidFill>
                   <a:schemeClr val="tx1">
                     <a:tint val="75000"/>
@@ -3026,8 +3026,8 @@
         </p:nvSpPr>
         <p:spPr>
           <a:xfrm>
-            <a:off x="6057900" y="11865189"/>
-            <a:ext cx="6172200" cy="681567"/>
+            <a:off x="4240530" y="8475136"/>
+            <a:ext cx="4320540" cy="486833"/>
           </a:xfrm>
           <a:prstGeom prst="rect">
             <a:avLst/>
@@ -3037,7 +3037,7 @@
           <a:bodyPr vert="horz" lIns="91440" tIns="45720" rIns="91440" bIns="45720" rtlCol="0" anchor="ctr"/>
           <a:lstStyle>
             <a:lvl1pPr algn="ctr">
-              <a:defRPr sz="2240">
+              <a:defRPr sz="1600">
                 <a:solidFill>
                   <a:schemeClr val="tx1">
                     <a:tint val="75000"/>
@@ -3063,8 +3063,8 @@
         </p:nvSpPr>
         <p:spPr>
           <a:xfrm>
-            <a:off x="12915900" y="11865189"/>
-            <a:ext cx="4114800" cy="681567"/>
+            <a:off x="9041130" y="8475136"/>
+            <a:ext cx="2880360" cy="486833"/>
           </a:xfrm>
           <a:prstGeom prst="rect">
             <a:avLst/>
@@ -3074,7 +3074,7 @@
           <a:bodyPr vert="horz" lIns="91440" tIns="45720" rIns="91440" bIns="45720" rtlCol="0" anchor="ctr"/>
           <a:lstStyle>
             <a:lvl1pPr algn="r">
-              <a:defRPr sz="2240">
+              <a:defRPr sz="1600">
                 <a:solidFill>
                   <a:schemeClr val="tx1">
                     <a:tint val="75000"/>
@@ -3095,27 +3095,27 @@
     </p:spTree>
     <p:extLst>
       <p:ext uri="{BB962C8B-B14F-4D97-AF65-F5344CB8AC3E}">
-        <p14:creationId xmlns:p14="http://schemas.microsoft.com/office/powerpoint/2010/main" val="2217437719"/>
+        <p14:creationId xmlns:p14="http://schemas.microsoft.com/office/powerpoint/2010/main" val="1806731334"/>
       </p:ext>
     </p:extLst>
   </p:cSld>
   <p:clrMap bg1="lt1" tx1="dk1" bg2="lt2" tx2="dk2" accent1="accent1" accent2="accent2" accent3="accent3" accent4="accent4" accent5="accent5" accent6="accent6" hlink="hlink" folHlink="folHlink"/>
   <p:sldLayoutIdLst>
-    <p:sldLayoutId id="2147484478" r:id="rId1"/>
-    <p:sldLayoutId id="2147484479" r:id="rId2"/>
-    <p:sldLayoutId id="2147484480" r:id="rId3"/>
-    <p:sldLayoutId id="2147484481" r:id="rId4"/>
-    <p:sldLayoutId id="2147484482" r:id="rId5"/>
-    <p:sldLayoutId id="2147484483" r:id="rId6"/>
-    <p:sldLayoutId id="2147484484" r:id="rId7"/>
-    <p:sldLayoutId id="2147484485" r:id="rId8"/>
-    <p:sldLayoutId id="2147484486" r:id="rId9"/>
-    <p:sldLayoutId id="2147484487" r:id="rId10"/>
-    <p:sldLayoutId id="2147484488" r:id="rId11"/>
+    <p:sldLayoutId id="2147484490" r:id="rId1"/>
+    <p:sldLayoutId id="2147484491" r:id="rId2"/>
+    <p:sldLayoutId id="2147484492" r:id="rId3"/>
+    <p:sldLayoutId id="2147484493" r:id="rId4"/>
+    <p:sldLayoutId id="2147484494" r:id="rId5"/>
+    <p:sldLayoutId id="2147484495" r:id="rId6"/>
+    <p:sldLayoutId id="2147484496" r:id="rId7"/>
+    <p:sldLayoutId id="2147484497" r:id="rId8"/>
+    <p:sldLayoutId id="2147484498" r:id="rId9"/>
+    <p:sldLayoutId id="2147484499" r:id="rId10"/>
+    <p:sldLayoutId id="2147484500" r:id="rId11"/>
   </p:sldLayoutIdLst>
   <p:txStyles>
     <p:titleStyle>
-      <a:lvl1pPr algn="l" defTabSz="1706910" rtl="0" eaLnBrk="1" latinLnBrk="0" hangingPunct="1">
+      <a:lvl1pPr algn="l" defTabSz="1219170" rtl="0" eaLnBrk="1" latinLnBrk="0" hangingPunct="1">
         <a:lnSpc>
           <a:spcPct val="90000"/>
         </a:lnSpc>
@@ -3123,7 +3123,7 @@
           <a:spcPct val="0"/>
         </a:spcBef>
         <a:buNone/>
-        <a:defRPr sz="8213" kern="1200">
+        <a:defRPr sz="5867" kern="1200">
           <a:solidFill>
             <a:schemeClr val="tx1"/>
           </a:solidFill>
@@ -3134,48 +3134,12 @@
       </a:lvl1pPr>
     </p:titleStyle>
     <p:bodyStyle>
-      <a:lvl1pPr marL="426728" indent="-426728" algn="l" defTabSz="1706910" rtl="0" eaLnBrk="1" latinLnBrk="0" hangingPunct="1">
+      <a:lvl1pPr marL="304792" indent="-304792" algn="l" defTabSz="1219170" rtl="0" eaLnBrk="1" latinLnBrk="0" hangingPunct="1">
         <a:lnSpc>
           <a:spcPct val="90000"/>
         </a:lnSpc>
         <a:spcBef>
-          <a:spcPts val="1867"/>
-        </a:spcBef>
-        <a:buFont typeface="Arial" panose="020B0604020202020204" pitchFamily="34" charset="0"/>
-        <a:buChar char="•"/>
-        <a:defRPr sz="5227" kern="1200">
-          <a:solidFill>
-            <a:schemeClr val="tx1"/>
-          </a:solidFill>
-          <a:latin typeface="+mn-lt"/>
-          <a:ea typeface="+mn-ea"/>
-          <a:cs typeface="+mn-cs"/>
-        </a:defRPr>
-      </a:lvl1pPr>
-      <a:lvl2pPr marL="1280183" indent="-426728" algn="l" defTabSz="1706910" rtl="0" eaLnBrk="1" latinLnBrk="0" hangingPunct="1">
-        <a:lnSpc>
-          <a:spcPct val="90000"/>
-        </a:lnSpc>
-        <a:spcBef>
-          <a:spcPts val="933"/>
-        </a:spcBef>
-        <a:buFont typeface="Arial" panose="020B0604020202020204" pitchFamily="34" charset="0"/>
-        <a:buChar char="•"/>
-        <a:defRPr sz="4480" kern="1200">
-          <a:solidFill>
-            <a:schemeClr val="tx1"/>
-          </a:solidFill>
-          <a:latin typeface="+mn-lt"/>
-          <a:ea typeface="+mn-ea"/>
-          <a:cs typeface="+mn-cs"/>
-        </a:defRPr>
-      </a:lvl2pPr>
-      <a:lvl3pPr marL="2133638" indent="-426728" algn="l" defTabSz="1706910" rtl="0" eaLnBrk="1" latinLnBrk="0" hangingPunct="1">
-        <a:lnSpc>
-          <a:spcPct val="90000"/>
-        </a:lnSpc>
-        <a:spcBef>
-          <a:spcPts val="933"/>
+          <a:spcPts val="1333"/>
         </a:spcBef>
         <a:buFont typeface="Arial" panose="020B0604020202020204" pitchFamily="34" charset="0"/>
         <a:buChar char="•"/>
@@ -3187,17 +3151,53 @@
           <a:ea typeface="+mn-ea"/>
           <a:cs typeface="+mn-cs"/>
         </a:defRPr>
-      </a:lvl3pPr>
-      <a:lvl4pPr marL="2987093" indent="-426728" algn="l" defTabSz="1706910" rtl="0" eaLnBrk="1" latinLnBrk="0" hangingPunct="1">
+      </a:lvl1pPr>
+      <a:lvl2pPr marL="914377" indent="-304792" algn="l" defTabSz="1219170" rtl="0" eaLnBrk="1" latinLnBrk="0" hangingPunct="1">
         <a:lnSpc>
           <a:spcPct val="90000"/>
         </a:lnSpc>
         <a:spcBef>
-          <a:spcPts val="933"/>
+          <a:spcPts val="667"/>
         </a:spcBef>
         <a:buFont typeface="Arial" panose="020B0604020202020204" pitchFamily="34" charset="0"/>
         <a:buChar char="•"/>
-        <a:defRPr sz="3360" kern="1200">
+        <a:defRPr sz="3200" kern="1200">
+          <a:solidFill>
+            <a:schemeClr val="tx1"/>
+          </a:solidFill>
+          <a:latin typeface="+mn-lt"/>
+          <a:ea typeface="+mn-ea"/>
+          <a:cs typeface="+mn-cs"/>
+        </a:defRPr>
+      </a:lvl2pPr>
+      <a:lvl3pPr marL="1523962" indent="-304792" algn="l" defTabSz="1219170" rtl="0" eaLnBrk="1" latinLnBrk="0" hangingPunct="1">
+        <a:lnSpc>
+          <a:spcPct val="90000"/>
+        </a:lnSpc>
+        <a:spcBef>
+          <a:spcPts val="667"/>
+        </a:spcBef>
+        <a:buFont typeface="Arial" panose="020B0604020202020204" pitchFamily="34" charset="0"/>
+        <a:buChar char="•"/>
+        <a:defRPr sz="2667" kern="1200">
+          <a:solidFill>
+            <a:schemeClr val="tx1"/>
+          </a:solidFill>
+          <a:latin typeface="+mn-lt"/>
+          <a:ea typeface="+mn-ea"/>
+          <a:cs typeface="+mn-cs"/>
+        </a:defRPr>
+      </a:lvl3pPr>
+      <a:lvl4pPr marL="2133547" indent="-304792" algn="l" defTabSz="1219170" rtl="0" eaLnBrk="1" latinLnBrk="0" hangingPunct="1">
+        <a:lnSpc>
+          <a:spcPct val="90000"/>
+        </a:lnSpc>
+        <a:spcBef>
+          <a:spcPts val="667"/>
+        </a:spcBef>
+        <a:buFont typeface="Arial" panose="020B0604020202020204" pitchFamily="34" charset="0"/>
+        <a:buChar char="•"/>
+        <a:defRPr sz="2400" kern="1200">
           <a:solidFill>
             <a:schemeClr val="tx1"/>
           </a:solidFill>
@@ -3206,16 +3206,16 @@
           <a:cs typeface="+mn-cs"/>
         </a:defRPr>
       </a:lvl4pPr>
-      <a:lvl5pPr marL="3840549" indent="-426728" algn="l" defTabSz="1706910" rtl="0" eaLnBrk="1" latinLnBrk="0" hangingPunct="1">
+      <a:lvl5pPr marL="2743131" indent="-304792" algn="l" defTabSz="1219170" rtl="0" eaLnBrk="1" latinLnBrk="0" hangingPunct="1">
         <a:lnSpc>
           <a:spcPct val="90000"/>
         </a:lnSpc>
         <a:spcBef>
-          <a:spcPts val="933"/>
+          <a:spcPts val="667"/>
         </a:spcBef>
         <a:buFont typeface="Arial" panose="020B0604020202020204" pitchFamily="34" charset="0"/>
         <a:buChar char="•"/>
-        <a:defRPr sz="3360" kern="1200">
+        <a:defRPr sz="2400" kern="1200">
           <a:solidFill>
             <a:schemeClr val="tx1"/>
           </a:solidFill>
@@ -3224,16 +3224,16 @@
           <a:cs typeface="+mn-cs"/>
         </a:defRPr>
       </a:lvl5pPr>
-      <a:lvl6pPr marL="4694004" indent="-426728" algn="l" defTabSz="1706910" rtl="0" eaLnBrk="1" latinLnBrk="0" hangingPunct="1">
+      <a:lvl6pPr marL="3352716" indent="-304792" algn="l" defTabSz="1219170" rtl="0" eaLnBrk="1" latinLnBrk="0" hangingPunct="1">
         <a:lnSpc>
           <a:spcPct val="90000"/>
         </a:lnSpc>
         <a:spcBef>
-          <a:spcPts val="933"/>
+          <a:spcPts val="667"/>
         </a:spcBef>
         <a:buFont typeface="Arial" panose="020B0604020202020204" pitchFamily="34" charset="0"/>
         <a:buChar char="•"/>
-        <a:defRPr sz="3360" kern="1200">
+        <a:defRPr sz="2400" kern="1200">
           <a:solidFill>
             <a:schemeClr val="tx1"/>
           </a:solidFill>
@@ -3242,16 +3242,16 @@
           <a:cs typeface="+mn-cs"/>
         </a:defRPr>
       </a:lvl6pPr>
-      <a:lvl7pPr marL="5547459" indent="-426728" algn="l" defTabSz="1706910" rtl="0" eaLnBrk="1" latinLnBrk="0" hangingPunct="1">
+      <a:lvl7pPr marL="3962301" indent="-304792" algn="l" defTabSz="1219170" rtl="0" eaLnBrk="1" latinLnBrk="0" hangingPunct="1">
         <a:lnSpc>
           <a:spcPct val="90000"/>
         </a:lnSpc>
         <a:spcBef>
-          <a:spcPts val="933"/>
+          <a:spcPts val="667"/>
         </a:spcBef>
         <a:buFont typeface="Arial" panose="020B0604020202020204" pitchFamily="34" charset="0"/>
         <a:buChar char="•"/>
-        <a:defRPr sz="3360" kern="1200">
+        <a:defRPr sz="2400" kern="1200">
           <a:solidFill>
             <a:schemeClr val="tx1"/>
           </a:solidFill>
@@ -3260,16 +3260,16 @@
           <a:cs typeface="+mn-cs"/>
         </a:defRPr>
       </a:lvl7pPr>
-      <a:lvl8pPr marL="6400914" indent="-426728" algn="l" defTabSz="1706910" rtl="0" eaLnBrk="1" latinLnBrk="0" hangingPunct="1">
+      <a:lvl8pPr marL="4571886" indent="-304792" algn="l" defTabSz="1219170" rtl="0" eaLnBrk="1" latinLnBrk="0" hangingPunct="1">
         <a:lnSpc>
           <a:spcPct val="90000"/>
         </a:lnSpc>
         <a:spcBef>
-          <a:spcPts val="933"/>
+          <a:spcPts val="667"/>
         </a:spcBef>
         <a:buFont typeface="Arial" panose="020B0604020202020204" pitchFamily="34" charset="0"/>
         <a:buChar char="•"/>
-        <a:defRPr sz="3360" kern="1200">
+        <a:defRPr sz="2400" kern="1200">
           <a:solidFill>
             <a:schemeClr val="tx1"/>
           </a:solidFill>
@@ -3278,16 +3278,16 @@
           <a:cs typeface="+mn-cs"/>
         </a:defRPr>
       </a:lvl8pPr>
-      <a:lvl9pPr marL="7254370" indent="-426728" algn="l" defTabSz="1706910" rtl="0" eaLnBrk="1" latinLnBrk="0" hangingPunct="1">
+      <a:lvl9pPr marL="5181470" indent="-304792" algn="l" defTabSz="1219170" rtl="0" eaLnBrk="1" latinLnBrk="0" hangingPunct="1">
         <a:lnSpc>
           <a:spcPct val="90000"/>
         </a:lnSpc>
         <a:spcBef>
-          <a:spcPts val="933"/>
+          <a:spcPts val="667"/>
         </a:spcBef>
         <a:buFont typeface="Arial" panose="020B0604020202020204" pitchFamily="34" charset="0"/>
         <a:buChar char="•"/>
-        <a:defRPr sz="3360" kern="1200">
+        <a:defRPr sz="2400" kern="1200">
           <a:solidFill>
             <a:schemeClr val="tx1"/>
           </a:solidFill>
@@ -3301,8 +3301,8 @@
       <a:defPPr>
         <a:defRPr lang="en-US"/>
       </a:defPPr>
-      <a:lvl1pPr marL="0" algn="l" defTabSz="1706910" rtl="0" eaLnBrk="1" latinLnBrk="0" hangingPunct="1">
-        <a:defRPr sz="3360" kern="1200">
+      <a:lvl1pPr marL="0" algn="l" defTabSz="1219170" rtl="0" eaLnBrk="1" latinLnBrk="0" hangingPunct="1">
+        <a:defRPr sz="2400" kern="1200">
           <a:solidFill>
             <a:schemeClr val="tx1"/>
           </a:solidFill>
@@ -3311,8 +3311,8 @@
           <a:cs typeface="+mn-cs"/>
         </a:defRPr>
       </a:lvl1pPr>
-      <a:lvl2pPr marL="853455" algn="l" defTabSz="1706910" rtl="0" eaLnBrk="1" latinLnBrk="0" hangingPunct="1">
-        <a:defRPr sz="3360" kern="1200">
+      <a:lvl2pPr marL="609585" algn="l" defTabSz="1219170" rtl="0" eaLnBrk="1" latinLnBrk="0" hangingPunct="1">
+        <a:defRPr sz="2400" kern="1200">
           <a:solidFill>
             <a:schemeClr val="tx1"/>
           </a:solidFill>
@@ -3321,8 +3321,8 @@
           <a:cs typeface="+mn-cs"/>
         </a:defRPr>
       </a:lvl2pPr>
-      <a:lvl3pPr marL="1706910" algn="l" defTabSz="1706910" rtl="0" eaLnBrk="1" latinLnBrk="0" hangingPunct="1">
-        <a:defRPr sz="3360" kern="1200">
+      <a:lvl3pPr marL="1219170" algn="l" defTabSz="1219170" rtl="0" eaLnBrk="1" latinLnBrk="0" hangingPunct="1">
+        <a:defRPr sz="2400" kern="1200">
           <a:solidFill>
             <a:schemeClr val="tx1"/>
           </a:solidFill>
@@ -3331,8 +3331,8 @@
           <a:cs typeface="+mn-cs"/>
         </a:defRPr>
       </a:lvl3pPr>
-      <a:lvl4pPr marL="2560366" algn="l" defTabSz="1706910" rtl="0" eaLnBrk="1" latinLnBrk="0" hangingPunct="1">
-        <a:defRPr sz="3360" kern="1200">
+      <a:lvl4pPr marL="1828754" algn="l" defTabSz="1219170" rtl="0" eaLnBrk="1" latinLnBrk="0" hangingPunct="1">
+        <a:defRPr sz="2400" kern="1200">
           <a:solidFill>
             <a:schemeClr val="tx1"/>
           </a:solidFill>
@@ -3341,8 +3341,8 @@
           <a:cs typeface="+mn-cs"/>
         </a:defRPr>
       </a:lvl4pPr>
-      <a:lvl5pPr marL="3413821" algn="l" defTabSz="1706910" rtl="0" eaLnBrk="1" latinLnBrk="0" hangingPunct="1">
-        <a:defRPr sz="3360" kern="1200">
+      <a:lvl5pPr marL="2438339" algn="l" defTabSz="1219170" rtl="0" eaLnBrk="1" latinLnBrk="0" hangingPunct="1">
+        <a:defRPr sz="2400" kern="1200">
           <a:solidFill>
             <a:schemeClr val="tx1"/>
           </a:solidFill>
@@ -3351,8 +3351,8 @@
           <a:cs typeface="+mn-cs"/>
         </a:defRPr>
       </a:lvl5pPr>
-      <a:lvl6pPr marL="4267276" algn="l" defTabSz="1706910" rtl="0" eaLnBrk="1" latinLnBrk="0" hangingPunct="1">
-        <a:defRPr sz="3360" kern="1200">
+      <a:lvl6pPr marL="3047924" algn="l" defTabSz="1219170" rtl="0" eaLnBrk="1" latinLnBrk="0" hangingPunct="1">
+        <a:defRPr sz="2400" kern="1200">
           <a:solidFill>
             <a:schemeClr val="tx1"/>
           </a:solidFill>
@@ -3361,8 +3361,8 @@
           <a:cs typeface="+mn-cs"/>
         </a:defRPr>
       </a:lvl6pPr>
-      <a:lvl7pPr marL="5120731" algn="l" defTabSz="1706910" rtl="0" eaLnBrk="1" latinLnBrk="0" hangingPunct="1">
-        <a:defRPr sz="3360" kern="1200">
+      <a:lvl7pPr marL="3657509" algn="l" defTabSz="1219170" rtl="0" eaLnBrk="1" latinLnBrk="0" hangingPunct="1">
+        <a:defRPr sz="2400" kern="1200">
           <a:solidFill>
             <a:schemeClr val="tx1"/>
           </a:solidFill>
@@ -3371,8 +3371,8 @@
           <a:cs typeface="+mn-cs"/>
         </a:defRPr>
       </a:lvl7pPr>
-      <a:lvl8pPr marL="5974187" algn="l" defTabSz="1706910" rtl="0" eaLnBrk="1" latinLnBrk="0" hangingPunct="1">
-        <a:defRPr sz="3360" kern="1200">
+      <a:lvl8pPr marL="4267093" algn="l" defTabSz="1219170" rtl="0" eaLnBrk="1" latinLnBrk="0" hangingPunct="1">
+        <a:defRPr sz="2400" kern="1200">
           <a:solidFill>
             <a:schemeClr val="tx1"/>
           </a:solidFill>
@@ -3381,8 +3381,8 @@
           <a:cs typeface="+mn-cs"/>
         </a:defRPr>
       </a:lvl8pPr>
-      <a:lvl9pPr marL="6827642" algn="l" defTabSz="1706910" rtl="0" eaLnBrk="1" latinLnBrk="0" hangingPunct="1">
-        <a:defRPr sz="3360" kern="1200">
+      <a:lvl9pPr marL="4876678" algn="l" defTabSz="1219170" rtl="0" eaLnBrk="1" latinLnBrk="0" hangingPunct="1">
+        <a:defRPr sz="2400" kern="1200">
           <a:solidFill>
             <a:schemeClr val="tx1"/>
           </a:solidFill>
@@ -3421,7 +3421,7 @@
         </p:nvSpPr>
         <p:spPr>
           <a:xfrm>
-            <a:off x="3581400" y="2971800"/>
+            <a:off x="304800" y="2133600"/>
             <a:ext cx="1524000" cy="228600"/>
           </a:xfrm>
           <a:prstGeom prst="roundRect">
@@ -3459,7 +3459,7 @@
           <a:p>
             <a:pPr algn="ctr"/>
             <a:r>
-              <a:rPr lang="en-US" sz="900" dirty="0" smtClean="0">
+              <a:rPr lang="en-US" sz="900" dirty="0">
                 <a:solidFill>
                   <a:srgbClr val="000000"/>
                 </a:solidFill>
@@ -3488,8 +3488,8 @@
         </p:nvCxnSpPr>
         <p:spPr>
           <a:xfrm>
-            <a:off x="2895600" y="4191000"/>
-            <a:ext cx="1905000" cy="0"/>
+            <a:off x="533400" y="6248400"/>
+            <a:ext cx="6096000" cy="0"/>
           </a:xfrm>
           <a:prstGeom prst="line">
             <a:avLst/>
@@ -3499,7 +3499,7 @@
               <a:srgbClr val="000000"/>
             </a:solidFill>
             <a:headEnd type="none" w="med" len="med"/>
-            <a:tailEnd type="triangle" w="med" len="med"/>
+            <a:tailEnd type="none" w="med" len="med"/>
           </a:ln>
         </p:spPr>
         <p:style>
@@ -3525,7 +3525,7 @@
         </p:nvSpPr>
         <p:spPr>
           <a:xfrm>
-            <a:off x="2667000" y="4114800"/>
+            <a:off x="304800" y="6172200"/>
             <a:ext cx="228600" cy="152400"/>
           </a:xfrm>
           <a:prstGeom prst="homePlate">
@@ -3576,7 +3576,7 @@
         </p:nvCxnSpPr>
         <p:spPr>
           <a:xfrm flipV="1">
-            <a:off x="2971800" y="4114800"/>
+            <a:off x="609600" y="6172200"/>
             <a:ext cx="152400" cy="152400"/>
           </a:xfrm>
           <a:prstGeom prst="line">
@@ -3613,7 +3613,7 @@
         </p:nvSpPr>
         <p:spPr>
           <a:xfrm>
-            <a:off x="2971800" y="4038600"/>
+            <a:off x="609600" y="6096000"/>
             <a:ext cx="152400" cy="76200"/>
           </a:xfrm>
           <a:prstGeom prst="rect">
@@ -3666,7 +3666,7 @@
         </p:nvSpPr>
         <p:spPr>
           <a:xfrm>
-            <a:off x="3276600" y="4038600"/>
+            <a:off x="914400" y="6096000"/>
             <a:ext cx="457200" cy="152400"/>
           </a:xfrm>
           <a:prstGeom prst="rect">
@@ -3698,7 +3698,7 @@
           <a:lstStyle/>
           <a:p>
             <a:r>
-              <a:rPr lang="en-US" sz="900" dirty="0" smtClean="0">
+              <a:rPr lang="en-US" sz="900" dirty="0">
                 <a:solidFill>
                   <a:srgbClr val="000000"/>
                 </a:solidFill>
@@ -3725,7 +3725,7 @@
         </p:nvSpPr>
         <p:spPr>
           <a:xfrm>
-            <a:off x="11963400" y="6019801"/>
+            <a:off x="10515600" y="4038602"/>
             <a:ext cx="304800" cy="304793"/>
           </a:xfrm>
           <a:prstGeom prst="rect">
@@ -3771,7 +3771,7 @@
         </p:nvCxnSpPr>
         <p:spPr>
           <a:xfrm flipV="1">
-            <a:off x="12039601" y="6248346"/>
+            <a:off x="10591801" y="4267146"/>
             <a:ext cx="76200" cy="76200"/>
           </a:xfrm>
           <a:prstGeom prst="line">
@@ -3806,7 +3806,7 @@
         </p:nvCxnSpPr>
         <p:spPr>
           <a:xfrm flipH="1" flipV="1">
-            <a:off x="12115801" y="6248346"/>
+            <a:off x="10668001" y="4267146"/>
             <a:ext cx="76200" cy="76200"/>
           </a:xfrm>
           <a:prstGeom prst="line">
@@ -3841,7 +3841,7 @@
         </p:nvSpPr>
         <p:spPr>
           <a:xfrm>
-            <a:off x="12039600" y="6019755"/>
+            <a:off x="10591800" y="4038555"/>
             <a:ext cx="152400" cy="152400"/>
           </a:xfrm>
           <a:prstGeom prst="rect">
@@ -3894,7 +3894,7 @@
         </p:nvSpPr>
         <p:spPr>
           <a:xfrm rot="5400000">
-            <a:off x="11353800" y="6019800"/>
+            <a:off x="8991600" y="4191000"/>
             <a:ext cx="457200" cy="152400"/>
           </a:xfrm>
           <a:prstGeom prst="trapezoid">
@@ -3942,7 +3942,7 @@
         </p:nvSpPr>
         <p:spPr>
           <a:xfrm>
-            <a:off x="11506200" y="6096000"/>
+            <a:off x="9144000" y="4267200"/>
             <a:ext cx="152400" cy="152400"/>
           </a:xfrm>
           <a:prstGeom prst="rect">
@@ -3994,7 +3994,7 @@
         </p:nvSpPr>
         <p:spPr>
           <a:xfrm>
-            <a:off x="11506200" y="5943600"/>
+            <a:off x="9144000" y="4114800"/>
             <a:ext cx="152400" cy="152400"/>
           </a:xfrm>
           <a:prstGeom prst="rect">
@@ -4041,13 +4041,15 @@
       <p:cxnSp>
         <p:nvCxnSpPr>
           <p:cNvPr id="457" name="Straight Connector 456"/>
-          <p:cNvCxnSpPr/>
+          <p:cNvCxnSpPr>
+            <a:endCxn id="116" idx="1"/>
+          </p:cNvCxnSpPr>
           <p:nvPr/>
         </p:nvCxnSpPr>
         <p:spPr>
           <a:xfrm>
-            <a:off x="12268200" y="6096000"/>
-            <a:ext cx="914400" cy="0"/>
+            <a:off x="10820400" y="4114800"/>
+            <a:ext cx="1295400" cy="0"/>
           </a:xfrm>
           <a:prstGeom prst="line">
             <a:avLst/>
@@ -4083,7 +4085,7 @@
         </p:nvSpPr>
         <p:spPr>
           <a:xfrm rot="16200000">
-            <a:off x="10972800" y="6553200"/>
+            <a:off x="8610600" y="4724400"/>
             <a:ext cx="304800" cy="304800"/>
           </a:xfrm>
           <a:prstGeom prst="rect">
@@ -4138,7 +4140,7 @@
         </p:nvSpPr>
         <p:spPr>
           <a:xfrm rot="5400000">
-            <a:off x="10363200" y="6172200"/>
+            <a:off x="8001000" y="4343400"/>
             <a:ext cx="457200" cy="152400"/>
           </a:xfrm>
           <a:prstGeom prst="trapezoid">
@@ -4186,7 +4188,7 @@
         </p:nvSpPr>
         <p:spPr>
           <a:xfrm>
-            <a:off x="10515600" y="6096000"/>
+            <a:off x="8153400" y="4267200"/>
             <a:ext cx="152400" cy="152400"/>
           </a:xfrm>
           <a:prstGeom prst="rect">
@@ -4238,7 +4240,7 @@
         </p:nvSpPr>
         <p:spPr>
           <a:xfrm>
-            <a:off x="10515600" y="6248400"/>
+            <a:off x="8153400" y="4419600"/>
             <a:ext cx="152400" cy="152400"/>
           </a:xfrm>
           <a:prstGeom prst="rect">
@@ -4292,8 +4294,8 @@
         </p:nvCxnSpPr>
         <p:spPr>
           <a:xfrm>
-            <a:off x="11658600" y="6096000"/>
-            <a:ext cx="304800" cy="0"/>
+            <a:off x="9296400" y="4267200"/>
+            <a:ext cx="609600" cy="0"/>
           </a:xfrm>
           <a:prstGeom prst="line">
             <a:avLst/>
@@ -4329,7 +4331,7 @@
         </p:nvCxnSpPr>
         <p:spPr>
           <a:xfrm>
-            <a:off x="11201400" y="5943600"/>
+            <a:off x="8839200" y="4114800"/>
             <a:ext cx="304800" cy="0"/>
           </a:xfrm>
           <a:prstGeom prst="line">
@@ -4366,7 +4368,7 @@
         </p:nvSpPr>
         <p:spPr>
           <a:xfrm>
-            <a:off x="10896600" y="5791200"/>
+            <a:off x="8534400" y="3962400"/>
             <a:ext cx="457200" cy="152400"/>
           </a:xfrm>
           <a:prstGeom prst="rect">
@@ -4408,13 +4410,6 @@
               </a:rPr>
               <a:t>8’d0</a:t>
             </a:r>
-            <a:endParaRPr lang="en-US" sz="900" dirty="0">
-              <a:solidFill>
-                <a:srgbClr val="000000"/>
-              </a:solidFill>
-              <a:latin typeface="Courier New" panose="02070309020205020404" pitchFamily="49" charset="0"/>
-              <a:cs typeface="Courier New" panose="02070309020205020404" pitchFamily="49" charset="0"/>
-            </a:endParaRPr>
           </a:p>
         </p:txBody>
       </p:sp>
@@ -4428,7 +4423,7 @@
         </p:nvCxnSpPr>
         <p:spPr>
           <a:xfrm>
-            <a:off x="10668000" y="6248400"/>
+            <a:off x="8305800" y="4419600"/>
             <a:ext cx="838200" cy="0"/>
           </a:xfrm>
           <a:prstGeom prst="line">
@@ -4465,7 +4460,7 @@
         </p:nvCxnSpPr>
         <p:spPr>
           <a:xfrm flipV="1">
-            <a:off x="11582400" y="6248400"/>
+            <a:off x="9220200" y="4419600"/>
             <a:ext cx="0" cy="457200"/>
           </a:xfrm>
           <a:prstGeom prst="line">
@@ -4502,7 +4497,7 @@
         </p:nvCxnSpPr>
         <p:spPr>
           <a:xfrm>
-            <a:off x="11277600" y="6705600"/>
+            <a:off x="8915400" y="4876800"/>
             <a:ext cx="304800" cy="0"/>
           </a:xfrm>
           <a:prstGeom prst="line">
@@ -4539,7 +4534,7 @@
         </p:nvCxnSpPr>
         <p:spPr>
           <a:xfrm>
-            <a:off x="10287000" y="6400800"/>
+            <a:off x="7924800" y="4572000"/>
             <a:ext cx="228600" cy="0"/>
           </a:xfrm>
           <a:prstGeom prst="line">
@@ -4570,14 +4565,51 @@
       </p:cxnSp>
       <p:cxnSp>
         <p:nvCxnSpPr>
-          <p:cNvPr id="469" name="Straight Connector 468"/>
+          <p:cNvPr id="471" name="Straight Connector 470"/>
           <p:cNvCxnSpPr/>
           <p:nvPr/>
         </p:nvCxnSpPr>
         <p:spPr>
           <a:xfrm>
-            <a:off x="9982200" y="6781800"/>
-            <a:ext cx="990600" cy="0"/>
+            <a:off x="8458200" y="4419600"/>
+            <a:ext cx="0" cy="381000"/>
+          </a:xfrm>
+          <a:prstGeom prst="line">
+            <a:avLst/>
+          </a:prstGeom>
+          <a:ln w="12700">
+            <a:solidFill>
+              <a:srgbClr val="000000"/>
+            </a:solidFill>
+            <a:headEnd type="oval" w="med" len="med"/>
+            <a:tailEnd type="none" w="med" len="med"/>
+          </a:ln>
+        </p:spPr>
+        <p:style>
+          <a:lnRef idx="1">
+            <a:schemeClr val="accent1"/>
+          </a:lnRef>
+          <a:fillRef idx="0">
+            <a:schemeClr val="accent1"/>
+          </a:fillRef>
+          <a:effectRef idx="0">
+            <a:schemeClr val="accent1"/>
+          </a:effectRef>
+          <a:fontRef idx="minor">
+            <a:schemeClr val="tx1"/>
+          </a:fontRef>
+        </p:style>
+      </p:cxnSp>
+      <p:cxnSp>
+        <p:nvCxnSpPr>
+          <p:cNvPr id="472" name="Straight Connector 471"/>
+          <p:cNvCxnSpPr/>
+          <p:nvPr/>
+        </p:nvCxnSpPr>
+        <p:spPr>
+          <a:xfrm>
+            <a:off x="8458200" y="4800600"/>
+            <a:ext cx="152400" cy="0"/>
           </a:xfrm>
           <a:prstGeom prst="line">
             <a:avLst/>
@@ -4607,126 +4639,13 @@
       </p:cxnSp>
       <p:cxnSp>
         <p:nvCxnSpPr>
-          <p:cNvPr id="470" name="Straight Connector 469"/>
+          <p:cNvPr id="473" name="Straight Connector 472"/>
           <p:cNvCxnSpPr/>
           <p:nvPr/>
         </p:nvCxnSpPr>
         <p:spPr>
-          <a:xfrm flipV="1">
-            <a:off x="10287000" y="6400800"/>
-            <a:ext cx="0" cy="381000"/>
-          </a:xfrm>
-          <a:prstGeom prst="line">
-            <a:avLst/>
-          </a:prstGeom>
-          <a:ln w="12700">
-            <a:solidFill>
-              <a:srgbClr val="000000"/>
-            </a:solidFill>
-            <a:headEnd type="oval" w="med" len="med"/>
-            <a:tailEnd type="none" w="med" len="med"/>
-          </a:ln>
-        </p:spPr>
-        <p:style>
-          <a:lnRef idx="1">
-            <a:schemeClr val="accent1"/>
-          </a:lnRef>
-          <a:fillRef idx="0">
-            <a:schemeClr val="accent1"/>
-          </a:fillRef>
-          <a:effectRef idx="0">
-            <a:schemeClr val="accent1"/>
-          </a:effectRef>
-          <a:fontRef idx="minor">
-            <a:schemeClr val="tx1"/>
-          </a:fontRef>
-        </p:style>
-      </p:cxnSp>
-      <p:cxnSp>
-        <p:nvCxnSpPr>
-          <p:cNvPr id="471" name="Straight Connector 470"/>
-          <p:cNvCxnSpPr/>
-          <p:nvPr/>
-        </p:nvCxnSpPr>
-        <p:spPr>
-          <a:xfrm>
-            <a:off x="10820400" y="6248400"/>
-            <a:ext cx="0" cy="381000"/>
-          </a:xfrm>
-          <a:prstGeom prst="line">
-            <a:avLst/>
-          </a:prstGeom>
-          <a:ln w="12700">
-            <a:solidFill>
-              <a:srgbClr val="000000"/>
-            </a:solidFill>
-            <a:headEnd type="oval" w="med" len="med"/>
-            <a:tailEnd type="none" w="med" len="med"/>
-          </a:ln>
-        </p:spPr>
-        <p:style>
-          <a:lnRef idx="1">
-            <a:schemeClr val="accent1"/>
-          </a:lnRef>
-          <a:fillRef idx="0">
-            <a:schemeClr val="accent1"/>
-          </a:fillRef>
-          <a:effectRef idx="0">
-            <a:schemeClr val="accent1"/>
-          </a:effectRef>
-          <a:fontRef idx="minor">
-            <a:schemeClr val="tx1"/>
-          </a:fontRef>
-        </p:style>
-      </p:cxnSp>
-      <p:cxnSp>
-        <p:nvCxnSpPr>
-          <p:cNvPr id="472" name="Straight Connector 471"/>
-          <p:cNvCxnSpPr/>
-          <p:nvPr/>
-        </p:nvCxnSpPr>
-        <p:spPr>
-          <a:xfrm>
-            <a:off x="10820400" y="6629400"/>
-            <a:ext cx="152400" cy="0"/>
-          </a:xfrm>
-          <a:prstGeom prst="line">
-            <a:avLst/>
-          </a:prstGeom>
-          <a:ln w="12700">
-            <a:solidFill>
-              <a:srgbClr val="000000"/>
-            </a:solidFill>
-            <a:headEnd type="none" w="med" len="med"/>
-            <a:tailEnd type="triangle" w="med" len="med"/>
-          </a:ln>
-        </p:spPr>
-        <p:style>
-          <a:lnRef idx="1">
-            <a:schemeClr val="accent1"/>
-          </a:lnRef>
-          <a:fillRef idx="0">
-            <a:schemeClr val="accent1"/>
-          </a:fillRef>
-          <a:effectRef idx="0">
-            <a:schemeClr val="accent1"/>
-          </a:effectRef>
-          <a:fontRef idx="minor">
-            <a:schemeClr val="tx1"/>
-          </a:fontRef>
-        </p:style>
-      </p:cxnSp>
-      <p:cxnSp>
-        <p:nvCxnSpPr>
-          <p:cNvPr id="473" name="Straight Connector 472"/>
-          <p:cNvCxnSpPr>
-            <a:stCxn id="521" idx="0"/>
-          </p:cNvCxnSpPr>
-          <p:nvPr/>
-        </p:nvCxnSpPr>
-        <p:spPr>
-          <a:xfrm>
-            <a:off x="9067800" y="6096000"/>
+          <a:xfrm>
+            <a:off x="6705600" y="4267200"/>
             <a:ext cx="1447800" cy="0"/>
           </a:xfrm>
           <a:prstGeom prst="line">
@@ -4763,7 +4682,7 @@
         </p:nvCxnSpPr>
         <p:spPr>
           <a:xfrm flipV="1">
-            <a:off x="9677400" y="6019800"/>
+            <a:off x="7315200" y="4191000"/>
             <a:ext cx="76200" cy="76200"/>
           </a:xfrm>
           <a:prstGeom prst="line">
@@ -4800,7 +4719,7 @@
         </p:nvCxnSpPr>
         <p:spPr>
           <a:xfrm flipV="1">
-            <a:off x="9753600" y="5867400"/>
+            <a:off x="7391400" y="4038600"/>
             <a:ext cx="0" cy="152400"/>
           </a:xfrm>
           <a:prstGeom prst="line">
@@ -4837,7 +4756,7 @@
         </p:nvCxnSpPr>
         <p:spPr>
           <a:xfrm>
-            <a:off x="9753600" y="5867400"/>
+            <a:off x="7391400" y="4038600"/>
             <a:ext cx="838200" cy="0"/>
           </a:xfrm>
           <a:prstGeom prst="line">
@@ -4874,7 +4793,7 @@
         </p:nvCxnSpPr>
         <p:spPr>
           <a:xfrm>
-            <a:off x="10591800" y="5867400"/>
+            <a:off x="8229600" y="4038600"/>
             <a:ext cx="0" cy="228600"/>
           </a:xfrm>
           <a:prstGeom prst="line">
@@ -4911,7 +4830,7 @@
         </p:nvCxnSpPr>
         <p:spPr>
           <a:xfrm flipV="1">
-            <a:off x="9906000" y="5791200"/>
+            <a:off x="7543800" y="3962400"/>
             <a:ext cx="152400" cy="152400"/>
           </a:xfrm>
           <a:prstGeom prst="line">
@@ -4948,7 +4867,7 @@
         </p:nvSpPr>
         <p:spPr>
           <a:xfrm>
-            <a:off x="9906000" y="5715000"/>
+            <a:off x="7543800" y="3886200"/>
             <a:ext cx="152400" cy="76200"/>
           </a:xfrm>
           <a:prstGeom prst="rect">
@@ -5001,7 +4920,7 @@
         </p:nvCxnSpPr>
         <p:spPr>
           <a:xfrm flipV="1">
-            <a:off x="9906000" y="6019800"/>
+            <a:off x="7543800" y="4191000"/>
             <a:ext cx="152400" cy="152400"/>
           </a:xfrm>
           <a:prstGeom prst="line">
@@ -5038,7 +4957,7 @@
         </p:nvSpPr>
         <p:spPr>
           <a:xfrm>
-            <a:off x="9906000" y="5943600"/>
+            <a:off x="7543800" y="4114800"/>
             <a:ext cx="152400" cy="76200"/>
           </a:xfrm>
           <a:prstGeom prst="rect">
@@ -5083,15 +5002,1696 @@
           </a:p>
         </p:txBody>
       </p:sp>
-      <p:sp>
-        <p:nvSpPr>
-          <p:cNvPr id="482" name="Trapezoid 481"/>
+      <p:cxnSp>
+        <p:nvCxnSpPr>
+          <p:cNvPr id="507" name="Straight Connector 506"/>
+          <p:cNvCxnSpPr/>
+          <p:nvPr/>
+        </p:nvCxnSpPr>
+        <p:spPr>
+          <a:xfrm flipV="1">
+            <a:off x="11125200" y="3505200"/>
+            <a:ext cx="0" cy="609600"/>
+          </a:xfrm>
+          <a:prstGeom prst="line">
+            <a:avLst/>
+          </a:prstGeom>
+          <a:ln w="12700">
+            <a:solidFill>
+              <a:srgbClr val="000000"/>
+            </a:solidFill>
+            <a:headEnd type="oval" w="med" len="med"/>
+            <a:tailEnd type="none" w="med" len="med"/>
+          </a:ln>
+        </p:spPr>
+        <p:style>
+          <a:lnRef idx="1">
+            <a:schemeClr val="accent1"/>
+          </a:lnRef>
+          <a:fillRef idx="0">
+            <a:schemeClr val="accent1"/>
+          </a:fillRef>
+          <a:effectRef idx="0">
+            <a:schemeClr val="accent1"/>
+          </a:effectRef>
+          <a:fontRef idx="minor">
+            <a:schemeClr val="tx1"/>
+          </a:fontRef>
+        </p:style>
+      </p:cxnSp>
+      <p:cxnSp>
+        <p:nvCxnSpPr>
+          <p:cNvPr id="508" name="Straight Connector 507"/>
+          <p:cNvCxnSpPr/>
+          <p:nvPr/>
+        </p:nvCxnSpPr>
+        <p:spPr>
+          <a:xfrm flipH="1">
+            <a:off x="1752600" y="3505200"/>
+            <a:ext cx="9372600" cy="0"/>
+          </a:xfrm>
+          <a:prstGeom prst="line">
+            <a:avLst/>
+          </a:prstGeom>
+          <a:ln w="12700">
+            <a:solidFill>
+              <a:srgbClr val="000000"/>
+            </a:solidFill>
+            <a:headEnd type="none" w="med" len="med"/>
+            <a:tailEnd type="none" w="med" len="med"/>
+          </a:ln>
+        </p:spPr>
+        <p:style>
+          <a:lnRef idx="1">
+            <a:schemeClr val="accent1"/>
+          </a:lnRef>
+          <a:fillRef idx="0">
+            <a:schemeClr val="accent1"/>
+          </a:fillRef>
+          <a:effectRef idx="0">
+            <a:schemeClr val="accent1"/>
+          </a:effectRef>
+          <a:fontRef idx="minor">
+            <a:schemeClr val="tx1"/>
+          </a:fontRef>
+        </p:style>
+      </p:cxnSp>
+      <p:sp>
+        <p:nvSpPr>
+          <p:cNvPr id="84" name="Pentagon 83"/>
           <p:cNvSpPr/>
           <p:nvPr/>
         </p:nvSpPr>
         <p:spPr>
+          <a:xfrm>
+            <a:off x="304800" y="5867400"/>
+            <a:ext cx="228600" cy="152400"/>
+          </a:xfrm>
+          <a:prstGeom prst="homePlate">
+            <a:avLst/>
+          </a:prstGeom>
+          <a:noFill/>
+          <a:ln w="12700">
+            <a:solidFill>
+              <a:schemeClr val="tx1"/>
+            </a:solidFill>
+          </a:ln>
+        </p:spPr>
+        <p:style>
+          <a:lnRef idx="2">
+            <a:schemeClr val="accent1">
+              <a:shade val="50000"/>
+            </a:schemeClr>
+          </a:lnRef>
+          <a:fillRef idx="1">
+            <a:schemeClr val="accent1"/>
+          </a:fillRef>
+          <a:effectRef idx="0">
+            <a:schemeClr val="accent1"/>
+          </a:effectRef>
+          <a:fontRef idx="minor">
+            <a:schemeClr val="lt1"/>
+          </a:fontRef>
+        </p:style>
+        <p:txBody>
+          <a:bodyPr rot="0" spcFirstLastPara="0" vertOverflow="overflow" horzOverflow="overflow" vert="horz" wrap="square" lIns="91440" tIns="45720" rIns="91440" bIns="45720" numCol="1" spcCol="0" rtlCol="0" fromWordArt="0" anchor="ctr" anchorCtr="0" forceAA="0" compatLnSpc="1">
+            <a:prstTxWarp prst="textNoShape">
+              <a:avLst/>
+            </a:prstTxWarp>
+            <a:noAutofit/>
+          </a:bodyPr>
+          <a:lstStyle/>
+          <a:p>
+            <a:pPr algn="ctr"/>
+            <a:endParaRPr lang="en-US" sz="3730"/>
+          </a:p>
+        </p:txBody>
+      </p:sp>
+      <p:cxnSp>
+        <p:nvCxnSpPr>
+          <p:cNvPr id="85" name="Straight Connector 84"/>
+          <p:cNvCxnSpPr/>
+          <p:nvPr/>
+        </p:nvCxnSpPr>
+        <p:spPr>
+          <a:xfrm flipV="1">
+            <a:off x="609600" y="5867400"/>
+            <a:ext cx="152400" cy="152400"/>
+          </a:xfrm>
+          <a:prstGeom prst="line">
+            <a:avLst/>
+          </a:prstGeom>
+          <a:ln w="12700">
+            <a:solidFill>
+              <a:srgbClr val="000000"/>
+            </a:solidFill>
+            <a:headEnd type="none" w="med" len="med"/>
+            <a:tailEnd type="none" w="med" len="med"/>
+          </a:ln>
+        </p:spPr>
+        <p:style>
+          <a:lnRef idx="1">
+            <a:schemeClr val="accent1"/>
+          </a:lnRef>
+          <a:fillRef idx="0">
+            <a:schemeClr val="accent1"/>
+          </a:fillRef>
+          <a:effectRef idx="0">
+            <a:schemeClr val="accent1"/>
+          </a:effectRef>
+          <a:fontRef idx="minor">
+            <a:schemeClr val="tx1"/>
+          </a:fontRef>
+        </p:style>
+      </p:cxnSp>
+      <p:sp>
+        <p:nvSpPr>
+          <p:cNvPr id="86" name="Rectangle 85"/>
+          <p:cNvSpPr/>
+          <p:nvPr/>
+        </p:nvSpPr>
+        <p:spPr>
+          <a:xfrm>
+            <a:off x="609600" y="5791200"/>
+            <a:ext cx="152400" cy="76200"/>
+          </a:xfrm>
+          <a:prstGeom prst="rect">
+            <a:avLst/>
+          </a:prstGeom>
+          <a:noFill/>
+          <a:ln>
+            <a:noFill/>
+          </a:ln>
+        </p:spPr>
+        <p:style>
+          <a:lnRef idx="2">
+            <a:schemeClr val="accent1">
+              <a:shade val="50000"/>
+            </a:schemeClr>
+          </a:lnRef>
+          <a:fillRef idx="1">
+            <a:schemeClr val="accent1"/>
+          </a:fillRef>
+          <a:effectRef idx="0">
+            <a:schemeClr val="accent1"/>
+          </a:effectRef>
+          <a:fontRef idx="minor">
+            <a:schemeClr val="lt1"/>
+          </a:fontRef>
+        </p:style>
+        <p:txBody>
+          <a:bodyPr wrap="none" lIns="45720" rIns="45720" rtlCol="0" anchor="ctr"/>
+          <a:lstStyle/>
+          <a:p>
+            <a:pPr algn="ctr"/>
+            <a:r>
+              <a:rPr lang="en-US" sz="900" dirty="0">
+                <a:solidFill>
+                  <a:srgbClr val="000000"/>
+                </a:solidFill>
+                <a:latin typeface="Courier New" panose="02070309020205020404" pitchFamily="49" charset="0"/>
+                <a:cs typeface="Courier New" panose="02070309020205020404" pitchFamily="49" charset="0"/>
+              </a:rPr>
+              <a:t>1</a:t>
+            </a:r>
+          </a:p>
+        </p:txBody>
+      </p:sp>
+      <p:sp>
+        <p:nvSpPr>
+          <p:cNvPr id="87" name="Rectangle 86"/>
+          <p:cNvSpPr/>
+          <p:nvPr/>
+        </p:nvSpPr>
+        <p:spPr>
+          <a:xfrm>
+            <a:off x="914400" y="5791200"/>
+            <a:ext cx="457200" cy="152400"/>
+          </a:xfrm>
+          <a:prstGeom prst="rect">
+            <a:avLst/>
+          </a:prstGeom>
+          <a:noFill/>
+          <a:ln>
+            <a:noFill/>
+          </a:ln>
+        </p:spPr>
+        <p:style>
+          <a:lnRef idx="2">
+            <a:schemeClr val="accent1">
+              <a:shade val="50000"/>
+            </a:schemeClr>
+          </a:lnRef>
+          <a:fillRef idx="1">
+            <a:schemeClr val="accent1"/>
+          </a:fillRef>
+          <a:effectRef idx="0">
+            <a:schemeClr val="accent1"/>
+          </a:effectRef>
+          <a:fontRef idx="minor">
+            <a:schemeClr val="lt1"/>
+          </a:fontRef>
+        </p:style>
+        <p:txBody>
+          <a:bodyPr wrap="none" lIns="45720" rIns="45720" rtlCol="0" anchor="ctr"/>
+          <a:lstStyle/>
+          <a:p>
+            <a:r>
+              <a:rPr lang="en-US" sz="900" dirty="0">
+                <a:solidFill>
+                  <a:srgbClr val="000000"/>
+                </a:solidFill>
+                <a:latin typeface="Courier New" panose="02070309020205020404" pitchFamily="49" charset="0"/>
+                <a:cs typeface="Courier New" panose="02070309020205020404" pitchFamily="49" charset="0"/>
+              </a:rPr>
+              <a:t>ADD10</a:t>
+            </a:r>
+            <a:endParaRPr lang="en-US" sz="900" dirty="0">
+              <a:solidFill>
+                <a:srgbClr val="000000"/>
+              </a:solidFill>
+              <a:latin typeface="Courier New" panose="02070309020205020404" pitchFamily="49" charset="0"/>
+              <a:cs typeface="Courier New" panose="02070309020205020404" pitchFamily="49" charset="0"/>
+            </a:endParaRPr>
+          </a:p>
+        </p:txBody>
+      </p:sp>
+      <p:sp>
+        <p:nvSpPr>
+          <p:cNvPr id="92" name="Pentagon 91"/>
+          <p:cNvSpPr/>
+          <p:nvPr/>
+        </p:nvSpPr>
+        <p:spPr>
+          <a:xfrm>
+            <a:off x="304800" y="5562600"/>
+            <a:ext cx="228600" cy="152400"/>
+          </a:xfrm>
+          <a:prstGeom prst="homePlate">
+            <a:avLst/>
+          </a:prstGeom>
+          <a:noFill/>
+          <a:ln w="12700">
+            <a:solidFill>
+              <a:schemeClr val="tx1"/>
+            </a:solidFill>
+          </a:ln>
+        </p:spPr>
+        <p:style>
+          <a:lnRef idx="2">
+            <a:schemeClr val="accent1">
+              <a:shade val="50000"/>
+            </a:schemeClr>
+          </a:lnRef>
+          <a:fillRef idx="1">
+            <a:schemeClr val="accent1"/>
+          </a:fillRef>
+          <a:effectRef idx="0">
+            <a:schemeClr val="accent1"/>
+          </a:effectRef>
+          <a:fontRef idx="minor">
+            <a:schemeClr val="lt1"/>
+          </a:fontRef>
+        </p:style>
+        <p:txBody>
+          <a:bodyPr rot="0" spcFirstLastPara="0" vertOverflow="overflow" horzOverflow="overflow" vert="horz" wrap="square" lIns="91440" tIns="45720" rIns="91440" bIns="45720" numCol="1" spcCol="0" rtlCol="0" fromWordArt="0" anchor="ctr" anchorCtr="0" forceAA="0" compatLnSpc="1">
+            <a:prstTxWarp prst="textNoShape">
+              <a:avLst/>
+            </a:prstTxWarp>
+            <a:noAutofit/>
+          </a:bodyPr>
+          <a:lstStyle/>
+          <a:p>
+            <a:pPr algn="ctr"/>
+            <a:endParaRPr lang="en-US" sz="3730"/>
+          </a:p>
+        </p:txBody>
+      </p:sp>
+      <p:cxnSp>
+        <p:nvCxnSpPr>
+          <p:cNvPr id="93" name="Straight Connector 92"/>
+          <p:cNvCxnSpPr/>
+          <p:nvPr/>
+        </p:nvCxnSpPr>
+        <p:spPr>
+          <a:xfrm flipV="1">
+            <a:off x="609600" y="5562600"/>
+            <a:ext cx="152400" cy="152400"/>
+          </a:xfrm>
+          <a:prstGeom prst="line">
+            <a:avLst/>
+          </a:prstGeom>
+          <a:ln w="12700">
+            <a:solidFill>
+              <a:srgbClr val="000000"/>
+            </a:solidFill>
+            <a:headEnd type="none" w="med" len="med"/>
+            <a:tailEnd type="none" w="med" len="med"/>
+          </a:ln>
+        </p:spPr>
+        <p:style>
+          <a:lnRef idx="1">
+            <a:schemeClr val="accent1"/>
+          </a:lnRef>
+          <a:fillRef idx="0">
+            <a:schemeClr val="accent1"/>
+          </a:fillRef>
+          <a:effectRef idx="0">
+            <a:schemeClr val="accent1"/>
+          </a:effectRef>
+          <a:fontRef idx="minor">
+            <a:schemeClr val="tx1"/>
+          </a:fontRef>
+        </p:style>
+      </p:cxnSp>
+      <p:sp>
+        <p:nvSpPr>
+          <p:cNvPr id="94" name="Rectangle 93"/>
+          <p:cNvSpPr/>
+          <p:nvPr/>
+        </p:nvSpPr>
+        <p:spPr>
+          <a:xfrm>
+            <a:off x="609600" y="5486400"/>
+            <a:ext cx="152400" cy="76200"/>
+          </a:xfrm>
+          <a:prstGeom prst="rect">
+            <a:avLst/>
+          </a:prstGeom>
+          <a:noFill/>
+          <a:ln>
+            <a:noFill/>
+          </a:ln>
+        </p:spPr>
+        <p:style>
+          <a:lnRef idx="2">
+            <a:schemeClr val="accent1">
+              <a:shade val="50000"/>
+            </a:schemeClr>
+          </a:lnRef>
+          <a:fillRef idx="1">
+            <a:schemeClr val="accent1"/>
+          </a:fillRef>
+          <a:effectRef idx="0">
+            <a:schemeClr val="accent1"/>
+          </a:effectRef>
+          <a:fontRef idx="minor">
+            <a:schemeClr val="lt1"/>
+          </a:fontRef>
+        </p:style>
+        <p:txBody>
+          <a:bodyPr wrap="none" lIns="45720" rIns="45720" rtlCol="0" anchor="ctr"/>
+          <a:lstStyle/>
+          <a:p>
+            <a:pPr algn="ctr"/>
+            <a:r>
+              <a:rPr lang="en-US" sz="900" dirty="0">
+                <a:solidFill>
+                  <a:srgbClr val="000000"/>
+                </a:solidFill>
+                <a:latin typeface="Courier New" panose="02070309020205020404" pitchFamily="49" charset="0"/>
+                <a:cs typeface="Courier New" panose="02070309020205020404" pitchFamily="49" charset="0"/>
+              </a:rPr>
+              <a:t>1</a:t>
+            </a:r>
+          </a:p>
+        </p:txBody>
+      </p:sp>
+      <p:sp>
+        <p:nvSpPr>
+          <p:cNvPr id="95" name="Rectangle 94"/>
+          <p:cNvSpPr/>
+          <p:nvPr/>
+        </p:nvSpPr>
+        <p:spPr>
+          <a:xfrm>
+            <a:off x="914400" y="5486400"/>
+            <a:ext cx="457200" cy="152400"/>
+          </a:xfrm>
+          <a:prstGeom prst="rect">
+            <a:avLst/>
+          </a:prstGeom>
+          <a:noFill/>
+          <a:ln>
+            <a:noFill/>
+          </a:ln>
+        </p:spPr>
+        <p:style>
+          <a:lnRef idx="2">
+            <a:schemeClr val="accent1">
+              <a:shade val="50000"/>
+            </a:schemeClr>
+          </a:lnRef>
+          <a:fillRef idx="1">
+            <a:schemeClr val="accent1"/>
+          </a:fillRef>
+          <a:effectRef idx="0">
+            <a:schemeClr val="accent1"/>
+          </a:effectRef>
+          <a:fontRef idx="minor">
+            <a:schemeClr val="lt1"/>
+          </a:fontRef>
+        </p:style>
+        <p:txBody>
+          <a:bodyPr wrap="none" lIns="45720" rIns="45720" rtlCol="0" anchor="ctr"/>
+          <a:lstStyle/>
+          <a:p>
+            <a:r>
+              <a:rPr lang="en-US" sz="900" dirty="0">
+                <a:solidFill>
+                  <a:srgbClr val="000000"/>
+                </a:solidFill>
+                <a:latin typeface="Courier New" panose="02070309020205020404" pitchFamily="49" charset="0"/>
+                <a:cs typeface="Courier New" panose="02070309020205020404" pitchFamily="49" charset="0"/>
+              </a:rPr>
+              <a:t>SUB1</a:t>
+            </a:r>
+            <a:endParaRPr lang="en-US" sz="900" dirty="0">
+              <a:solidFill>
+                <a:srgbClr val="000000"/>
+              </a:solidFill>
+              <a:latin typeface="Courier New" panose="02070309020205020404" pitchFamily="49" charset="0"/>
+              <a:cs typeface="Courier New" panose="02070309020205020404" pitchFamily="49" charset="0"/>
+            </a:endParaRPr>
+          </a:p>
+        </p:txBody>
+      </p:sp>
+      <p:sp>
+        <p:nvSpPr>
+          <p:cNvPr id="96" name="Pentagon 95"/>
+          <p:cNvSpPr/>
+          <p:nvPr/>
+        </p:nvSpPr>
+        <p:spPr>
+          <a:xfrm>
+            <a:off x="304800" y="5257800"/>
+            <a:ext cx="228600" cy="152400"/>
+          </a:xfrm>
+          <a:prstGeom prst="homePlate">
+            <a:avLst/>
+          </a:prstGeom>
+          <a:noFill/>
+          <a:ln w="12700">
+            <a:solidFill>
+              <a:schemeClr val="tx1"/>
+            </a:solidFill>
+          </a:ln>
+        </p:spPr>
+        <p:style>
+          <a:lnRef idx="2">
+            <a:schemeClr val="accent1">
+              <a:shade val="50000"/>
+            </a:schemeClr>
+          </a:lnRef>
+          <a:fillRef idx="1">
+            <a:schemeClr val="accent1"/>
+          </a:fillRef>
+          <a:effectRef idx="0">
+            <a:schemeClr val="accent1"/>
+          </a:effectRef>
+          <a:fontRef idx="minor">
+            <a:schemeClr val="lt1"/>
+          </a:fontRef>
+        </p:style>
+        <p:txBody>
+          <a:bodyPr rot="0" spcFirstLastPara="0" vertOverflow="overflow" horzOverflow="overflow" vert="horz" wrap="square" lIns="91440" tIns="45720" rIns="91440" bIns="45720" numCol="1" spcCol="0" rtlCol="0" fromWordArt="0" anchor="ctr" anchorCtr="0" forceAA="0" compatLnSpc="1">
+            <a:prstTxWarp prst="textNoShape">
+              <a:avLst/>
+            </a:prstTxWarp>
+            <a:noAutofit/>
+          </a:bodyPr>
+          <a:lstStyle/>
+          <a:p>
+            <a:pPr algn="ctr"/>
+            <a:endParaRPr lang="en-US" sz="3730"/>
+          </a:p>
+        </p:txBody>
+      </p:sp>
+      <p:cxnSp>
+        <p:nvCxnSpPr>
+          <p:cNvPr id="97" name="Straight Connector 96"/>
+          <p:cNvCxnSpPr/>
+          <p:nvPr/>
+        </p:nvCxnSpPr>
+        <p:spPr>
+          <a:xfrm flipV="1">
+            <a:off x="609600" y="5257800"/>
+            <a:ext cx="152400" cy="152400"/>
+          </a:xfrm>
+          <a:prstGeom prst="line">
+            <a:avLst/>
+          </a:prstGeom>
+          <a:ln w="12700">
+            <a:solidFill>
+              <a:srgbClr val="000000"/>
+            </a:solidFill>
+            <a:headEnd type="none" w="med" len="med"/>
+            <a:tailEnd type="none" w="med" len="med"/>
+          </a:ln>
+        </p:spPr>
+        <p:style>
+          <a:lnRef idx="1">
+            <a:schemeClr val="accent1"/>
+          </a:lnRef>
+          <a:fillRef idx="0">
+            <a:schemeClr val="accent1"/>
+          </a:fillRef>
+          <a:effectRef idx="0">
+            <a:schemeClr val="accent1"/>
+          </a:effectRef>
+          <a:fontRef idx="minor">
+            <a:schemeClr val="tx1"/>
+          </a:fontRef>
+        </p:style>
+      </p:cxnSp>
+      <p:sp>
+        <p:nvSpPr>
+          <p:cNvPr id="98" name="Rectangle 97"/>
+          <p:cNvSpPr/>
+          <p:nvPr/>
+        </p:nvSpPr>
+        <p:spPr>
+          <a:xfrm>
+            <a:off x="609600" y="5181600"/>
+            <a:ext cx="152400" cy="76200"/>
+          </a:xfrm>
+          <a:prstGeom prst="rect">
+            <a:avLst/>
+          </a:prstGeom>
+          <a:noFill/>
+          <a:ln>
+            <a:noFill/>
+          </a:ln>
+        </p:spPr>
+        <p:style>
+          <a:lnRef idx="2">
+            <a:schemeClr val="accent1">
+              <a:shade val="50000"/>
+            </a:schemeClr>
+          </a:lnRef>
+          <a:fillRef idx="1">
+            <a:schemeClr val="accent1"/>
+          </a:fillRef>
+          <a:effectRef idx="0">
+            <a:schemeClr val="accent1"/>
+          </a:effectRef>
+          <a:fontRef idx="minor">
+            <a:schemeClr val="lt1"/>
+          </a:fontRef>
+        </p:style>
+        <p:txBody>
+          <a:bodyPr wrap="none" lIns="45720" rIns="45720" rtlCol="0" anchor="ctr"/>
+          <a:lstStyle/>
+          <a:p>
+            <a:pPr algn="ctr"/>
+            <a:r>
+              <a:rPr lang="en-US" sz="900" dirty="0">
+                <a:solidFill>
+                  <a:srgbClr val="000000"/>
+                </a:solidFill>
+                <a:latin typeface="Courier New" panose="02070309020205020404" pitchFamily="49" charset="0"/>
+                <a:cs typeface="Courier New" panose="02070309020205020404" pitchFamily="49" charset="0"/>
+              </a:rPr>
+              <a:t>1</a:t>
+            </a:r>
+          </a:p>
+        </p:txBody>
+      </p:sp>
+      <p:sp>
+        <p:nvSpPr>
+          <p:cNvPr id="99" name="Rectangle 98"/>
+          <p:cNvSpPr/>
+          <p:nvPr/>
+        </p:nvSpPr>
+        <p:spPr>
+          <a:xfrm>
+            <a:off x="914400" y="5181600"/>
+            <a:ext cx="457200" cy="152400"/>
+          </a:xfrm>
+          <a:prstGeom prst="rect">
+            <a:avLst/>
+          </a:prstGeom>
+          <a:noFill/>
+          <a:ln>
+            <a:noFill/>
+          </a:ln>
+        </p:spPr>
+        <p:style>
+          <a:lnRef idx="2">
+            <a:schemeClr val="accent1">
+              <a:shade val="50000"/>
+            </a:schemeClr>
+          </a:lnRef>
+          <a:fillRef idx="1">
+            <a:schemeClr val="accent1"/>
+          </a:fillRef>
+          <a:effectRef idx="0">
+            <a:schemeClr val="accent1"/>
+          </a:effectRef>
+          <a:fontRef idx="minor">
+            <a:schemeClr val="lt1"/>
+          </a:fontRef>
+        </p:style>
+        <p:txBody>
+          <a:bodyPr wrap="none" lIns="45720" rIns="45720" rtlCol="0" anchor="ctr"/>
+          <a:lstStyle/>
+          <a:p>
+            <a:r>
+              <a:rPr lang="en-US" sz="900" dirty="0">
+                <a:solidFill>
+                  <a:srgbClr val="000000"/>
+                </a:solidFill>
+                <a:latin typeface="Courier New" panose="02070309020205020404" pitchFamily="49" charset="0"/>
+                <a:cs typeface="Courier New" panose="02070309020205020404" pitchFamily="49" charset="0"/>
+              </a:rPr>
+              <a:t>SUB10</a:t>
+            </a:r>
+            <a:endParaRPr lang="en-US" sz="900" dirty="0">
+              <a:solidFill>
+                <a:srgbClr val="000000"/>
+              </a:solidFill>
+              <a:latin typeface="Courier New" panose="02070309020205020404" pitchFamily="49" charset="0"/>
+              <a:cs typeface="Courier New" panose="02070309020205020404" pitchFamily="49" charset="0"/>
+            </a:endParaRPr>
+          </a:p>
+        </p:txBody>
+      </p:sp>
+      <p:sp>
+        <p:nvSpPr>
+          <p:cNvPr id="100" name="Pentagon 99"/>
+          <p:cNvSpPr/>
+          <p:nvPr/>
+        </p:nvSpPr>
+        <p:spPr>
+          <a:xfrm>
+            <a:off x="304800" y="6781800"/>
+            <a:ext cx="228600" cy="152400"/>
+          </a:xfrm>
+          <a:prstGeom prst="homePlate">
+            <a:avLst/>
+          </a:prstGeom>
+          <a:noFill/>
+          <a:ln w="12700">
+            <a:solidFill>
+              <a:schemeClr val="tx1"/>
+            </a:solidFill>
+          </a:ln>
+        </p:spPr>
+        <p:style>
+          <a:lnRef idx="2">
+            <a:schemeClr val="accent1">
+              <a:shade val="50000"/>
+            </a:schemeClr>
+          </a:lnRef>
+          <a:fillRef idx="1">
+            <a:schemeClr val="accent1"/>
+          </a:fillRef>
+          <a:effectRef idx="0">
+            <a:schemeClr val="accent1"/>
+          </a:effectRef>
+          <a:fontRef idx="minor">
+            <a:schemeClr val="lt1"/>
+          </a:fontRef>
+        </p:style>
+        <p:txBody>
+          <a:bodyPr rot="0" spcFirstLastPara="0" vertOverflow="overflow" horzOverflow="overflow" vert="horz" wrap="square" lIns="91440" tIns="45720" rIns="91440" bIns="45720" numCol="1" spcCol="0" rtlCol="0" fromWordArt="0" anchor="ctr" anchorCtr="0" forceAA="0" compatLnSpc="1">
+            <a:prstTxWarp prst="textNoShape">
+              <a:avLst/>
+            </a:prstTxWarp>
+            <a:noAutofit/>
+          </a:bodyPr>
+          <a:lstStyle/>
+          <a:p>
+            <a:pPr algn="ctr"/>
+            <a:endParaRPr lang="en-US" sz="3730"/>
+          </a:p>
+        </p:txBody>
+      </p:sp>
+      <p:cxnSp>
+        <p:nvCxnSpPr>
+          <p:cNvPr id="101" name="Straight Connector 100"/>
+          <p:cNvCxnSpPr/>
+          <p:nvPr/>
+        </p:nvCxnSpPr>
+        <p:spPr>
+          <a:xfrm flipV="1">
+            <a:off x="609600" y="6781800"/>
+            <a:ext cx="152400" cy="152400"/>
+          </a:xfrm>
+          <a:prstGeom prst="line">
+            <a:avLst/>
+          </a:prstGeom>
+          <a:ln w="12700">
+            <a:solidFill>
+              <a:srgbClr val="000000"/>
+            </a:solidFill>
+            <a:headEnd type="none" w="med" len="med"/>
+            <a:tailEnd type="none" w="med" len="med"/>
+          </a:ln>
+        </p:spPr>
+        <p:style>
+          <a:lnRef idx="1">
+            <a:schemeClr val="accent1"/>
+          </a:lnRef>
+          <a:fillRef idx="0">
+            <a:schemeClr val="accent1"/>
+          </a:fillRef>
+          <a:effectRef idx="0">
+            <a:schemeClr val="accent1"/>
+          </a:effectRef>
+          <a:fontRef idx="minor">
+            <a:schemeClr val="tx1"/>
+          </a:fontRef>
+        </p:style>
+      </p:cxnSp>
+      <p:sp>
+        <p:nvSpPr>
+          <p:cNvPr id="102" name="Rectangle 101"/>
+          <p:cNvSpPr/>
+          <p:nvPr/>
+        </p:nvSpPr>
+        <p:spPr>
+          <a:xfrm>
+            <a:off x="609600" y="6705600"/>
+            <a:ext cx="152400" cy="76200"/>
+          </a:xfrm>
+          <a:prstGeom prst="rect">
+            <a:avLst/>
+          </a:prstGeom>
+          <a:noFill/>
+          <a:ln>
+            <a:noFill/>
+          </a:ln>
+        </p:spPr>
+        <p:style>
+          <a:lnRef idx="2">
+            <a:schemeClr val="accent1">
+              <a:shade val="50000"/>
+            </a:schemeClr>
+          </a:lnRef>
+          <a:fillRef idx="1">
+            <a:schemeClr val="accent1"/>
+          </a:fillRef>
+          <a:effectRef idx="0">
+            <a:schemeClr val="accent1"/>
+          </a:effectRef>
+          <a:fontRef idx="minor">
+            <a:schemeClr val="lt1"/>
+          </a:fontRef>
+        </p:style>
+        <p:txBody>
+          <a:bodyPr wrap="none" lIns="45720" rIns="45720" rtlCol="0" anchor="ctr"/>
+          <a:lstStyle/>
+          <a:p>
+            <a:pPr algn="ctr"/>
+            <a:r>
+              <a:rPr lang="en-US" sz="900" dirty="0">
+                <a:solidFill>
+                  <a:srgbClr val="000000"/>
+                </a:solidFill>
+                <a:latin typeface="Courier New" panose="02070309020205020404" pitchFamily="49" charset="0"/>
+                <a:cs typeface="Courier New" panose="02070309020205020404" pitchFamily="49" charset="0"/>
+              </a:rPr>
+              <a:t>1</a:t>
+            </a:r>
+          </a:p>
+        </p:txBody>
+      </p:sp>
+      <p:sp>
+        <p:nvSpPr>
+          <p:cNvPr id="103" name="Rectangle 102"/>
+          <p:cNvSpPr/>
+          <p:nvPr/>
+        </p:nvSpPr>
+        <p:spPr>
+          <a:xfrm>
+            <a:off x="914400" y="6705600"/>
+            <a:ext cx="457200" cy="152400"/>
+          </a:xfrm>
+          <a:prstGeom prst="rect">
+            <a:avLst/>
+          </a:prstGeom>
+          <a:noFill/>
+          <a:ln>
+            <a:noFill/>
+          </a:ln>
+        </p:spPr>
+        <p:style>
+          <a:lnRef idx="2">
+            <a:schemeClr val="accent1">
+              <a:shade val="50000"/>
+            </a:schemeClr>
+          </a:lnRef>
+          <a:fillRef idx="1">
+            <a:schemeClr val="accent1"/>
+          </a:fillRef>
+          <a:effectRef idx="0">
+            <a:schemeClr val="accent1"/>
+          </a:effectRef>
+          <a:fontRef idx="minor">
+            <a:schemeClr val="lt1"/>
+          </a:fontRef>
+        </p:style>
+        <p:txBody>
+          <a:bodyPr wrap="none" lIns="45720" rIns="45720" rtlCol="0" anchor="ctr"/>
+          <a:lstStyle/>
+          <a:p>
+            <a:r>
+              <a:rPr lang="en-US" sz="900" dirty="0">
+                <a:solidFill>
+                  <a:srgbClr val="000000"/>
+                </a:solidFill>
+                <a:latin typeface="Courier New" panose="02070309020205020404" pitchFamily="49" charset="0"/>
+                <a:cs typeface="Courier New" panose="02070309020205020404" pitchFamily="49" charset="0"/>
+              </a:rPr>
+              <a:t>CLR</a:t>
+            </a:r>
+            <a:endParaRPr lang="en-US" sz="900" dirty="0">
+              <a:solidFill>
+                <a:srgbClr val="000000"/>
+              </a:solidFill>
+              <a:latin typeface="Courier New" panose="02070309020205020404" pitchFamily="49" charset="0"/>
+              <a:cs typeface="Courier New" panose="02070309020205020404" pitchFamily="49" charset="0"/>
+            </a:endParaRPr>
+          </a:p>
+        </p:txBody>
+      </p:sp>
+      <p:sp>
+        <p:nvSpPr>
+          <p:cNvPr id="104" name="Pentagon 103"/>
+          <p:cNvSpPr/>
+          <p:nvPr/>
+        </p:nvSpPr>
+        <p:spPr>
+          <a:xfrm>
+            <a:off x="304800" y="6477000"/>
+            <a:ext cx="228600" cy="152400"/>
+          </a:xfrm>
+          <a:prstGeom prst="homePlate">
+            <a:avLst/>
+          </a:prstGeom>
+          <a:noFill/>
+          <a:ln w="12700">
+            <a:solidFill>
+              <a:schemeClr val="tx1"/>
+            </a:solidFill>
+          </a:ln>
+        </p:spPr>
+        <p:style>
+          <a:lnRef idx="2">
+            <a:schemeClr val="accent1">
+              <a:shade val="50000"/>
+            </a:schemeClr>
+          </a:lnRef>
+          <a:fillRef idx="1">
+            <a:schemeClr val="accent1"/>
+          </a:fillRef>
+          <a:effectRef idx="0">
+            <a:schemeClr val="accent1"/>
+          </a:effectRef>
+          <a:fontRef idx="minor">
+            <a:schemeClr val="lt1"/>
+          </a:fontRef>
+        </p:style>
+        <p:txBody>
+          <a:bodyPr rot="0" spcFirstLastPara="0" vertOverflow="overflow" horzOverflow="overflow" vert="horz" wrap="square" lIns="91440" tIns="45720" rIns="91440" bIns="45720" numCol="1" spcCol="0" rtlCol="0" fromWordArt="0" anchor="ctr" anchorCtr="0" forceAA="0" compatLnSpc="1">
+            <a:prstTxWarp prst="textNoShape">
+              <a:avLst/>
+            </a:prstTxWarp>
+            <a:noAutofit/>
+          </a:bodyPr>
+          <a:lstStyle/>
+          <a:p>
+            <a:pPr algn="ctr"/>
+            <a:endParaRPr lang="en-US" sz="3730"/>
+          </a:p>
+        </p:txBody>
+      </p:sp>
+      <p:cxnSp>
+        <p:nvCxnSpPr>
+          <p:cNvPr id="105" name="Straight Connector 104"/>
+          <p:cNvCxnSpPr/>
+          <p:nvPr/>
+        </p:nvCxnSpPr>
+        <p:spPr>
+          <a:xfrm flipV="1">
+            <a:off x="609600" y="6477000"/>
+            <a:ext cx="152400" cy="152400"/>
+          </a:xfrm>
+          <a:prstGeom prst="line">
+            <a:avLst/>
+          </a:prstGeom>
+          <a:ln w="12700">
+            <a:solidFill>
+              <a:srgbClr val="000000"/>
+            </a:solidFill>
+            <a:headEnd type="none" w="med" len="med"/>
+            <a:tailEnd type="none" w="med" len="med"/>
+          </a:ln>
+        </p:spPr>
+        <p:style>
+          <a:lnRef idx="1">
+            <a:schemeClr val="accent1"/>
+          </a:lnRef>
+          <a:fillRef idx="0">
+            <a:schemeClr val="accent1"/>
+          </a:fillRef>
+          <a:effectRef idx="0">
+            <a:schemeClr val="accent1"/>
+          </a:effectRef>
+          <a:fontRef idx="minor">
+            <a:schemeClr val="tx1"/>
+          </a:fontRef>
+        </p:style>
+      </p:cxnSp>
+      <p:sp>
+        <p:nvSpPr>
+          <p:cNvPr id="106" name="Rectangle 105"/>
+          <p:cNvSpPr/>
+          <p:nvPr/>
+        </p:nvSpPr>
+        <p:spPr>
+          <a:xfrm>
+            <a:off x="609600" y="6400800"/>
+            <a:ext cx="152400" cy="76200"/>
+          </a:xfrm>
+          <a:prstGeom prst="rect">
+            <a:avLst/>
+          </a:prstGeom>
+          <a:noFill/>
+          <a:ln>
+            <a:noFill/>
+          </a:ln>
+        </p:spPr>
+        <p:style>
+          <a:lnRef idx="2">
+            <a:schemeClr val="accent1">
+              <a:shade val="50000"/>
+            </a:schemeClr>
+          </a:lnRef>
+          <a:fillRef idx="1">
+            <a:schemeClr val="accent1"/>
+          </a:fillRef>
+          <a:effectRef idx="0">
+            <a:schemeClr val="accent1"/>
+          </a:effectRef>
+          <a:fontRef idx="minor">
+            <a:schemeClr val="lt1"/>
+          </a:fontRef>
+        </p:style>
+        <p:txBody>
+          <a:bodyPr wrap="none" lIns="45720" rIns="45720" rtlCol="0" anchor="ctr"/>
+          <a:lstStyle/>
+          <a:p>
+            <a:pPr algn="ctr"/>
+            <a:r>
+              <a:rPr lang="en-US" sz="900" dirty="0">
+                <a:solidFill>
+                  <a:srgbClr val="000000"/>
+                </a:solidFill>
+                <a:latin typeface="Courier New" panose="02070309020205020404" pitchFamily="49" charset="0"/>
+                <a:cs typeface="Courier New" panose="02070309020205020404" pitchFamily="49" charset="0"/>
+              </a:rPr>
+              <a:t>1</a:t>
+            </a:r>
+          </a:p>
+        </p:txBody>
+      </p:sp>
+      <p:sp>
+        <p:nvSpPr>
+          <p:cNvPr id="107" name="Rectangle 106"/>
+          <p:cNvSpPr/>
+          <p:nvPr/>
+        </p:nvSpPr>
+        <p:spPr>
+          <a:xfrm>
+            <a:off x="914400" y="6400800"/>
+            <a:ext cx="457200" cy="152400"/>
+          </a:xfrm>
+          <a:prstGeom prst="rect">
+            <a:avLst/>
+          </a:prstGeom>
+          <a:noFill/>
+          <a:ln>
+            <a:noFill/>
+          </a:ln>
+        </p:spPr>
+        <p:style>
+          <a:lnRef idx="2">
+            <a:schemeClr val="accent1">
+              <a:shade val="50000"/>
+            </a:schemeClr>
+          </a:lnRef>
+          <a:fillRef idx="1">
+            <a:schemeClr val="accent1"/>
+          </a:fillRef>
+          <a:effectRef idx="0">
+            <a:schemeClr val="accent1"/>
+          </a:effectRef>
+          <a:fontRef idx="minor">
+            <a:schemeClr val="lt1"/>
+          </a:fontRef>
+        </p:style>
+        <p:txBody>
+          <a:bodyPr wrap="none" lIns="45720" rIns="45720" rtlCol="0" anchor="ctr"/>
+          <a:lstStyle/>
+          <a:p>
+            <a:r>
+              <a:rPr lang="en-US" sz="900" dirty="0">
+                <a:solidFill>
+                  <a:srgbClr val="000000"/>
+                </a:solidFill>
+                <a:latin typeface="Courier New" panose="02070309020205020404" pitchFamily="49" charset="0"/>
+                <a:cs typeface="Courier New" panose="02070309020205020404" pitchFamily="49" charset="0"/>
+              </a:rPr>
+              <a:t>UBND</a:t>
+            </a:r>
+            <a:endParaRPr lang="en-US" sz="900" dirty="0">
+              <a:solidFill>
+                <a:srgbClr val="000000"/>
+              </a:solidFill>
+              <a:latin typeface="Courier New" panose="02070309020205020404" pitchFamily="49" charset="0"/>
+              <a:cs typeface="Courier New" panose="02070309020205020404" pitchFamily="49" charset="0"/>
+            </a:endParaRPr>
+          </a:p>
+        </p:txBody>
+      </p:sp>
+      <p:sp>
+        <p:nvSpPr>
+          <p:cNvPr id="108" name="Pentagon 107"/>
+          <p:cNvSpPr/>
+          <p:nvPr/>
+        </p:nvSpPr>
+        <p:spPr>
+          <a:xfrm>
+            <a:off x="304800" y="2667000"/>
+            <a:ext cx="228600" cy="152400"/>
+          </a:xfrm>
+          <a:prstGeom prst="homePlate">
+            <a:avLst/>
+          </a:prstGeom>
+          <a:noFill/>
+          <a:ln w="12700">
+            <a:solidFill>
+              <a:schemeClr val="tx1"/>
+            </a:solidFill>
+          </a:ln>
+        </p:spPr>
+        <p:style>
+          <a:lnRef idx="2">
+            <a:schemeClr val="accent1">
+              <a:shade val="50000"/>
+            </a:schemeClr>
+          </a:lnRef>
+          <a:fillRef idx="1">
+            <a:schemeClr val="accent1"/>
+          </a:fillRef>
+          <a:effectRef idx="0">
+            <a:schemeClr val="accent1"/>
+          </a:effectRef>
+          <a:fontRef idx="minor">
+            <a:schemeClr val="lt1"/>
+          </a:fontRef>
+        </p:style>
+        <p:txBody>
+          <a:bodyPr rot="0" spcFirstLastPara="0" vertOverflow="overflow" horzOverflow="overflow" vert="horz" wrap="square" lIns="91440" tIns="45720" rIns="91440" bIns="45720" numCol="1" spcCol="0" rtlCol="0" fromWordArt="0" anchor="ctr" anchorCtr="0" forceAA="0" compatLnSpc="1">
+            <a:prstTxWarp prst="textNoShape">
+              <a:avLst/>
+            </a:prstTxWarp>
+            <a:noAutofit/>
+          </a:bodyPr>
+          <a:lstStyle/>
+          <a:p>
+            <a:pPr algn="ctr"/>
+            <a:endParaRPr lang="en-US" sz="3730"/>
+          </a:p>
+        </p:txBody>
+      </p:sp>
+      <p:cxnSp>
+        <p:nvCxnSpPr>
+          <p:cNvPr id="109" name="Straight Connector 108"/>
+          <p:cNvCxnSpPr/>
+          <p:nvPr/>
+        </p:nvCxnSpPr>
+        <p:spPr>
+          <a:xfrm flipV="1">
+            <a:off x="609600" y="2667000"/>
+            <a:ext cx="152400" cy="152400"/>
+          </a:xfrm>
+          <a:prstGeom prst="line">
+            <a:avLst/>
+          </a:prstGeom>
+          <a:ln w="12700">
+            <a:solidFill>
+              <a:srgbClr val="000000"/>
+            </a:solidFill>
+            <a:headEnd type="none" w="med" len="med"/>
+            <a:tailEnd type="none" w="med" len="med"/>
+          </a:ln>
+        </p:spPr>
+        <p:style>
+          <a:lnRef idx="1">
+            <a:schemeClr val="accent1"/>
+          </a:lnRef>
+          <a:fillRef idx="0">
+            <a:schemeClr val="accent1"/>
+          </a:fillRef>
+          <a:effectRef idx="0">
+            <a:schemeClr val="accent1"/>
+          </a:effectRef>
+          <a:fontRef idx="minor">
+            <a:schemeClr val="tx1"/>
+          </a:fontRef>
+        </p:style>
+      </p:cxnSp>
+      <p:sp>
+        <p:nvSpPr>
+          <p:cNvPr id="110" name="Rectangle 109"/>
+          <p:cNvSpPr/>
+          <p:nvPr/>
+        </p:nvSpPr>
+        <p:spPr>
+          <a:xfrm>
+            <a:off x="609600" y="2590800"/>
+            <a:ext cx="152400" cy="76200"/>
+          </a:xfrm>
+          <a:prstGeom prst="rect">
+            <a:avLst/>
+          </a:prstGeom>
+          <a:noFill/>
+          <a:ln>
+            <a:noFill/>
+          </a:ln>
+        </p:spPr>
+        <p:style>
+          <a:lnRef idx="2">
+            <a:schemeClr val="accent1">
+              <a:shade val="50000"/>
+            </a:schemeClr>
+          </a:lnRef>
+          <a:fillRef idx="1">
+            <a:schemeClr val="accent1"/>
+          </a:fillRef>
+          <a:effectRef idx="0">
+            <a:schemeClr val="accent1"/>
+          </a:effectRef>
+          <a:fontRef idx="minor">
+            <a:schemeClr val="lt1"/>
+          </a:fontRef>
+        </p:style>
+        <p:txBody>
+          <a:bodyPr wrap="none" lIns="45720" rIns="45720" rtlCol="0" anchor="ctr"/>
+          <a:lstStyle/>
+          <a:p>
+            <a:pPr algn="ctr"/>
+            <a:r>
+              <a:rPr lang="en-US" sz="900" dirty="0">
+                <a:solidFill>
+                  <a:srgbClr val="000000"/>
+                </a:solidFill>
+                <a:latin typeface="Courier New" panose="02070309020205020404" pitchFamily="49" charset="0"/>
+                <a:cs typeface="Courier New" panose="02070309020205020404" pitchFamily="49" charset="0"/>
+              </a:rPr>
+              <a:t>1</a:t>
+            </a:r>
+          </a:p>
+        </p:txBody>
+      </p:sp>
+      <p:sp>
+        <p:nvSpPr>
+          <p:cNvPr id="111" name="Rectangle 110"/>
+          <p:cNvSpPr/>
+          <p:nvPr/>
+        </p:nvSpPr>
+        <p:spPr>
+          <a:xfrm>
+            <a:off x="914400" y="2590800"/>
+            <a:ext cx="457200" cy="152400"/>
+          </a:xfrm>
+          <a:prstGeom prst="rect">
+            <a:avLst/>
+          </a:prstGeom>
+          <a:noFill/>
+          <a:ln>
+            <a:noFill/>
+          </a:ln>
+        </p:spPr>
+        <p:style>
+          <a:lnRef idx="2">
+            <a:schemeClr val="accent1">
+              <a:shade val="50000"/>
+            </a:schemeClr>
+          </a:lnRef>
+          <a:fillRef idx="1">
+            <a:schemeClr val="accent1"/>
+          </a:fillRef>
+          <a:effectRef idx="0">
+            <a:schemeClr val="accent1"/>
+          </a:effectRef>
+          <a:fontRef idx="minor">
+            <a:schemeClr val="lt1"/>
+          </a:fontRef>
+        </p:style>
+        <p:txBody>
+          <a:bodyPr wrap="none" lIns="45720" rIns="45720" rtlCol="0" anchor="ctr"/>
+          <a:lstStyle/>
+          <a:p>
+            <a:r>
+              <a:rPr lang="en-US" sz="900" dirty="0">
+                <a:solidFill>
+                  <a:srgbClr val="000000"/>
+                </a:solidFill>
+                <a:latin typeface="Courier New" panose="02070309020205020404" pitchFamily="49" charset="0"/>
+                <a:cs typeface="Courier New" panose="02070309020205020404" pitchFamily="49" charset="0"/>
+              </a:rPr>
+              <a:t>RSTX</a:t>
+            </a:r>
+            <a:endParaRPr lang="en-US" sz="900" dirty="0">
+              <a:solidFill>
+                <a:srgbClr val="000000"/>
+              </a:solidFill>
+              <a:latin typeface="Courier New" panose="02070309020205020404" pitchFamily="49" charset="0"/>
+              <a:cs typeface="Courier New" panose="02070309020205020404" pitchFamily="49" charset="0"/>
+            </a:endParaRPr>
+          </a:p>
+        </p:txBody>
+      </p:sp>
+      <p:sp>
+        <p:nvSpPr>
+          <p:cNvPr id="112" name="Pentagon 111"/>
+          <p:cNvSpPr/>
+          <p:nvPr/>
+        </p:nvSpPr>
+        <p:spPr>
+          <a:xfrm>
+            <a:off x="304800" y="7086600"/>
+            <a:ext cx="228600" cy="152400"/>
+          </a:xfrm>
+          <a:prstGeom prst="homePlate">
+            <a:avLst/>
+          </a:prstGeom>
+          <a:noFill/>
+          <a:ln w="12700">
+            <a:solidFill>
+              <a:schemeClr val="tx1"/>
+            </a:solidFill>
+          </a:ln>
+        </p:spPr>
+        <p:style>
+          <a:lnRef idx="2">
+            <a:schemeClr val="accent1">
+              <a:shade val="50000"/>
+            </a:schemeClr>
+          </a:lnRef>
+          <a:fillRef idx="1">
+            <a:schemeClr val="accent1"/>
+          </a:fillRef>
+          <a:effectRef idx="0">
+            <a:schemeClr val="accent1"/>
+          </a:effectRef>
+          <a:fontRef idx="minor">
+            <a:schemeClr val="lt1"/>
+          </a:fontRef>
+        </p:style>
+        <p:txBody>
+          <a:bodyPr rot="0" spcFirstLastPara="0" vertOverflow="overflow" horzOverflow="overflow" vert="horz" wrap="square" lIns="91440" tIns="45720" rIns="91440" bIns="45720" numCol="1" spcCol="0" rtlCol="0" fromWordArt="0" anchor="ctr" anchorCtr="0" forceAA="0" compatLnSpc="1">
+            <a:prstTxWarp prst="textNoShape">
+              <a:avLst/>
+            </a:prstTxWarp>
+            <a:noAutofit/>
+          </a:bodyPr>
+          <a:lstStyle/>
+          <a:p>
+            <a:pPr algn="ctr"/>
+            <a:endParaRPr lang="en-US" sz="3730"/>
+          </a:p>
+        </p:txBody>
+      </p:sp>
+      <p:cxnSp>
+        <p:nvCxnSpPr>
+          <p:cNvPr id="113" name="Straight Connector 112"/>
+          <p:cNvCxnSpPr/>
+          <p:nvPr/>
+        </p:nvCxnSpPr>
+        <p:spPr>
+          <a:xfrm flipV="1">
+            <a:off x="609600" y="7086600"/>
+            <a:ext cx="152400" cy="152400"/>
+          </a:xfrm>
+          <a:prstGeom prst="line">
+            <a:avLst/>
+          </a:prstGeom>
+          <a:ln w="12700">
+            <a:solidFill>
+              <a:srgbClr val="000000"/>
+            </a:solidFill>
+            <a:headEnd type="none" w="med" len="med"/>
+            <a:tailEnd type="none" w="med" len="med"/>
+          </a:ln>
+        </p:spPr>
+        <p:style>
+          <a:lnRef idx="1">
+            <a:schemeClr val="accent1"/>
+          </a:lnRef>
+          <a:fillRef idx="0">
+            <a:schemeClr val="accent1"/>
+          </a:fillRef>
+          <a:effectRef idx="0">
+            <a:schemeClr val="accent1"/>
+          </a:effectRef>
+          <a:fontRef idx="minor">
+            <a:schemeClr val="tx1"/>
+          </a:fontRef>
+        </p:style>
+      </p:cxnSp>
+      <p:sp>
+        <p:nvSpPr>
+          <p:cNvPr id="114" name="Rectangle 113"/>
+          <p:cNvSpPr/>
+          <p:nvPr/>
+        </p:nvSpPr>
+        <p:spPr>
+          <a:xfrm>
+            <a:off x="609600" y="7010400"/>
+            <a:ext cx="152400" cy="76200"/>
+          </a:xfrm>
+          <a:prstGeom prst="rect">
+            <a:avLst/>
+          </a:prstGeom>
+          <a:noFill/>
+          <a:ln>
+            <a:noFill/>
+          </a:ln>
+        </p:spPr>
+        <p:style>
+          <a:lnRef idx="2">
+            <a:schemeClr val="accent1">
+              <a:shade val="50000"/>
+            </a:schemeClr>
+          </a:lnRef>
+          <a:fillRef idx="1">
+            <a:schemeClr val="accent1"/>
+          </a:fillRef>
+          <a:effectRef idx="0">
+            <a:schemeClr val="accent1"/>
+          </a:effectRef>
+          <a:fontRef idx="minor">
+            <a:schemeClr val="lt1"/>
+          </a:fontRef>
+        </p:style>
+        <p:txBody>
+          <a:bodyPr wrap="none" lIns="45720" rIns="45720" rtlCol="0" anchor="ctr"/>
+          <a:lstStyle/>
+          <a:p>
+            <a:pPr algn="ctr"/>
+            <a:r>
+              <a:rPr lang="en-US" sz="900" dirty="0">
+                <a:solidFill>
+                  <a:srgbClr val="000000"/>
+                </a:solidFill>
+                <a:latin typeface="Courier New" panose="02070309020205020404" pitchFamily="49" charset="0"/>
+                <a:cs typeface="Courier New" panose="02070309020205020404" pitchFamily="49" charset="0"/>
+              </a:rPr>
+              <a:t>1</a:t>
+            </a:r>
+          </a:p>
+        </p:txBody>
+      </p:sp>
+      <p:sp>
+        <p:nvSpPr>
+          <p:cNvPr id="115" name="Rectangle 114"/>
+          <p:cNvSpPr/>
+          <p:nvPr/>
+        </p:nvSpPr>
+        <p:spPr>
+          <a:xfrm>
+            <a:off x="914400" y="7010400"/>
+            <a:ext cx="457200" cy="152400"/>
+          </a:xfrm>
+          <a:prstGeom prst="rect">
+            <a:avLst/>
+          </a:prstGeom>
+          <a:noFill/>
+          <a:ln>
+            <a:noFill/>
+          </a:ln>
+        </p:spPr>
+        <p:style>
+          <a:lnRef idx="2">
+            <a:schemeClr val="accent1">
+              <a:shade val="50000"/>
+            </a:schemeClr>
+          </a:lnRef>
+          <a:fillRef idx="1">
+            <a:schemeClr val="accent1"/>
+          </a:fillRef>
+          <a:effectRef idx="0">
+            <a:schemeClr val="accent1"/>
+          </a:effectRef>
+          <a:fontRef idx="minor">
+            <a:schemeClr val="lt1"/>
+          </a:fontRef>
+        </p:style>
+        <p:txBody>
+          <a:bodyPr wrap="none" lIns="45720" rIns="45720" rtlCol="0" anchor="ctr"/>
+          <a:lstStyle/>
+          <a:p>
+            <a:r>
+              <a:rPr lang="en-US" sz="900" dirty="0">
+                <a:solidFill>
+                  <a:srgbClr val="000000"/>
+                </a:solidFill>
+                <a:latin typeface="Courier New" panose="02070309020205020404" pitchFamily="49" charset="0"/>
+                <a:cs typeface="Courier New" panose="02070309020205020404" pitchFamily="49" charset="0"/>
+              </a:rPr>
+              <a:t>CLK</a:t>
+            </a:r>
+            <a:endParaRPr lang="en-US" sz="900" dirty="0">
+              <a:solidFill>
+                <a:srgbClr val="000000"/>
+              </a:solidFill>
+              <a:latin typeface="Courier New" panose="02070309020205020404" pitchFamily="49" charset="0"/>
+              <a:cs typeface="Courier New" panose="02070309020205020404" pitchFamily="49" charset="0"/>
+            </a:endParaRPr>
+          </a:p>
+        </p:txBody>
+      </p:sp>
+      <p:sp>
+        <p:nvSpPr>
+          <p:cNvPr id="116" name="Pentagon 115"/>
+          <p:cNvSpPr/>
+          <p:nvPr/>
+        </p:nvSpPr>
+        <p:spPr>
+          <a:xfrm>
+            <a:off x="12115800" y="4038600"/>
+            <a:ext cx="228600" cy="152400"/>
+          </a:xfrm>
+          <a:prstGeom prst="homePlate">
+            <a:avLst/>
+          </a:prstGeom>
+          <a:noFill/>
+          <a:ln w="12700">
+            <a:solidFill>
+              <a:schemeClr val="tx1"/>
+            </a:solidFill>
+          </a:ln>
+        </p:spPr>
+        <p:style>
+          <a:lnRef idx="2">
+            <a:schemeClr val="accent1">
+              <a:shade val="50000"/>
+            </a:schemeClr>
+          </a:lnRef>
+          <a:fillRef idx="1">
+            <a:schemeClr val="accent1"/>
+          </a:fillRef>
+          <a:effectRef idx="0">
+            <a:schemeClr val="accent1"/>
+          </a:effectRef>
+          <a:fontRef idx="minor">
+            <a:schemeClr val="lt1"/>
+          </a:fontRef>
+        </p:style>
+        <p:txBody>
+          <a:bodyPr rot="0" spcFirstLastPara="0" vertOverflow="overflow" horzOverflow="overflow" vert="horz" wrap="square" lIns="91440" tIns="45720" rIns="91440" bIns="45720" numCol="1" spcCol="0" rtlCol="0" fromWordArt="0" anchor="ctr" anchorCtr="0" forceAA="0" compatLnSpc="1">
+            <a:prstTxWarp prst="textNoShape">
+              <a:avLst/>
+            </a:prstTxWarp>
+            <a:noAutofit/>
+          </a:bodyPr>
+          <a:lstStyle/>
+          <a:p>
+            <a:pPr algn="ctr"/>
+            <a:endParaRPr lang="en-US" sz="3730"/>
+          </a:p>
+        </p:txBody>
+      </p:sp>
+      <p:sp>
+        <p:nvSpPr>
+          <p:cNvPr id="117" name="Rectangle 116"/>
+          <p:cNvSpPr/>
+          <p:nvPr/>
+        </p:nvSpPr>
+        <p:spPr>
+          <a:xfrm>
+            <a:off x="11353800" y="3962400"/>
+            <a:ext cx="457200" cy="152400"/>
+          </a:xfrm>
+          <a:prstGeom prst="rect">
+            <a:avLst/>
+          </a:prstGeom>
+          <a:noFill/>
+          <a:ln>
+            <a:noFill/>
+          </a:ln>
+        </p:spPr>
+        <p:style>
+          <a:lnRef idx="2">
+            <a:schemeClr val="accent1">
+              <a:shade val="50000"/>
+            </a:schemeClr>
+          </a:lnRef>
+          <a:fillRef idx="1">
+            <a:schemeClr val="accent1"/>
+          </a:fillRef>
+          <a:effectRef idx="0">
+            <a:schemeClr val="accent1"/>
+          </a:effectRef>
+          <a:fontRef idx="minor">
+            <a:schemeClr val="lt1"/>
+          </a:fontRef>
+        </p:style>
+        <p:txBody>
+          <a:bodyPr wrap="none" lIns="45720" rIns="45720" rtlCol="0" anchor="ctr"/>
+          <a:lstStyle/>
+          <a:p>
+            <a:r>
+              <a:rPr lang="en-US" sz="900" dirty="0">
+                <a:solidFill>
+                  <a:srgbClr val="000000"/>
+                </a:solidFill>
+                <a:latin typeface="Courier New" panose="02070309020205020404" pitchFamily="49" charset="0"/>
+                <a:cs typeface="Courier New" panose="02070309020205020404" pitchFamily="49" charset="0"/>
+              </a:rPr>
+              <a:t>CNT</a:t>
+            </a:r>
+            <a:endParaRPr lang="en-US" sz="900" dirty="0">
+              <a:solidFill>
+                <a:srgbClr val="000000"/>
+              </a:solidFill>
+              <a:latin typeface="Courier New" panose="02070309020205020404" pitchFamily="49" charset="0"/>
+              <a:cs typeface="Courier New" panose="02070309020205020404" pitchFamily="49" charset="0"/>
+            </a:endParaRPr>
+          </a:p>
+        </p:txBody>
+      </p:sp>
+      <p:cxnSp>
+        <p:nvCxnSpPr>
+          <p:cNvPr id="118" name="Straight Connector 117"/>
+          <p:cNvCxnSpPr/>
+          <p:nvPr/>
+        </p:nvCxnSpPr>
+        <p:spPr>
+          <a:xfrm flipV="1">
+            <a:off x="11887200" y="4038600"/>
+            <a:ext cx="152400" cy="152400"/>
+          </a:xfrm>
+          <a:prstGeom prst="line">
+            <a:avLst/>
+          </a:prstGeom>
+          <a:ln w="12700">
+            <a:solidFill>
+              <a:srgbClr val="000000"/>
+            </a:solidFill>
+            <a:headEnd type="none" w="med" len="med"/>
+            <a:tailEnd type="none" w="med" len="med"/>
+          </a:ln>
+        </p:spPr>
+        <p:style>
+          <a:lnRef idx="1">
+            <a:schemeClr val="accent1"/>
+          </a:lnRef>
+          <a:fillRef idx="0">
+            <a:schemeClr val="accent1"/>
+          </a:fillRef>
+          <a:effectRef idx="0">
+            <a:schemeClr val="accent1"/>
+          </a:effectRef>
+          <a:fontRef idx="minor">
+            <a:schemeClr val="tx1"/>
+          </a:fontRef>
+        </p:style>
+      </p:cxnSp>
+      <p:sp>
+        <p:nvSpPr>
+          <p:cNvPr id="119" name="Rectangle 118"/>
+          <p:cNvSpPr/>
+          <p:nvPr/>
+        </p:nvSpPr>
+        <p:spPr>
+          <a:xfrm>
+            <a:off x="11887200" y="3962400"/>
+            <a:ext cx="152400" cy="76200"/>
+          </a:xfrm>
+          <a:prstGeom prst="rect">
+            <a:avLst/>
+          </a:prstGeom>
+          <a:noFill/>
+          <a:ln>
+            <a:noFill/>
+          </a:ln>
+        </p:spPr>
+        <p:style>
+          <a:lnRef idx="2">
+            <a:schemeClr val="accent1">
+              <a:shade val="50000"/>
+            </a:schemeClr>
+          </a:lnRef>
+          <a:fillRef idx="1">
+            <a:schemeClr val="accent1"/>
+          </a:fillRef>
+          <a:effectRef idx="0">
+            <a:schemeClr val="accent1"/>
+          </a:effectRef>
+          <a:fontRef idx="minor">
+            <a:schemeClr val="lt1"/>
+          </a:fontRef>
+        </p:style>
+        <p:txBody>
+          <a:bodyPr wrap="none" lIns="45720" rIns="45720" rtlCol="0" anchor="ctr"/>
+          <a:lstStyle/>
+          <a:p>
+            <a:pPr algn="ctr"/>
+            <a:r>
+              <a:rPr lang="en-US" sz="900" dirty="0">
+                <a:solidFill>
+                  <a:srgbClr val="000000"/>
+                </a:solidFill>
+                <a:latin typeface="Courier New" panose="02070309020205020404" pitchFamily="49" charset="0"/>
+                <a:cs typeface="Courier New" panose="02070309020205020404" pitchFamily="49" charset="0"/>
+              </a:rPr>
+              <a:t>8</a:t>
+            </a:r>
+            <a:endParaRPr lang="en-US" sz="900" dirty="0">
+              <a:solidFill>
+                <a:srgbClr val="000000"/>
+              </a:solidFill>
+              <a:latin typeface="Courier New" panose="02070309020205020404" pitchFamily="49" charset="0"/>
+              <a:cs typeface="Courier New" panose="02070309020205020404" pitchFamily="49" charset="0"/>
+            </a:endParaRPr>
+          </a:p>
+        </p:txBody>
+      </p:sp>
+      <p:sp>
+        <p:nvSpPr>
+          <p:cNvPr id="121" name="Trapezoid 120"/>
+          <p:cNvSpPr/>
+          <p:nvPr/>
+        </p:nvSpPr>
+        <p:spPr>
           <a:xfrm rot="5400000">
-            <a:off x="8001000" y="5867400"/>
+            <a:off x="6400800" y="4191000"/>
             <a:ext cx="457200" cy="152400"/>
           </a:xfrm>
           <a:prstGeom prst="trapezoid">
@@ -5133,13 +6733,13 @@
       </p:sp>
       <p:sp>
         <p:nvSpPr>
-          <p:cNvPr id="483" name="Rectangle 482"/>
+          <p:cNvPr id="122" name="Rectangle 121"/>
           <p:cNvSpPr/>
           <p:nvPr/>
         </p:nvSpPr>
         <p:spPr>
           <a:xfrm>
-            <a:off x="8153400" y="5791200"/>
+            <a:off x="6553200" y="4267200"/>
             <a:ext cx="152400" cy="152400"/>
           </a:xfrm>
           <a:prstGeom prst="rect">
@@ -5185,13 +6785,13 @@
       </p:sp>
       <p:sp>
         <p:nvSpPr>
-          <p:cNvPr id="484" name="Rectangle 483"/>
+          <p:cNvPr id="123" name="Rectangle 122"/>
           <p:cNvSpPr/>
           <p:nvPr/>
         </p:nvSpPr>
         <p:spPr>
           <a:xfrm>
-            <a:off x="8153400" y="5943600"/>
+            <a:off x="6553200" y="4114800"/>
             <a:ext cx="152400" cy="152400"/>
           </a:xfrm>
           <a:prstGeom prst="rect">
@@ -5237,13 +6837,451 @@
       </p:sp>
       <p:sp>
         <p:nvSpPr>
-          <p:cNvPr id="485" name="Trapezoid 484"/>
+          <p:cNvPr id="124" name="Rectangle 123"/>
           <p:cNvSpPr/>
           <p:nvPr/>
         </p:nvSpPr>
         <p:spPr>
+          <a:xfrm>
+            <a:off x="6096000" y="4038600"/>
+            <a:ext cx="152400" cy="152400"/>
+          </a:xfrm>
+          <a:prstGeom prst="rect">
+            <a:avLst/>
+          </a:prstGeom>
+          <a:noFill/>
+          <a:ln>
+            <a:solidFill>
+              <a:schemeClr val="tx1"/>
+            </a:solidFill>
+          </a:ln>
+        </p:spPr>
+        <p:style>
+          <a:lnRef idx="2">
+            <a:schemeClr val="accent1">
+              <a:shade val="50000"/>
+            </a:schemeClr>
+          </a:lnRef>
+          <a:fillRef idx="1">
+            <a:schemeClr val="accent1"/>
+          </a:fillRef>
+          <a:effectRef idx="0">
+            <a:schemeClr val="accent1"/>
+          </a:effectRef>
+          <a:fontRef idx="minor">
+            <a:schemeClr val="lt1"/>
+          </a:fontRef>
+        </p:style>
+        <p:txBody>
+          <a:bodyPr wrap="none" lIns="45720" rIns="45720" rtlCol="0" anchor="ctr"/>
+          <a:lstStyle/>
+          <a:p>
+            <a:pPr algn="ctr"/>
+            <a:r>
+              <a:rPr lang="en-US" sz="900" dirty="0">
+                <a:solidFill>
+                  <a:srgbClr val="000000"/>
+                </a:solidFill>
+                <a:latin typeface="Courier New" panose="02070309020205020404" pitchFamily="49" charset="0"/>
+                <a:cs typeface="Courier New" panose="02070309020205020404" pitchFamily="49" charset="0"/>
+              </a:rPr>
+              <a:t>+</a:t>
+            </a:r>
+          </a:p>
+        </p:txBody>
+      </p:sp>
+      <p:cxnSp>
+        <p:nvCxnSpPr>
+          <p:cNvPr id="125" name="Straight Connector 124"/>
+          <p:cNvCxnSpPr>
+            <a:endCxn id="124" idx="0"/>
+          </p:cNvCxnSpPr>
+          <p:nvPr/>
+        </p:nvCxnSpPr>
+        <p:spPr>
+          <a:xfrm>
+            <a:off x="6172200" y="3505200"/>
+            <a:ext cx="0" cy="533400"/>
+          </a:xfrm>
+          <a:prstGeom prst="line">
+            <a:avLst/>
+          </a:prstGeom>
+          <a:ln w="12700">
+            <a:solidFill>
+              <a:srgbClr val="000000"/>
+            </a:solidFill>
+            <a:headEnd type="oval" w="med" len="med"/>
+            <a:tailEnd type="triangle" w="med" len="med"/>
+          </a:ln>
+        </p:spPr>
+        <p:style>
+          <a:lnRef idx="1">
+            <a:schemeClr val="accent1"/>
+          </a:lnRef>
+          <a:fillRef idx="0">
+            <a:schemeClr val="accent1"/>
+          </a:fillRef>
+          <a:effectRef idx="0">
+            <a:schemeClr val="accent1"/>
+          </a:effectRef>
+          <a:fontRef idx="minor">
+            <a:schemeClr val="tx1"/>
+          </a:fontRef>
+        </p:style>
+      </p:cxnSp>
+      <p:cxnSp>
+        <p:nvCxnSpPr>
+          <p:cNvPr id="132" name="Straight Connector 131"/>
+          <p:cNvCxnSpPr>
+            <a:endCxn id="124" idx="1"/>
+          </p:cNvCxnSpPr>
+          <p:nvPr/>
+        </p:nvCxnSpPr>
+        <p:spPr>
+          <a:xfrm>
+            <a:off x="5791200" y="4114800"/>
+            <a:ext cx="304800" cy="0"/>
+          </a:xfrm>
+          <a:prstGeom prst="line">
+            <a:avLst/>
+          </a:prstGeom>
+          <a:ln w="12700">
+            <a:solidFill>
+              <a:srgbClr val="000000"/>
+            </a:solidFill>
+            <a:headEnd type="none" w="med" len="med"/>
+            <a:tailEnd type="triangle" w="med" len="med"/>
+          </a:ln>
+        </p:spPr>
+        <p:style>
+          <a:lnRef idx="1">
+            <a:schemeClr val="accent1"/>
+          </a:lnRef>
+          <a:fillRef idx="0">
+            <a:schemeClr val="accent1"/>
+          </a:fillRef>
+          <a:effectRef idx="0">
+            <a:schemeClr val="accent1"/>
+          </a:effectRef>
+          <a:fontRef idx="minor">
+            <a:schemeClr val="tx1"/>
+          </a:fontRef>
+        </p:style>
+      </p:cxnSp>
+      <p:sp>
+        <p:nvSpPr>
+          <p:cNvPr id="135" name="Rectangle 134"/>
+          <p:cNvSpPr/>
+          <p:nvPr/>
+        </p:nvSpPr>
+        <p:spPr>
+          <a:xfrm>
+            <a:off x="5486400" y="3962400"/>
+            <a:ext cx="457200" cy="152400"/>
+          </a:xfrm>
+          <a:prstGeom prst="rect">
+            <a:avLst/>
+          </a:prstGeom>
+          <a:noFill/>
+          <a:ln>
+            <a:noFill/>
+          </a:ln>
+        </p:spPr>
+        <p:style>
+          <a:lnRef idx="2">
+            <a:schemeClr val="accent1">
+              <a:shade val="50000"/>
+            </a:schemeClr>
+          </a:lnRef>
+          <a:fillRef idx="1">
+            <a:schemeClr val="accent1"/>
+          </a:fillRef>
+          <a:effectRef idx="0">
+            <a:schemeClr val="accent1"/>
+          </a:effectRef>
+          <a:fontRef idx="minor">
+            <a:schemeClr val="lt1"/>
+          </a:fontRef>
+        </p:style>
+        <p:txBody>
+          <a:bodyPr wrap="none" lIns="45720" rIns="45720" rtlCol="0" anchor="ctr"/>
+          <a:lstStyle/>
+          <a:p>
+            <a:pPr algn="r"/>
+            <a:r>
+              <a:rPr lang="en-US" sz="900" dirty="0">
+                <a:solidFill>
+                  <a:srgbClr val="000000"/>
+                </a:solidFill>
+                <a:latin typeface="Courier New" panose="02070309020205020404" pitchFamily="49" charset="0"/>
+                <a:cs typeface="Courier New" panose="02070309020205020404" pitchFamily="49" charset="0"/>
+              </a:rPr>
+              <a:t>9’d1</a:t>
+            </a:r>
+            <a:endParaRPr lang="en-US" sz="900" dirty="0">
+              <a:solidFill>
+                <a:srgbClr val="000000"/>
+              </a:solidFill>
+              <a:latin typeface="Courier New" panose="02070309020205020404" pitchFamily="49" charset="0"/>
+              <a:cs typeface="Courier New" panose="02070309020205020404" pitchFamily="49" charset="0"/>
+            </a:endParaRPr>
+          </a:p>
+        </p:txBody>
+      </p:sp>
+      <p:cxnSp>
+        <p:nvCxnSpPr>
+          <p:cNvPr id="137" name="Straight Connector 136"/>
+          <p:cNvCxnSpPr/>
+          <p:nvPr/>
+        </p:nvCxnSpPr>
+        <p:spPr>
+          <a:xfrm flipV="1">
+            <a:off x="7315200" y="3429000"/>
+            <a:ext cx="76200" cy="76200"/>
+          </a:xfrm>
+          <a:prstGeom prst="line">
+            <a:avLst/>
+          </a:prstGeom>
+          <a:ln w="12700">
+            <a:solidFill>
+              <a:srgbClr val="000000"/>
+            </a:solidFill>
+            <a:headEnd type="none" w="med" len="med"/>
+            <a:tailEnd type="none" w="med" len="med"/>
+          </a:ln>
+        </p:spPr>
+        <p:style>
+          <a:lnRef idx="1">
+            <a:schemeClr val="accent1"/>
+          </a:lnRef>
+          <a:fillRef idx="0">
+            <a:schemeClr val="accent1"/>
+          </a:fillRef>
+          <a:effectRef idx="0">
+            <a:schemeClr val="accent1"/>
+          </a:effectRef>
+          <a:fontRef idx="minor">
+            <a:schemeClr val="tx1"/>
+          </a:fontRef>
+        </p:style>
+      </p:cxnSp>
+      <p:cxnSp>
+        <p:nvCxnSpPr>
+          <p:cNvPr id="138" name="Straight Connector 137"/>
+          <p:cNvCxnSpPr/>
+          <p:nvPr/>
+        </p:nvCxnSpPr>
+        <p:spPr>
+          <a:xfrm flipV="1">
+            <a:off x="7391400" y="3276600"/>
+            <a:ext cx="0" cy="152400"/>
+          </a:xfrm>
+          <a:prstGeom prst="line">
+            <a:avLst/>
+          </a:prstGeom>
+          <a:ln w="12700">
+            <a:solidFill>
+              <a:srgbClr val="000000"/>
+            </a:solidFill>
+            <a:headEnd type="none" w="med" len="med"/>
+            <a:tailEnd type="none" w="med" len="med"/>
+          </a:ln>
+        </p:spPr>
+        <p:style>
+          <a:lnRef idx="1">
+            <a:schemeClr val="accent1"/>
+          </a:lnRef>
+          <a:fillRef idx="0">
+            <a:schemeClr val="accent1"/>
+          </a:fillRef>
+          <a:effectRef idx="0">
+            <a:schemeClr val="accent1"/>
+          </a:effectRef>
+          <a:fontRef idx="minor">
+            <a:schemeClr val="tx1"/>
+          </a:fontRef>
+        </p:style>
+      </p:cxnSp>
+      <p:cxnSp>
+        <p:nvCxnSpPr>
+          <p:cNvPr id="139" name="Straight Connector 138"/>
+          <p:cNvCxnSpPr/>
+          <p:nvPr/>
+        </p:nvCxnSpPr>
+        <p:spPr>
+          <a:xfrm>
+            <a:off x="7391400" y="3276600"/>
+            <a:ext cx="304800" cy="0"/>
+          </a:xfrm>
+          <a:prstGeom prst="line">
+            <a:avLst/>
+          </a:prstGeom>
+          <a:ln w="12700">
+            <a:solidFill>
+              <a:srgbClr val="000000"/>
+            </a:solidFill>
+            <a:headEnd type="none" w="med" len="med"/>
+            <a:tailEnd type="none" w="med" len="med"/>
+          </a:ln>
+        </p:spPr>
+        <p:style>
+          <a:lnRef idx="1">
+            <a:schemeClr val="accent1"/>
+          </a:lnRef>
+          <a:fillRef idx="0">
+            <a:schemeClr val="accent1"/>
+          </a:fillRef>
+          <a:effectRef idx="0">
+            <a:schemeClr val="accent1"/>
+          </a:effectRef>
+          <a:fontRef idx="minor">
+            <a:schemeClr val="tx1"/>
+          </a:fontRef>
+        </p:style>
+      </p:cxnSp>
+      <p:sp>
+        <p:nvSpPr>
+          <p:cNvPr id="145" name="Rectangle 144"/>
+          <p:cNvSpPr/>
+          <p:nvPr/>
+        </p:nvSpPr>
+        <p:spPr>
+          <a:xfrm>
+            <a:off x="7467600" y="3124200"/>
+            <a:ext cx="457200" cy="152400"/>
+          </a:xfrm>
+          <a:prstGeom prst="rect">
+            <a:avLst/>
+          </a:prstGeom>
+          <a:noFill/>
+          <a:ln>
+            <a:noFill/>
+          </a:ln>
+        </p:spPr>
+        <p:style>
+          <a:lnRef idx="2">
+            <a:schemeClr val="accent1">
+              <a:shade val="50000"/>
+            </a:schemeClr>
+          </a:lnRef>
+          <a:fillRef idx="1">
+            <a:schemeClr val="accent1"/>
+          </a:fillRef>
+          <a:effectRef idx="0">
+            <a:schemeClr val="accent1"/>
+          </a:effectRef>
+          <a:fontRef idx="minor">
+            <a:schemeClr val="lt1"/>
+          </a:fontRef>
+        </p:style>
+        <p:txBody>
+          <a:bodyPr wrap="none" lIns="45720" rIns="45720" rtlCol="0" anchor="ctr"/>
+          <a:lstStyle/>
+          <a:p>
+            <a:pPr algn="r"/>
+            <a:r>
+              <a:rPr lang="en-US" sz="900" dirty="0">
+                <a:solidFill>
+                  <a:srgbClr val="000000"/>
+                </a:solidFill>
+                <a:latin typeface="Courier New" panose="02070309020205020404" pitchFamily="49" charset="0"/>
+                <a:cs typeface="Courier New" panose="02070309020205020404" pitchFamily="49" charset="0"/>
+              </a:rPr>
+              <a:t>1’b0</a:t>
+            </a:r>
+            <a:endParaRPr lang="en-US" sz="900" dirty="0">
+              <a:solidFill>
+                <a:srgbClr val="000000"/>
+              </a:solidFill>
+              <a:latin typeface="Courier New" panose="02070309020205020404" pitchFamily="49" charset="0"/>
+              <a:cs typeface="Courier New" panose="02070309020205020404" pitchFamily="49" charset="0"/>
+            </a:endParaRPr>
+          </a:p>
+        </p:txBody>
+      </p:sp>
+      <p:cxnSp>
+        <p:nvCxnSpPr>
+          <p:cNvPr id="146" name="Straight Connector 145"/>
+          <p:cNvCxnSpPr/>
+          <p:nvPr/>
+        </p:nvCxnSpPr>
+        <p:spPr>
+          <a:xfrm>
+            <a:off x="6248400" y="4114800"/>
+            <a:ext cx="304800" cy="0"/>
+          </a:xfrm>
+          <a:prstGeom prst="line">
+            <a:avLst/>
+          </a:prstGeom>
+          <a:ln w="12700">
+            <a:solidFill>
+              <a:srgbClr val="000000"/>
+            </a:solidFill>
+            <a:headEnd type="none" w="med" len="med"/>
+            <a:tailEnd type="none" w="med" len="med"/>
+          </a:ln>
+        </p:spPr>
+        <p:style>
+          <a:lnRef idx="1">
+            <a:schemeClr val="accent1"/>
+          </a:lnRef>
+          <a:fillRef idx="0">
+            <a:schemeClr val="accent1"/>
+          </a:fillRef>
+          <a:effectRef idx="0">
+            <a:schemeClr val="accent1"/>
+          </a:effectRef>
+          <a:fontRef idx="minor">
+            <a:schemeClr val="tx1"/>
+          </a:fontRef>
+        </p:style>
+      </p:cxnSp>
+      <p:cxnSp>
+        <p:nvCxnSpPr>
+          <p:cNvPr id="148" name="Straight Connector 147"/>
+          <p:cNvCxnSpPr/>
+          <p:nvPr/>
+        </p:nvCxnSpPr>
+        <p:spPr>
+          <a:xfrm>
+            <a:off x="5486400" y="4419600"/>
+            <a:ext cx="1066800" cy="0"/>
+          </a:xfrm>
+          <a:prstGeom prst="line">
+            <a:avLst/>
+          </a:prstGeom>
+          <a:ln w="12700">
+            <a:solidFill>
+              <a:srgbClr val="000000"/>
+            </a:solidFill>
+            <a:headEnd type="none" w="med" len="med"/>
+            <a:tailEnd type="none" w="med" len="med"/>
+          </a:ln>
+        </p:spPr>
+        <p:style>
+          <a:lnRef idx="1">
+            <a:schemeClr val="accent1"/>
+          </a:lnRef>
+          <a:fillRef idx="0">
+            <a:schemeClr val="accent1"/>
+          </a:fillRef>
+          <a:effectRef idx="0">
+            <a:schemeClr val="accent1"/>
+          </a:effectRef>
+          <a:fontRef idx="minor">
+            <a:schemeClr val="tx1"/>
+          </a:fontRef>
+        </p:style>
+      </p:cxnSp>
+      <p:sp>
+        <p:nvSpPr>
+          <p:cNvPr id="150" name="Trapezoid 149"/>
+          <p:cNvSpPr/>
+          <p:nvPr/>
+        </p:nvSpPr>
+        <p:spPr>
           <a:xfrm rot="5400000">
-            <a:off x="5791200" y="5257800"/>
+            <a:off x="5181600" y="4343400"/>
             <a:ext cx="457200" cy="152400"/>
           </a:xfrm>
           <a:prstGeom prst="trapezoid">
@@ -5285,13 +7323,13 @@
       </p:sp>
       <p:sp>
         <p:nvSpPr>
-          <p:cNvPr id="486" name="Rectangle 485"/>
+          <p:cNvPr id="151" name="Rectangle 150"/>
           <p:cNvSpPr/>
           <p:nvPr/>
         </p:nvSpPr>
         <p:spPr>
           <a:xfrm>
-            <a:off x="5943600" y="5334000"/>
+            <a:off x="5334000" y="4419600"/>
             <a:ext cx="152400" cy="152400"/>
           </a:xfrm>
           <a:prstGeom prst="rect">
@@ -5337,13 +7375,13 @@
       </p:sp>
       <p:sp>
         <p:nvSpPr>
-          <p:cNvPr id="487" name="Rectangle 486"/>
+          <p:cNvPr id="152" name="Rectangle 151"/>
           <p:cNvSpPr/>
           <p:nvPr/>
         </p:nvSpPr>
         <p:spPr>
           <a:xfrm>
-            <a:off x="5943600" y="5181600"/>
+            <a:off x="5334000" y="4267200"/>
             <a:ext cx="152400" cy="152400"/>
           </a:xfrm>
           <a:prstGeom prst="rect">
@@ -5387,60 +7425,25 @@
           </a:p>
         </p:txBody>
       </p:sp>
-      <p:cxnSp>
-        <p:nvCxnSpPr>
-          <p:cNvPr id="488" name="Straight Connector 487"/>
-          <p:cNvCxnSpPr/>
-          <p:nvPr/>
-        </p:nvCxnSpPr>
-        <p:spPr>
-          <a:xfrm>
-            <a:off x="5638800" y="5181600"/>
-            <a:ext cx="304800" cy="0"/>
-          </a:xfrm>
-          <a:prstGeom prst="line">
-            <a:avLst/>
-          </a:prstGeom>
-          <a:ln w="12700">
-            <a:solidFill>
-              <a:srgbClr val="000000"/>
-            </a:solidFill>
-            <a:headEnd type="none" w="med" len="med"/>
-            <a:tailEnd type="none" w="med" len="med"/>
-          </a:ln>
-        </p:spPr>
-        <p:style>
-          <a:lnRef idx="1">
-            <a:schemeClr val="accent1"/>
-          </a:lnRef>
-          <a:fillRef idx="0">
-            <a:schemeClr val="accent1"/>
-          </a:fillRef>
-          <a:effectRef idx="0">
-            <a:schemeClr val="accent1"/>
-          </a:effectRef>
-          <a:fontRef idx="minor">
-            <a:schemeClr val="tx1"/>
-          </a:fontRef>
-        </p:style>
-      </p:cxnSp>
-      <p:sp>
-        <p:nvSpPr>
-          <p:cNvPr id="489" name="Rectangle 488"/>
+      <p:sp>
+        <p:nvSpPr>
+          <p:cNvPr id="153" name="Rectangle 152"/>
           <p:cNvSpPr/>
           <p:nvPr/>
         </p:nvSpPr>
         <p:spPr>
           <a:xfrm>
-            <a:off x="5334000" y="5029200"/>
-            <a:ext cx="457200" cy="152400"/>
+            <a:off x="4876800" y="4191000"/>
+            <a:ext cx="152400" cy="152400"/>
           </a:xfrm>
           <a:prstGeom prst="rect">
             <a:avLst/>
           </a:prstGeom>
           <a:noFill/>
           <a:ln>
-            <a:noFill/>
+            <a:solidFill>
+              <a:schemeClr val="tx1"/>
+            </a:solidFill>
           </a:ln>
         </p:spPr>
         <p:style>
@@ -5463,7 +7466,7 @@
           <a:bodyPr wrap="none" lIns="45720" rIns="45720" rtlCol="0" anchor="ctr"/>
           <a:lstStyle/>
           <a:p>
-            <a:pPr algn="r"/>
+            <a:pPr algn="ctr"/>
             <a:r>
               <a:rPr lang="en-US" sz="900" dirty="0">
                 <a:solidFill>
@@ -5472,37 +7475,61 @@
                 <a:latin typeface="Courier New" panose="02070309020205020404" pitchFamily="49" charset="0"/>
                 <a:cs typeface="Courier New" panose="02070309020205020404" pitchFamily="49" charset="0"/>
               </a:rPr>
-              <a:t>9</a:t>
-            </a:r>
-            <a:r>
-              <a:rPr lang="en-US" sz="900" dirty="0">
-                <a:solidFill>
-                  <a:srgbClr val="000000"/>
-                </a:solidFill>
-                <a:latin typeface="Courier New" panose="02070309020205020404" pitchFamily="49" charset="0"/>
-                <a:cs typeface="Courier New" panose="02070309020205020404" pitchFamily="49" charset="0"/>
-              </a:rPr>
-              <a:t>’d1</a:t>
-            </a:r>
-            <a:endParaRPr lang="en-US" sz="900" dirty="0">
-              <a:solidFill>
-                <a:srgbClr val="000000"/>
-              </a:solidFill>
-              <a:latin typeface="Courier New" panose="02070309020205020404" pitchFamily="49" charset="0"/>
-              <a:cs typeface="Courier New" panose="02070309020205020404" pitchFamily="49" charset="0"/>
-            </a:endParaRPr>
+              <a:t>+</a:t>
+            </a:r>
           </a:p>
         </p:txBody>
       </p:sp>
       <p:cxnSp>
         <p:nvCxnSpPr>
-          <p:cNvPr id="490" name="Straight Connector 489"/>
-          <p:cNvCxnSpPr/>
+          <p:cNvPr id="154" name="Straight Connector 153"/>
+          <p:cNvCxnSpPr>
+            <a:endCxn id="153" idx="0"/>
+          </p:cNvCxnSpPr>
           <p:nvPr/>
         </p:nvCxnSpPr>
         <p:spPr>
           <a:xfrm>
-            <a:off x="5638800" y="5486400"/>
+            <a:off x="4953000" y="3505200"/>
+            <a:ext cx="0" cy="685800"/>
+          </a:xfrm>
+          <a:prstGeom prst="line">
+            <a:avLst/>
+          </a:prstGeom>
+          <a:ln w="12700">
+            <a:solidFill>
+              <a:srgbClr val="000000"/>
+            </a:solidFill>
+            <a:headEnd type="oval" w="med" len="med"/>
+            <a:tailEnd type="triangle" w="med" len="med"/>
+          </a:ln>
+        </p:spPr>
+        <p:style>
+          <a:lnRef idx="1">
+            <a:schemeClr val="accent1"/>
+          </a:lnRef>
+          <a:fillRef idx="0">
+            <a:schemeClr val="accent1"/>
+          </a:fillRef>
+          <a:effectRef idx="0">
+            <a:schemeClr val="accent1"/>
+          </a:effectRef>
+          <a:fontRef idx="minor">
+            <a:schemeClr val="tx1"/>
+          </a:fontRef>
+        </p:style>
+      </p:cxnSp>
+      <p:cxnSp>
+        <p:nvCxnSpPr>
+          <p:cNvPr id="155" name="Straight Connector 154"/>
+          <p:cNvCxnSpPr>
+            <a:endCxn id="153" idx="1"/>
+          </p:cNvCxnSpPr>
+          <p:nvPr/>
+        </p:nvCxnSpPr>
+        <p:spPr>
+          <a:xfrm>
+            <a:off x="4572000" y="4267200"/>
             <a:ext cx="304800" cy="0"/>
           </a:xfrm>
           <a:prstGeom prst="line">
@@ -5513,7 +7540,7 @@
               <a:srgbClr val="000000"/>
             </a:solidFill>
             <a:headEnd type="none" w="med" len="med"/>
-            <a:tailEnd type="none" w="med" len="med"/>
+            <a:tailEnd type="triangle" w="med" len="med"/>
           </a:ln>
         </p:spPr>
         <p:style>
@@ -5533,13 +7560,13 @@
       </p:cxnSp>
       <p:sp>
         <p:nvSpPr>
-          <p:cNvPr id="491" name="Rectangle 490"/>
+          <p:cNvPr id="156" name="Rectangle 155"/>
           <p:cNvSpPr/>
           <p:nvPr/>
         </p:nvSpPr>
         <p:spPr>
           <a:xfrm>
-            <a:off x="5334000" y="5334000"/>
+            <a:off x="4267200" y="4114800"/>
             <a:ext cx="457200" cy="152400"/>
           </a:xfrm>
           <a:prstGeom prst="rect">
@@ -5591,15 +7618,89 @@
           </a:p>
         </p:txBody>
       </p:sp>
-      <p:sp>
-        <p:nvSpPr>
-          <p:cNvPr id="492" name="Trapezoid 491"/>
+      <p:cxnSp>
+        <p:nvCxnSpPr>
+          <p:cNvPr id="157" name="Straight Connector 156"/>
+          <p:cNvCxnSpPr/>
+          <p:nvPr/>
+        </p:nvCxnSpPr>
+        <p:spPr>
+          <a:xfrm>
+            <a:off x="5029200" y="4267200"/>
+            <a:ext cx="304800" cy="0"/>
+          </a:xfrm>
+          <a:prstGeom prst="line">
+            <a:avLst/>
+          </a:prstGeom>
+          <a:ln w="12700">
+            <a:solidFill>
+              <a:srgbClr val="000000"/>
+            </a:solidFill>
+            <a:headEnd type="none" w="med" len="med"/>
+            <a:tailEnd type="none" w="med" len="med"/>
+          </a:ln>
+        </p:spPr>
+        <p:style>
+          <a:lnRef idx="1">
+            <a:schemeClr val="accent1"/>
+          </a:lnRef>
+          <a:fillRef idx="0">
+            <a:schemeClr val="accent1"/>
+          </a:fillRef>
+          <a:effectRef idx="0">
+            <a:schemeClr val="accent1"/>
+          </a:effectRef>
+          <a:fontRef idx="minor">
+            <a:schemeClr val="tx1"/>
+          </a:fontRef>
+        </p:style>
+      </p:cxnSp>
+      <p:cxnSp>
+        <p:nvCxnSpPr>
+          <p:cNvPr id="159" name="Straight Connector 158"/>
+          <p:cNvCxnSpPr/>
+          <p:nvPr/>
+        </p:nvCxnSpPr>
+        <p:spPr>
+          <a:xfrm>
+            <a:off x="4267200" y="4572000"/>
+            <a:ext cx="1066800" cy="0"/>
+          </a:xfrm>
+          <a:prstGeom prst="line">
+            <a:avLst/>
+          </a:prstGeom>
+          <a:ln w="12700">
+            <a:solidFill>
+              <a:srgbClr val="000000"/>
+            </a:solidFill>
+            <a:headEnd type="none" w="med" len="med"/>
+            <a:tailEnd type="none" w="med" len="med"/>
+          </a:ln>
+        </p:spPr>
+        <p:style>
+          <a:lnRef idx="1">
+            <a:schemeClr val="accent1"/>
+          </a:lnRef>
+          <a:fillRef idx="0">
+            <a:schemeClr val="accent1"/>
+          </a:fillRef>
+          <a:effectRef idx="0">
+            <a:schemeClr val="accent1"/>
+          </a:effectRef>
+          <a:fontRef idx="minor">
+            <a:schemeClr val="tx1"/>
+          </a:fontRef>
+        </p:style>
+      </p:cxnSp>
+      <p:sp>
+        <p:nvSpPr>
+          <p:cNvPr id="160" name="Trapezoid 159"/>
           <p:cNvSpPr/>
           <p:nvPr/>
         </p:nvSpPr>
         <p:spPr>
           <a:xfrm rot="5400000">
-            <a:off x="5791200" y="6324600"/>
+            <a:off x="3962400" y="4495800"/>
             <a:ext cx="457200" cy="152400"/>
           </a:xfrm>
           <a:prstGeom prst="trapezoid">
@@ -5641,13 +7742,13 @@
       </p:sp>
       <p:sp>
         <p:nvSpPr>
-          <p:cNvPr id="493" name="Rectangle 492"/>
+          <p:cNvPr id="161" name="Rectangle 160"/>
           <p:cNvSpPr/>
           <p:nvPr/>
         </p:nvSpPr>
         <p:spPr>
           <a:xfrm>
-            <a:off x="5943600" y="6400800"/>
+            <a:off x="4114800" y="4572000"/>
             <a:ext cx="152400" cy="152400"/>
           </a:xfrm>
           <a:prstGeom prst="rect">
@@ -5693,13 +7794,13 @@
       </p:sp>
       <p:sp>
         <p:nvSpPr>
-          <p:cNvPr id="494" name="Rectangle 493"/>
+          <p:cNvPr id="162" name="Rectangle 161"/>
           <p:cNvSpPr/>
           <p:nvPr/>
         </p:nvSpPr>
         <p:spPr>
           <a:xfrm>
-            <a:off x="5943600" y="6248400"/>
+            <a:off x="4114800" y="4419600"/>
             <a:ext cx="152400" cy="152400"/>
           </a:xfrm>
           <a:prstGeom prst="rect">
@@ -5743,60 +7844,25 @@
           </a:p>
         </p:txBody>
       </p:sp>
-      <p:cxnSp>
-        <p:nvCxnSpPr>
-          <p:cNvPr id="495" name="Straight Connector 494"/>
-          <p:cNvCxnSpPr/>
-          <p:nvPr/>
-        </p:nvCxnSpPr>
-        <p:spPr>
-          <a:xfrm>
-            <a:off x="5638800" y="6248400"/>
-            <a:ext cx="304800" cy="0"/>
-          </a:xfrm>
-          <a:prstGeom prst="line">
-            <a:avLst/>
-          </a:prstGeom>
-          <a:ln w="12700">
-            <a:solidFill>
-              <a:srgbClr val="000000"/>
-            </a:solidFill>
-            <a:headEnd type="none" w="med" len="med"/>
-            <a:tailEnd type="none" w="med" len="med"/>
-          </a:ln>
-        </p:spPr>
-        <p:style>
-          <a:lnRef idx="1">
-            <a:schemeClr val="accent1"/>
-          </a:lnRef>
-          <a:fillRef idx="0">
-            <a:schemeClr val="accent1"/>
-          </a:fillRef>
-          <a:effectRef idx="0">
-            <a:schemeClr val="accent1"/>
-          </a:effectRef>
-          <a:fontRef idx="minor">
-            <a:schemeClr val="tx1"/>
-          </a:fontRef>
-        </p:style>
-      </p:cxnSp>
-      <p:sp>
-        <p:nvSpPr>
-          <p:cNvPr id="496" name="Rectangle 495"/>
+      <p:sp>
+        <p:nvSpPr>
+          <p:cNvPr id="163" name="Rectangle 162"/>
           <p:cNvSpPr/>
           <p:nvPr/>
         </p:nvSpPr>
         <p:spPr>
           <a:xfrm>
-            <a:off x="5334000" y="6096000"/>
-            <a:ext cx="457200" cy="152400"/>
+            <a:off x="3657600" y="4343400"/>
+            <a:ext cx="152400" cy="152400"/>
           </a:xfrm>
           <a:prstGeom prst="rect">
             <a:avLst/>
           </a:prstGeom>
           <a:noFill/>
           <a:ln>
-            <a:noFill/>
+            <a:solidFill>
+              <a:schemeClr val="tx1"/>
+            </a:solidFill>
           </a:ln>
         </p:spPr>
         <p:style>
@@ -5819,7 +7885,7 @@
           <a:bodyPr wrap="none" lIns="45720" rIns="45720" rtlCol="0" anchor="ctr"/>
           <a:lstStyle/>
           <a:p>
-            <a:pPr algn="r"/>
+            <a:pPr algn="ctr"/>
             <a:r>
               <a:rPr lang="en-US" sz="900" dirty="0">
                 <a:solidFill>
@@ -5828,8 +7894,136 @@
                 <a:latin typeface="Courier New" panose="02070309020205020404" pitchFamily="49" charset="0"/>
                 <a:cs typeface="Courier New" panose="02070309020205020404" pitchFamily="49" charset="0"/>
               </a:rPr>
-              <a:t>9</a:t>
-            </a:r>
+              <a:t>-</a:t>
+            </a:r>
+            <a:endParaRPr lang="en-US" sz="900" dirty="0">
+              <a:solidFill>
+                <a:srgbClr val="000000"/>
+              </a:solidFill>
+              <a:latin typeface="Courier New" panose="02070309020205020404" pitchFamily="49" charset="0"/>
+              <a:cs typeface="Courier New" panose="02070309020205020404" pitchFamily="49" charset="0"/>
+            </a:endParaRPr>
+          </a:p>
+        </p:txBody>
+      </p:sp>
+      <p:cxnSp>
+        <p:nvCxnSpPr>
+          <p:cNvPr id="164" name="Straight Connector 163"/>
+          <p:cNvCxnSpPr>
+            <a:endCxn id="163" idx="0"/>
+          </p:cNvCxnSpPr>
+          <p:nvPr/>
+        </p:nvCxnSpPr>
+        <p:spPr>
+          <a:xfrm>
+            <a:off x="3733800" y="3505200"/>
+            <a:ext cx="0" cy="838200"/>
+          </a:xfrm>
+          <a:prstGeom prst="line">
+            <a:avLst/>
+          </a:prstGeom>
+          <a:ln w="12700">
+            <a:solidFill>
+              <a:srgbClr val="000000"/>
+            </a:solidFill>
+            <a:headEnd type="oval" w="med" len="med"/>
+            <a:tailEnd type="triangle" w="med" len="med"/>
+          </a:ln>
+        </p:spPr>
+        <p:style>
+          <a:lnRef idx="1">
+            <a:schemeClr val="accent1"/>
+          </a:lnRef>
+          <a:fillRef idx="0">
+            <a:schemeClr val="accent1"/>
+          </a:fillRef>
+          <a:effectRef idx="0">
+            <a:schemeClr val="accent1"/>
+          </a:effectRef>
+          <a:fontRef idx="minor">
+            <a:schemeClr val="tx1"/>
+          </a:fontRef>
+        </p:style>
+      </p:cxnSp>
+      <p:cxnSp>
+        <p:nvCxnSpPr>
+          <p:cNvPr id="165" name="Straight Connector 164"/>
+          <p:cNvCxnSpPr>
+            <a:endCxn id="163" idx="1"/>
+          </p:cNvCxnSpPr>
+          <p:nvPr/>
+        </p:nvCxnSpPr>
+        <p:spPr>
+          <a:xfrm>
+            <a:off x="3352800" y="4419600"/>
+            <a:ext cx="304800" cy="0"/>
+          </a:xfrm>
+          <a:prstGeom prst="line">
+            <a:avLst/>
+          </a:prstGeom>
+          <a:ln w="12700">
+            <a:solidFill>
+              <a:srgbClr val="000000"/>
+            </a:solidFill>
+            <a:headEnd type="none" w="med" len="med"/>
+            <a:tailEnd type="triangle" w="med" len="med"/>
+          </a:ln>
+        </p:spPr>
+        <p:style>
+          <a:lnRef idx="1">
+            <a:schemeClr val="accent1"/>
+          </a:lnRef>
+          <a:fillRef idx="0">
+            <a:schemeClr val="accent1"/>
+          </a:fillRef>
+          <a:effectRef idx="0">
+            <a:schemeClr val="accent1"/>
+          </a:effectRef>
+          <a:fontRef idx="minor">
+            <a:schemeClr val="tx1"/>
+          </a:fontRef>
+        </p:style>
+      </p:cxnSp>
+      <p:sp>
+        <p:nvSpPr>
+          <p:cNvPr id="166" name="Rectangle 165"/>
+          <p:cNvSpPr/>
+          <p:nvPr/>
+        </p:nvSpPr>
+        <p:spPr>
+          <a:xfrm>
+            <a:off x="3048000" y="4267200"/>
+            <a:ext cx="457200" cy="152400"/>
+          </a:xfrm>
+          <a:prstGeom prst="rect">
+            <a:avLst/>
+          </a:prstGeom>
+          <a:noFill/>
+          <a:ln>
+            <a:noFill/>
+          </a:ln>
+        </p:spPr>
+        <p:style>
+          <a:lnRef idx="2">
+            <a:schemeClr val="accent1">
+              <a:shade val="50000"/>
+            </a:schemeClr>
+          </a:lnRef>
+          <a:fillRef idx="1">
+            <a:schemeClr val="accent1"/>
+          </a:fillRef>
+          <a:effectRef idx="0">
+            <a:schemeClr val="accent1"/>
+          </a:effectRef>
+          <a:fontRef idx="minor">
+            <a:schemeClr val="lt1"/>
+          </a:fontRef>
+        </p:style>
+        <p:txBody>
+          <a:bodyPr wrap="none" lIns="45720" rIns="45720" rtlCol="0" anchor="ctr"/>
+          <a:lstStyle/>
+          <a:p>
+            <a:pPr algn="r"/>
             <a:r>
               <a:rPr lang="en-US" sz="900" dirty="0">
                 <a:solidFill>
@@ -5838,7 +8032,7 @@
                 <a:latin typeface="Courier New" panose="02070309020205020404" pitchFamily="49" charset="0"/>
                 <a:cs typeface="Courier New" panose="02070309020205020404" pitchFamily="49" charset="0"/>
               </a:rPr>
-              <a:t>’d1</a:t>
+              <a:t>9’d1</a:t>
             </a:r>
             <a:endParaRPr lang="en-US" sz="900" dirty="0">
               <a:solidFill>
@@ -5852,13 +8046,13 @@
       </p:sp>
       <p:cxnSp>
         <p:nvCxnSpPr>
-          <p:cNvPr id="497" name="Straight Connector 496"/>
+          <p:cNvPr id="167" name="Straight Connector 166"/>
           <p:cNvCxnSpPr/>
           <p:nvPr/>
         </p:nvCxnSpPr>
         <p:spPr>
           <a:xfrm>
-            <a:off x="5638800" y="6553200"/>
+            <a:off x="3810000" y="4419600"/>
             <a:ext cx="304800" cy="0"/>
           </a:xfrm>
           <a:prstGeom prst="line">
@@ -5889,13 +8083,402 @@
       </p:cxnSp>
       <p:sp>
         <p:nvSpPr>
-          <p:cNvPr id="498" name="Rectangle 497"/>
+          <p:cNvPr id="169" name="Rectangle 168"/>
           <p:cNvSpPr/>
           <p:nvPr/>
         </p:nvSpPr>
         <p:spPr>
           <a:xfrm>
-            <a:off x="5334000" y="6400800"/>
+            <a:off x="3505200" y="4419600"/>
+            <a:ext cx="152400" cy="152400"/>
+          </a:xfrm>
+          <a:prstGeom prst="rect">
+            <a:avLst/>
+          </a:prstGeom>
+          <a:noFill/>
+          <a:ln>
+            <a:noFill/>
+          </a:ln>
+        </p:spPr>
+        <p:style>
+          <a:lnRef idx="2">
+            <a:schemeClr val="accent1">
+              <a:shade val="50000"/>
+            </a:schemeClr>
+          </a:lnRef>
+          <a:fillRef idx="1">
+            <a:schemeClr val="accent1"/>
+          </a:fillRef>
+          <a:effectRef idx="0">
+            <a:schemeClr val="accent1"/>
+          </a:effectRef>
+          <a:fontRef idx="minor">
+            <a:schemeClr val="lt1"/>
+          </a:fontRef>
+        </p:style>
+        <p:txBody>
+          <a:bodyPr wrap="none" lIns="45720" rIns="45720" rtlCol="0" anchor="ctr"/>
+          <a:lstStyle/>
+          <a:p>
+            <a:pPr algn="ctr"/>
+            <a:r>
+              <a:rPr lang="en-US" sz="900" dirty="0">
+                <a:solidFill>
+                  <a:srgbClr val="000000"/>
+                </a:solidFill>
+                <a:latin typeface="Courier New" panose="02070309020205020404" pitchFamily="49" charset="0"/>
+                <a:cs typeface="Courier New" panose="02070309020205020404" pitchFamily="49" charset="0"/>
+              </a:rPr>
+              <a:t>-</a:t>
+            </a:r>
+            <a:endParaRPr lang="en-US" sz="900" dirty="0">
+              <a:solidFill>
+                <a:srgbClr val="000000"/>
+              </a:solidFill>
+              <a:latin typeface="Courier New" panose="02070309020205020404" pitchFamily="49" charset="0"/>
+              <a:cs typeface="Courier New" panose="02070309020205020404" pitchFamily="49" charset="0"/>
+            </a:endParaRPr>
+          </a:p>
+        </p:txBody>
+      </p:sp>
+      <p:cxnSp>
+        <p:nvCxnSpPr>
+          <p:cNvPr id="170" name="Straight Connector 169"/>
+          <p:cNvCxnSpPr/>
+          <p:nvPr/>
+        </p:nvCxnSpPr>
+        <p:spPr>
+          <a:xfrm>
+            <a:off x="3048000" y="4724400"/>
+            <a:ext cx="1066800" cy="0"/>
+          </a:xfrm>
+          <a:prstGeom prst="line">
+            <a:avLst/>
+          </a:prstGeom>
+          <a:ln w="12700">
+            <a:solidFill>
+              <a:srgbClr val="000000"/>
+            </a:solidFill>
+            <a:headEnd type="none" w="med" len="med"/>
+            <a:tailEnd type="none" w="med" len="med"/>
+          </a:ln>
+        </p:spPr>
+        <p:style>
+          <a:lnRef idx="1">
+            <a:schemeClr val="accent1"/>
+          </a:lnRef>
+          <a:fillRef idx="0">
+            <a:schemeClr val="accent1"/>
+          </a:fillRef>
+          <a:effectRef idx="0">
+            <a:schemeClr val="accent1"/>
+          </a:effectRef>
+          <a:fontRef idx="minor">
+            <a:schemeClr val="tx1"/>
+          </a:fontRef>
+        </p:style>
+      </p:cxnSp>
+      <p:sp>
+        <p:nvSpPr>
+          <p:cNvPr id="171" name="Trapezoid 170"/>
+          <p:cNvSpPr/>
+          <p:nvPr/>
+        </p:nvSpPr>
+        <p:spPr>
+          <a:xfrm rot="5400000">
+            <a:off x="2743200" y="4648200"/>
+            <a:ext cx="457200" cy="152400"/>
+          </a:xfrm>
+          <a:prstGeom prst="trapezoid">
+            <a:avLst>
+              <a:gd name="adj" fmla="val 110715"/>
+            </a:avLst>
+          </a:prstGeom>
+          <a:noFill/>
+          <a:ln w="12700">
+            <a:solidFill>
+              <a:srgbClr val="000000"/>
+            </a:solidFill>
+          </a:ln>
+        </p:spPr>
+        <p:style>
+          <a:lnRef idx="2">
+            <a:schemeClr val="accent1">
+              <a:shade val="50000"/>
+            </a:schemeClr>
+          </a:lnRef>
+          <a:fillRef idx="1">
+            <a:schemeClr val="accent1"/>
+          </a:fillRef>
+          <a:effectRef idx="0">
+            <a:schemeClr val="accent1"/>
+          </a:effectRef>
+          <a:fontRef idx="minor">
+            <a:schemeClr val="lt1"/>
+          </a:fontRef>
+        </p:style>
+        <p:txBody>
+          <a:bodyPr rtlCol="0" anchor="ctr"/>
+          <a:lstStyle/>
+          <a:p>
+            <a:pPr algn="ctr"/>
+            <a:endParaRPr lang="en-US" sz="3730"/>
+          </a:p>
+        </p:txBody>
+      </p:sp>
+      <p:sp>
+        <p:nvSpPr>
+          <p:cNvPr id="172" name="Rectangle 171"/>
+          <p:cNvSpPr/>
+          <p:nvPr/>
+        </p:nvSpPr>
+        <p:spPr>
+          <a:xfrm>
+            <a:off x="2895600" y="4724400"/>
+            <a:ext cx="152400" cy="152400"/>
+          </a:xfrm>
+          <a:prstGeom prst="rect">
+            <a:avLst/>
+          </a:prstGeom>
+          <a:noFill/>
+          <a:ln>
+            <a:noFill/>
+          </a:ln>
+        </p:spPr>
+        <p:style>
+          <a:lnRef idx="2">
+            <a:schemeClr val="accent1">
+              <a:shade val="50000"/>
+            </a:schemeClr>
+          </a:lnRef>
+          <a:fillRef idx="1">
+            <a:schemeClr val="accent1"/>
+          </a:fillRef>
+          <a:effectRef idx="0">
+            <a:schemeClr val="accent1"/>
+          </a:effectRef>
+          <a:fontRef idx="minor">
+            <a:schemeClr val="lt1"/>
+          </a:fontRef>
+        </p:style>
+        <p:txBody>
+          <a:bodyPr wrap="none" lIns="45720" rIns="45720" rtlCol="0" anchor="ctr"/>
+          <a:lstStyle/>
+          <a:p>
+            <a:r>
+              <a:rPr lang="en-US" sz="900" dirty="0">
+                <a:solidFill>
+                  <a:srgbClr val="000000"/>
+                </a:solidFill>
+                <a:latin typeface="Courier New" panose="02070309020205020404" pitchFamily="49" charset="0"/>
+                <a:cs typeface="Courier New" panose="02070309020205020404" pitchFamily="49" charset="0"/>
+              </a:rPr>
+              <a:t>0</a:t>
+            </a:r>
+          </a:p>
+        </p:txBody>
+      </p:sp>
+      <p:sp>
+        <p:nvSpPr>
+          <p:cNvPr id="173" name="Rectangle 172"/>
+          <p:cNvSpPr/>
+          <p:nvPr/>
+        </p:nvSpPr>
+        <p:spPr>
+          <a:xfrm>
+            <a:off x="2895600" y="4572000"/>
+            <a:ext cx="152400" cy="152400"/>
+          </a:xfrm>
+          <a:prstGeom prst="rect">
+            <a:avLst/>
+          </a:prstGeom>
+          <a:noFill/>
+          <a:ln>
+            <a:noFill/>
+          </a:ln>
+        </p:spPr>
+        <p:style>
+          <a:lnRef idx="2">
+            <a:schemeClr val="accent1">
+              <a:shade val="50000"/>
+            </a:schemeClr>
+          </a:lnRef>
+          <a:fillRef idx="1">
+            <a:schemeClr val="accent1"/>
+          </a:fillRef>
+          <a:effectRef idx="0">
+            <a:schemeClr val="accent1"/>
+          </a:effectRef>
+          <a:fontRef idx="minor">
+            <a:schemeClr val="lt1"/>
+          </a:fontRef>
+        </p:style>
+        <p:txBody>
+          <a:bodyPr wrap="none" lIns="45720" rIns="45720" rtlCol="0" anchor="ctr"/>
+          <a:lstStyle/>
+          <a:p>
+            <a:r>
+              <a:rPr lang="en-US" sz="900" dirty="0">
+                <a:solidFill>
+                  <a:srgbClr val="000000"/>
+                </a:solidFill>
+                <a:latin typeface="Courier New" panose="02070309020205020404" pitchFamily="49" charset="0"/>
+                <a:cs typeface="Courier New" panose="02070309020205020404" pitchFamily="49" charset="0"/>
+              </a:rPr>
+              <a:t>1</a:t>
+            </a:r>
+          </a:p>
+        </p:txBody>
+      </p:sp>
+      <p:sp>
+        <p:nvSpPr>
+          <p:cNvPr id="174" name="Rectangle 173"/>
+          <p:cNvSpPr/>
+          <p:nvPr/>
+        </p:nvSpPr>
+        <p:spPr>
+          <a:xfrm>
+            <a:off x="2438400" y="4495800"/>
+            <a:ext cx="152400" cy="152400"/>
+          </a:xfrm>
+          <a:prstGeom prst="rect">
+            <a:avLst/>
+          </a:prstGeom>
+          <a:noFill/>
+          <a:ln>
+            <a:solidFill>
+              <a:schemeClr val="tx1"/>
+            </a:solidFill>
+          </a:ln>
+        </p:spPr>
+        <p:style>
+          <a:lnRef idx="2">
+            <a:schemeClr val="accent1">
+              <a:shade val="50000"/>
+            </a:schemeClr>
+          </a:lnRef>
+          <a:fillRef idx="1">
+            <a:schemeClr val="accent1"/>
+          </a:fillRef>
+          <a:effectRef idx="0">
+            <a:schemeClr val="accent1"/>
+          </a:effectRef>
+          <a:fontRef idx="minor">
+            <a:schemeClr val="lt1"/>
+          </a:fontRef>
+        </p:style>
+        <p:txBody>
+          <a:bodyPr wrap="none" lIns="45720" rIns="45720" rtlCol="0" anchor="ctr"/>
+          <a:lstStyle/>
+          <a:p>
+            <a:pPr algn="ctr"/>
+            <a:r>
+              <a:rPr lang="en-US" sz="900" dirty="0">
+                <a:solidFill>
+                  <a:srgbClr val="000000"/>
+                </a:solidFill>
+                <a:latin typeface="Courier New" panose="02070309020205020404" pitchFamily="49" charset="0"/>
+                <a:cs typeface="Courier New" panose="02070309020205020404" pitchFamily="49" charset="0"/>
+              </a:rPr>
+              <a:t>-</a:t>
+            </a:r>
+            <a:endParaRPr lang="en-US" sz="900" dirty="0">
+              <a:solidFill>
+                <a:srgbClr val="000000"/>
+              </a:solidFill>
+              <a:latin typeface="Courier New" panose="02070309020205020404" pitchFamily="49" charset="0"/>
+              <a:cs typeface="Courier New" panose="02070309020205020404" pitchFamily="49" charset="0"/>
+            </a:endParaRPr>
+          </a:p>
+        </p:txBody>
+      </p:sp>
+      <p:cxnSp>
+        <p:nvCxnSpPr>
+          <p:cNvPr id="175" name="Straight Connector 174"/>
+          <p:cNvCxnSpPr>
+            <a:endCxn id="174" idx="0"/>
+          </p:cNvCxnSpPr>
+          <p:nvPr/>
+        </p:nvCxnSpPr>
+        <p:spPr>
+          <a:xfrm>
+            <a:off x="2514600" y="3505200"/>
+            <a:ext cx="0" cy="990600"/>
+          </a:xfrm>
+          <a:prstGeom prst="line">
+            <a:avLst/>
+          </a:prstGeom>
+          <a:ln w="12700">
+            <a:solidFill>
+              <a:srgbClr val="000000"/>
+            </a:solidFill>
+            <a:headEnd type="oval" w="med" len="med"/>
+            <a:tailEnd type="triangle" w="med" len="med"/>
+          </a:ln>
+        </p:spPr>
+        <p:style>
+          <a:lnRef idx="1">
+            <a:schemeClr val="accent1"/>
+          </a:lnRef>
+          <a:fillRef idx="0">
+            <a:schemeClr val="accent1"/>
+          </a:fillRef>
+          <a:effectRef idx="0">
+            <a:schemeClr val="accent1"/>
+          </a:effectRef>
+          <a:fontRef idx="minor">
+            <a:schemeClr val="tx1"/>
+          </a:fontRef>
+        </p:style>
+      </p:cxnSp>
+      <p:cxnSp>
+        <p:nvCxnSpPr>
+          <p:cNvPr id="176" name="Straight Connector 175"/>
+          <p:cNvCxnSpPr>
+            <a:endCxn id="174" idx="1"/>
+          </p:cNvCxnSpPr>
+          <p:nvPr/>
+        </p:nvCxnSpPr>
+        <p:spPr>
+          <a:xfrm>
+            <a:off x="2133600" y="4572000"/>
+            <a:ext cx="304800" cy="0"/>
+          </a:xfrm>
+          <a:prstGeom prst="line">
+            <a:avLst/>
+          </a:prstGeom>
+          <a:ln w="12700">
+            <a:solidFill>
+              <a:srgbClr val="000000"/>
+            </a:solidFill>
+            <a:headEnd type="none" w="med" len="med"/>
+            <a:tailEnd type="triangle" w="med" len="med"/>
+          </a:ln>
+        </p:spPr>
+        <p:style>
+          <a:lnRef idx="1">
+            <a:schemeClr val="accent1"/>
+          </a:lnRef>
+          <a:fillRef idx="0">
+            <a:schemeClr val="accent1"/>
+          </a:fillRef>
+          <a:effectRef idx="0">
+            <a:schemeClr val="accent1"/>
+          </a:effectRef>
+          <a:fontRef idx="minor">
+            <a:schemeClr val="tx1"/>
+          </a:fontRef>
+        </p:style>
+      </p:cxnSp>
+      <p:sp>
+        <p:nvSpPr>
+          <p:cNvPr id="177" name="Rectangle 176"/>
+          <p:cNvSpPr/>
+          <p:nvPr/>
+        </p:nvSpPr>
+        <p:spPr>
+          <a:xfrm>
+            <a:off x="1828800" y="4419600"/>
             <a:ext cx="457200" cy="152400"/>
           </a:xfrm>
           <a:prstGeom prst="rect">
@@ -5947,15 +8530,52 @@
           </a:p>
         </p:txBody>
       </p:sp>
-      <p:sp>
-        <p:nvSpPr>
-          <p:cNvPr id="499" name="Rectangle 498"/>
+      <p:cxnSp>
+        <p:nvCxnSpPr>
+          <p:cNvPr id="178" name="Straight Connector 177"/>
+          <p:cNvCxnSpPr/>
+          <p:nvPr/>
+        </p:nvCxnSpPr>
+        <p:spPr>
+          <a:xfrm>
+            <a:off x="2590800" y="4572000"/>
+            <a:ext cx="304800" cy="0"/>
+          </a:xfrm>
+          <a:prstGeom prst="line">
+            <a:avLst/>
+          </a:prstGeom>
+          <a:ln w="12700">
+            <a:solidFill>
+              <a:srgbClr val="000000"/>
+            </a:solidFill>
+            <a:headEnd type="none" w="med" len="med"/>
+            <a:tailEnd type="none" w="med" len="med"/>
+          </a:ln>
+        </p:spPr>
+        <p:style>
+          <a:lnRef idx="1">
+            <a:schemeClr val="accent1"/>
+          </a:lnRef>
+          <a:fillRef idx="0">
+            <a:schemeClr val="accent1"/>
+          </a:fillRef>
+          <a:effectRef idx="0">
+            <a:schemeClr val="accent1"/>
+          </a:effectRef>
+          <a:fontRef idx="minor">
+            <a:schemeClr val="tx1"/>
+          </a:fontRef>
+        </p:style>
+      </p:cxnSp>
+      <p:sp>
+        <p:nvSpPr>
+          <p:cNvPr id="179" name="Rectangle 178"/>
           <p:cNvSpPr/>
           <p:nvPr/>
         </p:nvSpPr>
         <p:spPr>
           <a:xfrm>
-            <a:off x="7696200" y="6019800"/>
+            <a:off x="2286000" y="4572000"/>
             <a:ext cx="152400" cy="152400"/>
           </a:xfrm>
           <a:prstGeom prst="rect">
@@ -5963,9 +8583,7 @@
           </a:prstGeom>
           <a:noFill/>
           <a:ln>
-            <a:solidFill>
-              <a:schemeClr val="tx1"/>
-            </a:solidFill>
+            <a:noFill/>
           </a:ln>
         </p:spPr>
         <p:style>
@@ -6011,16 +8629,14 @@
       </p:sp>
       <p:cxnSp>
         <p:nvCxnSpPr>
-          <p:cNvPr id="500" name="Straight Connector 499"/>
-          <p:cNvCxnSpPr>
-            <a:stCxn id="499" idx="3"/>
-          </p:cNvCxnSpPr>
+          <p:cNvPr id="182" name="Straight Connector 181"/>
+          <p:cNvCxnSpPr/>
           <p:nvPr/>
         </p:nvCxnSpPr>
         <p:spPr>
           <a:xfrm>
-            <a:off x="7848600" y="6096000"/>
-            <a:ext cx="304800" cy="0"/>
+            <a:off x="1752600" y="4876800"/>
+            <a:ext cx="1143000" cy="0"/>
           </a:xfrm>
           <a:prstGeom prst="line">
             <a:avLst/>
@@ -6050,14 +8666,14 @@
       </p:cxnSp>
       <p:cxnSp>
         <p:nvCxnSpPr>
-          <p:cNvPr id="501" name="Straight Connector 500"/>
+          <p:cNvPr id="184" name="Straight Connector 183"/>
           <p:cNvCxnSpPr/>
           <p:nvPr/>
         </p:nvCxnSpPr>
         <p:spPr>
           <a:xfrm>
-            <a:off x="7315200" y="5791200"/>
-            <a:ext cx="838200" cy="0"/>
+            <a:off x="1752600" y="3505200"/>
+            <a:ext cx="0" cy="1371600"/>
           </a:xfrm>
           <a:prstGeom prst="line">
             <a:avLst/>
@@ -6085,15 +8701,387 @@
           </a:fontRef>
         </p:style>
       </p:cxnSp>
-      <p:sp>
-        <p:nvSpPr>
-          <p:cNvPr id="502" name="Trapezoid 501"/>
+      <p:cxnSp>
+        <p:nvCxnSpPr>
+          <p:cNvPr id="186" name="Straight Connector 185"/>
+          <p:cNvCxnSpPr/>
+          <p:nvPr/>
+        </p:nvCxnSpPr>
+        <p:spPr>
+          <a:xfrm flipV="1">
+            <a:off x="6629400" y="4419600"/>
+            <a:ext cx="0" cy="1828800"/>
+          </a:xfrm>
+          <a:prstGeom prst="line">
+            <a:avLst/>
+          </a:prstGeom>
+          <a:ln w="12700">
+            <a:solidFill>
+              <a:srgbClr val="000000"/>
+            </a:solidFill>
+            <a:headEnd type="none" w="med" len="med"/>
+            <a:tailEnd type="none" w="med" len="med"/>
+          </a:ln>
+        </p:spPr>
+        <p:style>
+          <a:lnRef idx="1">
+            <a:schemeClr val="accent1"/>
+          </a:lnRef>
+          <a:fillRef idx="0">
+            <a:schemeClr val="accent1"/>
+          </a:fillRef>
+          <a:effectRef idx="0">
+            <a:schemeClr val="accent1"/>
+          </a:effectRef>
+          <a:fontRef idx="minor">
+            <a:schemeClr val="tx1"/>
+          </a:fontRef>
+        </p:style>
+      </p:cxnSp>
+      <p:cxnSp>
+        <p:nvCxnSpPr>
+          <p:cNvPr id="189" name="Straight Connector 188"/>
+          <p:cNvCxnSpPr/>
+          <p:nvPr/>
+        </p:nvCxnSpPr>
+        <p:spPr>
+          <a:xfrm flipV="1">
+            <a:off x="5410200" y="4572000"/>
+            <a:ext cx="0" cy="1371600"/>
+          </a:xfrm>
+          <a:prstGeom prst="line">
+            <a:avLst/>
+          </a:prstGeom>
+          <a:ln w="12700">
+            <a:solidFill>
+              <a:srgbClr val="000000"/>
+            </a:solidFill>
+            <a:headEnd type="none" w="med" len="med"/>
+            <a:tailEnd type="none" w="med" len="med"/>
+          </a:ln>
+        </p:spPr>
+        <p:style>
+          <a:lnRef idx="1">
+            <a:schemeClr val="accent1"/>
+          </a:lnRef>
+          <a:fillRef idx="0">
+            <a:schemeClr val="accent1"/>
+          </a:fillRef>
+          <a:effectRef idx="0">
+            <a:schemeClr val="accent1"/>
+          </a:effectRef>
+          <a:fontRef idx="minor">
+            <a:schemeClr val="tx1"/>
+          </a:fontRef>
+        </p:style>
+      </p:cxnSp>
+      <p:cxnSp>
+        <p:nvCxnSpPr>
+          <p:cNvPr id="190" name="Straight Connector 189"/>
+          <p:cNvCxnSpPr/>
+          <p:nvPr/>
+        </p:nvCxnSpPr>
+        <p:spPr>
+          <a:xfrm>
+            <a:off x="533400" y="5943600"/>
+            <a:ext cx="4876800" cy="0"/>
+          </a:xfrm>
+          <a:prstGeom prst="line">
+            <a:avLst/>
+          </a:prstGeom>
+          <a:ln w="12700">
+            <a:solidFill>
+              <a:srgbClr val="000000"/>
+            </a:solidFill>
+            <a:headEnd type="none" w="med" len="med"/>
+            <a:tailEnd type="none" w="med" len="med"/>
+          </a:ln>
+        </p:spPr>
+        <p:style>
+          <a:lnRef idx="1">
+            <a:schemeClr val="accent1"/>
+          </a:lnRef>
+          <a:fillRef idx="0">
+            <a:schemeClr val="accent1"/>
+          </a:fillRef>
+          <a:effectRef idx="0">
+            <a:schemeClr val="accent1"/>
+          </a:effectRef>
+          <a:fontRef idx="minor">
+            <a:schemeClr val="tx1"/>
+          </a:fontRef>
+        </p:style>
+      </p:cxnSp>
+      <p:cxnSp>
+        <p:nvCxnSpPr>
+          <p:cNvPr id="193" name="Straight Connector 192"/>
+          <p:cNvCxnSpPr/>
+          <p:nvPr/>
+        </p:nvCxnSpPr>
+        <p:spPr>
+          <a:xfrm flipV="1">
+            <a:off x="4191000" y="4724400"/>
+            <a:ext cx="0" cy="914400"/>
+          </a:xfrm>
+          <a:prstGeom prst="line">
+            <a:avLst/>
+          </a:prstGeom>
+          <a:ln w="12700">
+            <a:solidFill>
+              <a:srgbClr val="000000"/>
+            </a:solidFill>
+            <a:headEnd type="none" w="med" len="med"/>
+            <a:tailEnd type="none" w="med" len="med"/>
+          </a:ln>
+        </p:spPr>
+        <p:style>
+          <a:lnRef idx="1">
+            <a:schemeClr val="accent1"/>
+          </a:lnRef>
+          <a:fillRef idx="0">
+            <a:schemeClr val="accent1"/>
+          </a:fillRef>
+          <a:effectRef idx="0">
+            <a:schemeClr val="accent1"/>
+          </a:effectRef>
+          <a:fontRef idx="minor">
+            <a:schemeClr val="tx1"/>
+          </a:fontRef>
+        </p:style>
+      </p:cxnSp>
+      <p:cxnSp>
+        <p:nvCxnSpPr>
+          <p:cNvPr id="194" name="Straight Connector 193"/>
+          <p:cNvCxnSpPr/>
+          <p:nvPr/>
+        </p:nvCxnSpPr>
+        <p:spPr>
+          <a:xfrm>
+            <a:off x="533400" y="5638800"/>
+            <a:ext cx="3657600" cy="0"/>
+          </a:xfrm>
+          <a:prstGeom prst="line">
+            <a:avLst/>
+          </a:prstGeom>
+          <a:ln w="12700">
+            <a:solidFill>
+              <a:srgbClr val="000000"/>
+            </a:solidFill>
+            <a:headEnd type="none" w="med" len="med"/>
+            <a:tailEnd type="none" w="med" len="med"/>
+          </a:ln>
+        </p:spPr>
+        <p:style>
+          <a:lnRef idx="1">
+            <a:schemeClr val="accent1"/>
+          </a:lnRef>
+          <a:fillRef idx="0">
+            <a:schemeClr val="accent1"/>
+          </a:fillRef>
+          <a:effectRef idx="0">
+            <a:schemeClr val="accent1"/>
+          </a:effectRef>
+          <a:fontRef idx="minor">
+            <a:schemeClr val="tx1"/>
+          </a:fontRef>
+        </p:style>
+      </p:cxnSp>
+      <p:cxnSp>
+        <p:nvCxnSpPr>
+          <p:cNvPr id="197" name="Straight Connector 196"/>
+          <p:cNvCxnSpPr/>
+          <p:nvPr/>
+        </p:nvCxnSpPr>
+        <p:spPr>
+          <a:xfrm flipV="1">
+            <a:off x="2971800" y="4876800"/>
+            <a:ext cx="0" cy="457200"/>
+          </a:xfrm>
+          <a:prstGeom prst="line">
+            <a:avLst/>
+          </a:prstGeom>
+          <a:ln w="12700">
+            <a:solidFill>
+              <a:srgbClr val="000000"/>
+            </a:solidFill>
+            <a:headEnd type="none" w="med" len="med"/>
+            <a:tailEnd type="none" w="med" len="med"/>
+          </a:ln>
+        </p:spPr>
+        <p:style>
+          <a:lnRef idx="1">
+            <a:schemeClr val="accent1"/>
+          </a:lnRef>
+          <a:fillRef idx="0">
+            <a:schemeClr val="accent1"/>
+          </a:fillRef>
+          <a:effectRef idx="0">
+            <a:schemeClr val="accent1"/>
+          </a:effectRef>
+          <a:fontRef idx="minor">
+            <a:schemeClr val="tx1"/>
+          </a:fontRef>
+        </p:style>
+      </p:cxnSp>
+      <p:cxnSp>
+        <p:nvCxnSpPr>
+          <p:cNvPr id="198" name="Straight Connector 197"/>
+          <p:cNvCxnSpPr/>
+          <p:nvPr/>
+        </p:nvCxnSpPr>
+        <p:spPr>
+          <a:xfrm>
+            <a:off x="533400" y="5334000"/>
+            <a:ext cx="2438400" cy="0"/>
+          </a:xfrm>
+          <a:prstGeom prst="line">
+            <a:avLst/>
+          </a:prstGeom>
+          <a:ln w="12700">
+            <a:solidFill>
+              <a:srgbClr val="000000"/>
+            </a:solidFill>
+            <a:headEnd type="none" w="med" len="med"/>
+            <a:tailEnd type="none" w="med" len="med"/>
+          </a:ln>
+        </p:spPr>
+        <p:style>
+          <a:lnRef idx="1">
+            <a:schemeClr val="accent1"/>
+          </a:lnRef>
+          <a:fillRef idx="0">
+            <a:schemeClr val="accent1"/>
+          </a:fillRef>
+          <a:effectRef idx="0">
+            <a:schemeClr val="accent1"/>
+          </a:effectRef>
+          <a:fontRef idx="minor">
+            <a:schemeClr val="tx1"/>
+          </a:fontRef>
+        </p:style>
+      </p:cxnSp>
+      <p:cxnSp>
+        <p:nvCxnSpPr>
+          <p:cNvPr id="201" name="Straight Connector 200"/>
+          <p:cNvCxnSpPr/>
+          <p:nvPr/>
+        </p:nvCxnSpPr>
+        <p:spPr>
+          <a:xfrm>
+            <a:off x="7924800" y="4953000"/>
+            <a:ext cx="685800" cy="0"/>
+          </a:xfrm>
+          <a:prstGeom prst="line">
+            <a:avLst/>
+          </a:prstGeom>
+          <a:ln w="12700">
+            <a:solidFill>
+              <a:srgbClr val="000000"/>
+            </a:solidFill>
+            <a:headEnd type="oval" w="med" len="med"/>
+            <a:tailEnd type="triangle" w="med" len="med"/>
+          </a:ln>
+        </p:spPr>
+        <p:style>
+          <a:lnRef idx="1">
+            <a:schemeClr val="accent1"/>
+          </a:lnRef>
+          <a:fillRef idx="0">
+            <a:schemeClr val="accent1"/>
+          </a:fillRef>
+          <a:effectRef idx="0">
+            <a:schemeClr val="accent1"/>
+          </a:effectRef>
+          <a:fontRef idx="minor">
+            <a:schemeClr val="tx1"/>
+          </a:fontRef>
+        </p:style>
+      </p:cxnSp>
+      <p:cxnSp>
+        <p:nvCxnSpPr>
+          <p:cNvPr id="204" name="Straight Connector 203"/>
+          <p:cNvCxnSpPr/>
+          <p:nvPr/>
+        </p:nvCxnSpPr>
+        <p:spPr>
+          <a:xfrm flipV="1">
+            <a:off x="7924800" y="4572000"/>
+            <a:ext cx="0" cy="1981200"/>
+          </a:xfrm>
+          <a:prstGeom prst="line">
+            <a:avLst/>
+          </a:prstGeom>
+          <a:ln w="12700">
+            <a:solidFill>
+              <a:srgbClr val="000000"/>
+            </a:solidFill>
+            <a:headEnd type="none" w="med" len="med"/>
+            <a:tailEnd type="none" w="med" len="med"/>
+          </a:ln>
+        </p:spPr>
+        <p:style>
+          <a:lnRef idx="1">
+            <a:schemeClr val="accent1"/>
+          </a:lnRef>
+          <a:fillRef idx="0">
+            <a:schemeClr val="accent1"/>
+          </a:fillRef>
+          <a:effectRef idx="0">
+            <a:schemeClr val="accent1"/>
+          </a:effectRef>
+          <a:fontRef idx="minor">
+            <a:schemeClr val="tx1"/>
+          </a:fontRef>
+        </p:style>
+      </p:cxnSp>
+      <p:cxnSp>
+        <p:nvCxnSpPr>
+          <p:cNvPr id="207" name="Straight Connector 206"/>
+          <p:cNvCxnSpPr>
+            <a:stCxn id="104" idx="3"/>
+          </p:cNvCxnSpPr>
+          <p:nvPr/>
+        </p:nvCxnSpPr>
+        <p:spPr>
+          <a:xfrm>
+            <a:off x="533400" y="6553200"/>
+            <a:ext cx="7391400" cy="0"/>
+          </a:xfrm>
+          <a:prstGeom prst="line">
+            <a:avLst/>
+          </a:prstGeom>
+          <a:ln w="12700">
+            <a:solidFill>
+              <a:srgbClr val="000000"/>
+            </a:solidFill>
+            <a:headEnd type="none" w="med" len="med"/>
+            <a:tailEnd type="none" w="med" len="med"/>
+          </a:ln>
+        </p:spPr>
+        <p:style>
+          <a:lnRef idx="1">
+            <a:schemeClr val="accent1"/>
+          </a:lnRef>
+          <a:fillRef idx="0">
+            <a:schemeClr val="accent1"/>
+          </a:fillRef>
+          <a:effectRef idx="0">
+            <a:schemeClr val="accent1"/>
+          </a:effectRef>
+          <a:fontRef idx="minor">
+            <a:schemeClr val="tx1"/>
+          </a:fontRef>
+        </p:style>
+      </p:cxnSp>
+      <p:sp>
+        <p:nvSpPr>
+          <p:cNvPr id="215" name="Trapezoid 214"/>
           <p:cNvSpPr/>
           <p:nvPr/>
         </p:nvSpPr>
         <p:spPr>
           <a:xfrm rot="5400000">
-            <a:off x="7010400" y="5715000"/>
+            <a:off x="9753600" y="4038600"/>
             <a:ext cx="457200" cy="152400"/>
           </a:xfrm>
           <a:prstGeom prst="trapezoid">
@@ -6135,13 +9123,13 @@
       </p:sp>
       <p:sp>
         <p:nvSpPr>
-          <p:cNvPr id="503" name="Rectangle 502"/>
+          <p:cNvPr id="216" name="Rectangle 215"/>
           <p:cNvSpPr/>
           <p:nvPr/>
         </p:nvSpPr>
         <p:spPr>
           <a:xfrm>
-            <a:off x="7162800" y="5791200"/>
+            <a:off x="9906000" y="4114800"/>
             <a:ext cx="152400" cy="152400"/>
           </a:xfrm>
           <a:prstGeom prst="rect">
@@ -6187,13 +9175,13 @@
       </p:sp>
       <p:sp>
         <p:nvSpPr>
-          <p:cNvPr id="504" name="Rectangle 503"/>
+          <p:cNvPr id="217" name="Rectangle 216"/>
           <p:cNvSpPr/>
           <p:nvPr/>
         </p:nvSpPr>
         <p:spPr>
           <a:xfrm>
-            <a:off x="7162800" y="5638800"/>
+            <a:off x="9906000" y="3962400"/>
             <a:ext cx="152400" cy="152400"/>
           </a:xfrm>
           <a:prstGeom prst="rect">
@@ -6237,25 +9225,60 @@
           </a:p>
         </p:txBody>
       </p:sp>
-      <p:sp>
-        <p:nvSpPr>
-          <p:cNvPr id="505" name="Rectangle 504"/>
+      <p:cxnSp>
+        <p:nvCxnSpPr>
+          <p:cNvPr id="218" name="Straight Connector 217"/>
+          <p:cNvCxnSpPr/>
+          <p:nvPr/>
+        </p:nvCxnSpPr>
+        <p:spPr>
+          <a:xfrm>
+            <a:off x="9601200" y="3962400"/>
+            <a:ext cx="304800" cy="0"/>
+          </a:xfrm>
+          <a:prstGeom prst="line">
+            <a:avLst/>
+          </a:prstGeom>
+          <a:ln w="12700">
+            <a:solidFill>
+              <a:srgbClr val="000000"/>
+            </a:solidFill>
+            <a:headEnd type="none" w="med" len="med"/>
+            <a:tailEnd type="none" w="med" len="med"/>
+          </a:ln>
+        </p:spPr>
+        <p:style>
+          <a:lnRef idx="1">
+            <a:schemeClr val="accent1"/>
+          </a:lnRef>
+          <a:fillRef idx="0">
+            <a:schemeClr val="accent1"/>
+          </a:fillRef>
+          <a:effectRef idx="0">
+            <a:schemeClr val="accent1"/>
+          </a:effectRef>
+          <a:fontRef idx="minor">
+            <a:schemeClr val="tx1"/>
+          </a:fontRef>
+        </p:style>
+      </p:cxnSp>
+      <p:sp>
+        <p:nvSpPr>
+          <p:cNvPr id="219" name="Rectangle 218"/>
           <p:cNvSpPr/>
           <p:nvPr/>
         </p:nvSpPr>
         <p:spPr>
           <a:xfrm>
-            <a:off x="6705600" y="5562600"/>
-            <a:ext cx="152400" cy="152400"/>
+            <a:off x="9296400" y="3810000"/>
+            <a:ext cx="457200" cy="152400"/>
           </a:xfrm>
           <a:prstGeom prst="rect">
             <a:avLst/>
           </a:prstGeom>
           <a:noFill/>
           <a:ln>
-            <a:solidFill>
-              <a:schemeClr val="tx1"/>
-            </a:solidFill>
+            <a:noFill/>
           </a:ln>
         </p:spPr>
         <p:style>
@@ -6278,7 +9301,7 @@
           <a:bodyPr wrap="none" lIns="45720" rIns="45720" rtlCol="0" anchor="ctr"/>
           <a:lstStyle/>
           <a:p>
-            <a:pPr algn="ctr"/>
+            <a:pPr algn="r"/>
             <a:r>
               <a:rPr lang="en-US" sz="900" dirty="0">
                 <a:solidFill>
@@ -6287,30 +9310,60 @@
                 <a:latin typeface="Courier New" panose="02070309020205020404" pitchFamily="49" charset="0"/>
                 <a:cs typeface="Courier New" panose="02070309020205020404" pitchFamily="49" charset="0"/>
               </a:rPr>
-              <a:t>+</a:t>
-            </a:r>
-            <a:endParaRPr lang="en-US" sz="900" dirty="0">
-              <a:solidFill>
-                <a:srgbClr val="000000"/>
-              </a:solidFill>
-              <a:latin typeface="Courier New" panose="02070309020205020404" pitchFamily="49" charset="0"/>
-              <a:cs typeface="Courier New" panose="02070309020205020404" pitchFamily="49" charset="0"/>
-            </a:endParaRPr>
+              <a:t>8’d0</a:t>
+            </a:r>
           </a:p>
         </p:txBody>
       </p:sp>
       <p:cxnSp>
         <p:nvCxnSpPr>
-          <p:cNvPr id="506" name="Straight Connector 505"/>
+          <p:cNvPr id="221" name="Straight Connector 220"/>
           <p:cNvCxnSpPr>
-            <a:stCxn id="505" idx="3"/>
+            <a:stCxn id="215" idx="0"/>
           </p:cNvCxnSpPr>
           <p:nvPr/>
         </p:nvCxnSpPr>
         <p:spPr>
           <a:xfrm>
-            <a:off x="6858000" y="5638800"/>
-            <a:ext cx="304800" cy="0"/>
+            <a:off x="10058400" y="4114800"/>
+            <a:ext cx="457200" cy="0"/>
+          </a:xfrm>
+          <a:prstGeom prst="line">
+            <a:avLst/>
+          </a:prstGeom>
+          <a:ln w="12700">
+            <a:solidFill>
+              <a:srgbClr val="000000"/>
+            </a:solidFill>
+            <a:headEnd type="none" w="med" len="med"/>
+            <a:tailEnd type="triangle" w="med" len="med"/>
+          </a:ln>
+        </p:spPr>
+        <p:style>
+          <a:lnRef idx="1">
+            <a:schemeClr val="accent1"/>
+          </a:lnRef>
+          <a:fillRef idx="0">
+            <a:schemeClr val="accent1"/>
+          </a:fillRef>
+          <a:effectRef idx="0">
+            <a:schemeClr val="accent1"/>
+          </a:effectRef>
+          <a:fontRef idx="minor">
+            <a:schemeClr val="tx1"/>
+          </a:fontRef>
+        </p:style>
+      </p:cxnSp>
+      <p:cxnSp>
+        <p:nvCxnSpPr>
+          <p:cNvPr id="229" name="Straight Connector 228"/>
+          <p:cNvCxnSpPr/>
+          <p:nvPr/>
+        </p:nvCxnSpPr>
+        <p:spPr>
+          <a:xfrm flipV="1">
+            <a:off x="9982200" y="4267200"/>
+            <a:ext cx="0" cy="2590800"/>
           </a:xfrm>
           <a:prstGeom prst="line">
             <a:avLst/>
@@ -6340,51 +9393,14 @@
       </p:cxnSp>
       <p:cxnSp>
         <p:nvCxnSpPr>
-          <p:cNvPr id="507" name="Straight Connector 506"/>
+          <p:cNvPr id="230" name="Straight Connector 229"/>
           <p:cNvCxnSpPr/>
           <p:nvPr/>
         </p:nvCxnSpPr>
         <p:spPr>
           <a:xfrm>
-            <a:off x="12573000" y="6096000"/>
-            <a:ext cx="0" cy="838200"/>
-          </a:xfrm>
-          <a:prstGeom prst="line">
-            <a:avLst/>
-          </a:prstGeom>
-          <a:ln w="12700">
-            <a:solidFill>
-              <a:srgbClr val="000000"/>
-            </a:solidFill>
-            <a:headEnd type="oval" w="med" len="med"/>
-            <a:tailEnd type="none" w="med" len="med"/>
-          </a:ln>
-        </p:spPr>
-        <p:style>
-          <a:lnRef idx="1">
-            <a:schemeClr val="accent1"/>
-          </a:lnRef>
-          <a:fillRef idx="0">
-            <a:schemeClr val="accent1"/>
-          </a:fillRef>
-          <a:effectRef idx="0">
-            <a:schemeClr val="accent1"/>
-          </a:effectRef>
-          <a:fontRef idx="minor">
-            <a:schemeClr val="tx1"/>
-          </a:fontRef>
-        </p:style>
-      </p:cxnSp>
-      <p:cxnSp>
-        <p:nvCxnSpPr>
-          <p:cNvPr id="508" name="Straight Connector 507"/>
-          <p:cNvCxnSpPr/>
-          <p:nvPr/>
-        </p:nvCxnSpPr>
-        <p:spPr>
-          <a:xfrm flipH="1">
-            <a:off x="6400800" y="6934200"/>
-            <a:ext cx="6172200" cy="0"/>
+            <a:off x="533400" y="6858000"/>
+            <a:ext cx="9448800" cy="0"/>
           </a:xfrm>
           <a:prstGeom prst="line">
             <a:avLst/>
@@ -6414,88 +9430,14 @@
       </p:cxnSp>
       <p:cxnSp>
         <p:nvCxnSpPr>
-          <p:cNvPr id="509" name="Straight Connector 508"/>
+          <p:cNvPr id="233" name="Straight Connector 232"/>
           <p:cNvCxnSpPr/>
           <p:nvPr/>
         </p:nvCxnSpPr>
         <p:spPr>
-          <a:xfrm>
-            <a:off x="6400800" y="5943600"/>
-            <a:ext cx="762000" cy="0"/>
-          </a:xfrm>
-          <a:prstGeom prst="line">
-            <a:avLst/>
-          </a:prstGeom>
-          <a:ln w="12700">
-            <a:solidFill>
-              <a:srgbClr val="000000"/>
-            </a:solidFill>
-            <a:headEnd type="oval" w="med" len="med"/>
-            <a:tailEnd type="none" w="med" len="med"/>
-          </a:ln>
-        </p:spPr>
-        <p:style>
-          <a:lnRef idx="1">
-            <a:schemeClr val="accent1"/>
-          </a:lnRef>
-          <a:fillRef idx="0">
-            <a:schemeClr val="accent1"/>
-          </a:fillRef>
-          <a:effectRef idx="0">
-            <a:schemeClr val="accent1"/>
-          </a:effectRef>
-          <a:fontRef idx="minor">
-            <a:schemeClr val="tx1"/>
-          </a:fontRef>
-        </p:style>
-      </p:cxnSp>
-      <p:cxnSp>
-        <p:nvCxnSpPr>
-          <p:cNvPr id="510" name="Straight Connector 509"/>
-          <p:cNvCxnSpPr/>
-          <p:nvPr/>
-        </p:nvCxnSpPr>
-        <p:spPr>
-          <a:xfrm>
-            <a:off x="6400800" y="6096000"/>
-            <a:ext cx="1295400" cy="0"/>
-          </a:xfrm>
-          <a:prstGeom prst="line">
-            <a:avLst/>
-          </a:prstGeom>
-          <a:ln w="12700">
-            <a:solidFill>
-              <a:srgbClr val="000000"/>
-            </a:solidFill>
-            <a:headEnd type="oval" w="med" len="med"/>
-            <a:tailEnd type="triangle" w="med" len="med"/>
-          </a:ln>
-        </p:spPr>
-        <p:style>
-          <a:lnRef idx="1">
-            <a:schemeClr val="accent1"/>
-          </a:lnRef>
-          <a:fillRef idx="0">
-            <a:schemeClr val="accent1"/>
-          </a:fillRef>
-          <a:effectRef idx="0">
-            <a:schemeClr val="accent1"/>
-          </a:effectRef>
-          <a:fontRef idx="minor">
-            <a:schemeClr val="tx1"/>
-          </a:fontRef>
-        </p:style>
-      </p:cxnSp>
-      <p:cxnSp>
-        <p:nvCxnSpPr>
-          <p:cNvPr id="511" name="Straight Connector 510"/>
-          <p:cNvCxnSpPr/>
-          <p:nvPr/>
-        </p:nvCxnSpPr>
-        <p:spPr>
           <a:xfrm flipV="1">
-            <a:off x="6400800" y="5638800"/>
-            <a:ext cx="0" cy="1295400"/>
+            <a:off x="10668000" y="4343400"/>
+            <a:ext cx="0" cy="2819400"/>
           </a:xfrm>
           <a:prstGeom prst="line">
             <a:avLst/>
@@ -6525,129 +9467,14 @@
       </p:cxnSp>
       <p:cxnSp>
         <p:nvCxnSpPr>
-          <p:cNvPr id="512" name="Straight Connector 511"/>
-          <p:cNvCxnSpPr>
-            <a:endCxn id="505" idx="1"/>
-          </p:cNvCxnSpPr>
+          <p:cNvPr id="234" name="Straight Connector 233"/>
+          <p:cNvCxnSpPr/>
           <p:nvPr/>
         </p:nvCxnSpPr>
         <p:spPr>
           <a:xfrm>
-            <a:off x="6400800" y="5638800"/>
-            <a:ext cx="304800" cy="0"/>
-          </a:xfrm>
-          <a:prstGeom prst="line">
-            <a:avLst/>
-          </a:prstGeom>
-          <a:ln w="12700">
-            <a:solidFill>
-              <a:srgbClr val="000000"/>
-            </a:solidFill>
-            <a:headEnd type="none" w="med" len="med"/>
-            <a:tailEnd type="triangle" w="med" len="med"/>
-          </a:ln>
-        </p:spPr>
-        <p:style>
-          <a:lnRef idx="1">
-            <a:schemeClr val="accent1"/>
-          </a:lnRef>
-          <a:fillRef idx="0">
-            <a:schemeClr val="accent1"/>
-          </a:fillRef>
-          <a:effectRef idx="0">
-            <a:schemeClr val="accent1"/>
-          </a:effectRef>
-          <a:fontRef idx="minor">
-            <a:schemeClr val="tx1"/>
-          </a:fontRef>
-        </p:style>
-      </p:cxnSp>
-      <p:cxnSp>
-        <p:nvCxnSpPr>
-          <p:cNvPr id="513" name="Straight Connector 512"/>
-          <p:cNvCxnSpPr/>
-          <p:nvPr/>
-        </p:nvCxnSpPr>
-        <p:spPr>
-          <a:xfrm flipV="1">
-            <a:off x="7772400" y="6172200"/>
-            <a:ext cx="0" cy="228600"/>
-          </a:xfrm>
-          <a:prstGeom prst="line">
-            <a:avLst/>
-          </a:prstGeom>
-          <a:ln w="12700">
-            <a:solidFill>
-              <a:srgbClr val="000000"/>
-            </a:solidFill>
-            <a:headEnd type="none" w="med" len="med"/>
-            <a:tailEnd type="triangle" w="med" len="med"/>
-          </a:ln>
-        </p:spPr>
-        <p:style>
-          <a:lnRef idx="1">
-            <a:schemeClr val="accent1"/>
-          </a:lnRef>
-          <a:fillRef idx="0">
-            <a:schemeClr val="accent1"/>
-          </a:fillRef>
-          <a:effectRef idx="0">
-            <a:schemeClr val="accent1"/>
-          </a:effectRef>
-          <a:fontRef idx="minor">
-            <a:schemeClr val="tx1"/>
-          </a:fontRef>
-        </p:style>
-      </p:cxnSp>
-      <p:cxnSp>
-        <p:nvCxnSpPr>
-          <p:cNvPr id="514" name="Straight Connector 513"/>
-          <p:cNvCxnSpPr/>
-          <p:nvPr/>
-        </p:nvCxnSpPr>
-        <p:spPr>
-          <a:xfrm>
-            <a:off x="6781800" y="5334000"/>
-            <a:ext cx="0" cy="228600"/>
-          </a:xfrm>
-          <a:prstGeom prst="line">
-            <a:avLst/>
-          </a:prstGeom>
-          <a:ln w="12700">
-            <a:solidFill>
-              <a:srgbClr val="000000"/>
-            </a:solidFill>
-            <a:headEnd type="none" w="med" len="med"/>
-            <a:tailEnd type="triangle" w="med" len="med"/>
-          </a:ln>
-        </p:spPr>
-        <p:style>
-          <a:lnRef idx="1">
-            <a:schemeClr val="accent1"/>
-          </a:lnRef>
-          <a:fillRef idx="0">
-            <a:schemeClr val="accent1"/>
-          </a:fillRef>
-          <a:effectRef idx="0">
-            <a:schemeClr val="accent1"/>
-          </a:effectRef>
-          <a:fontRef idx="minor">
-            <a:schemeClr val="tx1"/>
-          </a:fontRef>
-        </p:style>
-      </p:cxnSp>
-      <p:cxnSp>
-        <p:nvCxnSpPr>
-          <p:cNvPr id="515" name="Straight Connector 514"/>
-          <p:cNvCxnSpPr>
-            <a:endCxn id="485" idx="0"/>
-          </p:cNvCxnSpPr>
-          <p:nvPr/>
-        </p:nvCxnSpPr>
-        <p:spPr>
-          <a:xfrm flipH="1">
-            <a:off x="6096000" y="5334000"/>
-            <a:ext cx="685800" cy="0"/>
+            <a:off x="533400" y="7162800"/>
+            <a:ext cx="10134600" cy="0"/>
           </a:xfrm>
           <a:prstGeom prst="line">
             <a:avLst/>
@@ -6675,16 +9502,67 @@
           </a:fontRef>
         </p:style>
       </p:cxnSp>
+      <p:sp>
+        <p:nvSpPr>
+          <p:cNvPr id="309" name="Oval 308"/>
+          <p:cNvSpPr/>
+          <p:nvPr/>
+        </p:nvSpPr>
+        <p:spPr>
+          <a:xfrm>
+            <a:off x="10591800" y="3886200"/>
+            <a:ext cx="152400" cy="152400"/>
+          </a:xfrm>
+          <a:prstGeom prst="ellipse">
+            <a:avLst/>
+          </a:prstGeom>
+          <a:noFill/>
+          <a:ln w="12700">
+            <a:solidFill>
+              <a:schemeClr val="tx1"/>
+            </a:solidFill>
+          </a:ln>
+        </p:spPr>
+        <p:style>
+          <a:lnRef idx="2">
+            <a:schemeClr val="accent1">
+              <a:shade val="50000"/>
+            </a:schemeClr>
+          </a:lnRef>
+          <a:fillRef idx="1">
+            <a:schemeClr val="accent1"/>
+          </a:fillRef>
+          <a:effectRef idx="0">
+            <a:schemeClr val="accent1"/>
+          </a:effectRef>
+          <a:fontRef idx="minor">
+            <a:schemeClr val="lt1"/>
+          </a:fontRef>
+        </p:style>
+        <p:txBody>
+          <a:bodyPr rot="0" spcFirstLastPara="0" vertOverflow="overflow" horzOverflow="overflow" vert="horz" wrap="square" lIns="91440" tIns="45720" rIns="91440" bIns="45720" numCol="1" spcCol="0" rtlCol="0" fromWordArt="0" anchor="ctr" anchorCtr="0" forceAA="0" compatLnSpc="1">
+            <a:prstTxWarp prst="textNoShape">
+              <a:avLst/>
+            </a:prstTxWarp>
+            <a:noAutofit/>
+          </a:bodyPr>
+          <a:lstStyle/>
+          <a:p>
+            <a:pPr algn="ctr"/>
+            <a:endParaRPr lang="en-US"/>
+          </a:p>
+        </p:txBody>
+      </p:sp>
       <p:cxnSp>
         <p:nvCxnSpPr>
-          <p:cNvPr id="516" name="Straight Connector 515"/>
+          <p:cNvPr id="238" name="Straight Connector 237"/>
           <p:cNvCxnSpPr/>
           <p:nvPr/>
         </p:nvCxnSpPr>
         <p:spPr>
-          <a:xfrm flipH="1">
-            <a:off x="6096000" y="6400800"/>
-            <a:ext cx="1676400" cy="0"/>
+          <a:xfrm>
+            <a:off x="10668000" y="2743200"/>
+            <a:ext cx="0" cy="1143000"/>
           </a:xfrm>
           <a:prstGeom prst="line">
             <a:avLst/>
@@ -6712,378 +9590,16 @@
           </a:fontRef>
         </p:style>
       </p:cxnSp>
-      <p:sp>
-        <p:nvSpPr>
-          <p:cNvPr id="517" name="Rectangle 516"/>
-          <p:cNvSpPr/>
-          <p:nvPr/>
-        </p:nvSpPr>
-        <p:spPr>
-          <a:xfrm>
-            <a:off x="7772400" y="6172200"/>
-            <a:ext cx="152400" cy="152400"/>
-          </a:xfrm>
-          <a:prstGeom prst="rect">
-            <a:avLst/>
-          </a:prstGeom>
-          <a:noFill/>
-          <a:ln>
-            <a:noFill/>
-          </a:ln>
-        </p:spPr>
-        <p:style>
-          <a:lnRef idx="2">
-            <a:schemeClr val="accent1">
-              <a:shade val="50000"/>
-            </a:schemeClr>
-          </a:lnRef>
-          <a:fillRef idx="1">
-            <a:schemeClr val="accent1"/>
-          </a:fillRef>
-          <a:effectRef idx="0">
-            <a:schemeClr val="accent1"/>
-          </a:effectRef>
-          <a:fontRef idx="minor">
-            <a:schemeClr val="lt1"/>
-          </a:fontRef>
-        </p:style>
-        <p:txBody>
-          <a:bodyPr wrap="none" lIns="45720" rIns="45720" rtlCol="0" anchor="ctr"/>
-          <a:lstStyle/>
-          <a:p>
-            <a:pPr algn="ctr"/>
-            <a:r>
-              <a:rPr lang="en-US" sz="900" dirty="0">
-                <a:solidFill>
-                  <a:srgbClr val="000000"/>
-                </a:solidFill>
-                <a:latin typeface="Courier New" panose="02070309020205020404" pitchFamily="49" charset="0"/>
-                <a:cs typeface="Courier New" panose="02070309020205020404" pitchFamily="49" charset="0"/>
-              </a:rPr>
-              <a:t>-</a:t>
-            </a:r>
-            <a:endParaRPr lang="en-US" sz="900" dirty="0">
-              <a:solidFill>
-                <a:srgbClr val="000000"/>
-              </a:solidFill>
-              <a:latin typeface="Courier New" panose="02070309020205020404" pitchFamily="49" charset="0"/>
-              <a:cs typeface="Courier New" panose="02070309020205020404" pitchFamily="49" charset="0"/>
-            </a:endParaRPr>
-          </a:p>
-        </p:txBody>
-      </p:sp>
       <p:cxnSp>
         <p:nvCxnSpPr>
-          <p:cNvPr id="519" name="Straight Connector 518"/>
+          <p:cNvPr id="240" name="Straight Connector 239"/>
           <p:cNvCxnSpPr/>
           <p:nvPr/>
         </p:nvCxnSpPr>
         <p:spPr>
-          <a:xfrm flipV="1">
-            <a:off x="7239000" y="5943600"/>
-            <a:ext cx="0" cy="1143000"/>
-          </a:xfrm>
-          <a:prstGeom prst="line">
-            <a:avLst/>
-          </a:prstGeom>
-          <a:ln w="12700">
-            <a:solidFill>
-              <a:srgbClr val="000000"/>
-            </a:solidFill>
-            <a:headEnd type="none" w="med" len="med"/>
-            <a:tailEnd type="none" w="med" len="med"/>
-          </a:ln>
-        </p:spPr>
-        <p:style>
-          <a:lnRef idx="1">
-            <a:schemeClr val="accent1"/>
-          </a:lnRef>
-          <a:fillRef idx="0">
-            <a:schemeClr val="accent1"/>
-          </a:fillRef>
-          <a:effectRef idx="0">
-            <a:schemeClr val="accent1"/>
-          </a:effectRef>
-          <a:fontRef idx="minor">
-            <a:schemeClr val="tx1"/>
-          </a:fontRef>
-        </p:style>
-      </p:cxnSp>
-      <p:cxnSp>
-        <p:nvCxnSpPr>
-          <p:cNvPr id="520" name="Straight Connector 519"/>
-          <p:cNvCxnSpPr/>
-          <p:nvPr/>
-        </p:nvCxnSpPr>
-        <p:spPr>
-          <a:xfrm>
-            <a:off x="8229600" y="5105400"/>
-            <a:ext cx="0" cy="685800"/>
-          </a:xfrm>
-          <a:prstGeom prst="line">
-            <a:avLst/>
-          </a:prstGeom>
-          <a:ln w="12700">
-            <a:solidFill>
-              <a:srgbClr val="000000"/>
-            </a:solidFill>
-            <a:headEnd type="none" w="med" len="med"/>
-            <a:tailEnd type="none" w="med" len="med"/>
-          </a:ln>
-        </p:spPr>
-        <p:style>
-          <a:lnRef idx="1">
-            <a:schemeClr val="accent1"/>
-          </a:lnRef>
-          <a:fillRef idx="0">
-            <a:schemeClr val="accent1"/>
-          </a:fillRef>
-          <a:effectRef idx="0">
-            <a:schemeClr val="accent1"/>
-          </a:effectRef>
-          <a:fontRef idx="minor">
-            <a:schemeClr val="tx1"/>
-          </a:fontRef>
-        </p:style>
-      </p:cxnSp>
-      <p:sp>
-        <p:nvSpPr>
-          <p:cNvPr id="521" name="Trapezoid 520"/>
-          <p:cNvSpPr/>
-          <p:nvPr/>
-        </p:nvSpPr>
-        <p:spPr>
-          <a:xfrm rot="5400000">
-            <a:off x="8763000" y="6019800"/>
-            <a:ext cx="457200" cy="152400"/>
-          </a:xfrm>
-          <a:prstGeom prst="trapezoid">
-            <a:avLst>
-              <a:gd name="adj" fmla="val 110715"/>
-            </a:avLst>
-          </a:prstGeom>
-          <a:noFill/>
-          <a:ln w="12700">
-            <a:solidFill>
-              <a:srgbClr val="000000"/>
-            </a:solidFill>
-          </a:ln>
-        </p:spPr>
-        <p:style>
-          <a:lnRef idx="2">
-            <a:schemeClr val="accent1">
-              <a:shade val="50000"/>
-            </a:schemeClr>
-          </a:lnRef>
-          <a:fillRef idx="1">
-            <a:schemeClr val="accent1"/>
-          </a:fillRef>
-          <a:effectRef idx="0">
-            <a:schemeClr val="accent1"/>
-          </a:effectRef>
-          <a:fontRef idx="minor">
-            <a:schemeClr val="lt1"/>
-          </a:fontRef>
-        </p:style>
-        <p:txBody>
-          <a:bodyPr rtlCol="0" anchor="ctr"/>
-          <a:lstStyle/>
-          <a:p>
-            <a:pPr algn="ctr"/>
-            <a:endParaRPr lang="en-US" sz="3730"/>
-          </a:p>
-        </p:txBody>
-      </p:sp>
-      <p:sp>
-        <p:nvSpPr>
-          <p:cNvPr id="522" name="Rectangle 521"/>
-          <p:cNvSpPr/>
-          <p:nvPr/>
-        </p:nvSpPr>
-        <p:spPr>
-          <a:xfrm>
-            <a:off x="8915400" y="5943600"/>
-            <a:ext cx="152400" cy="152400"/>
-          </a:xfrm>
-          <a:prstGeom prst="rect">
-            <a:avLst/>
-          </a:prstGeom>
-          <a:noFill/>
-          <a:ln>
-            <a:noFill/>
-          </a:ln>
-        </p:spPr>
-        <p:style>
-          <a:lnRef idx="2">
-            <a:schemeClr val="accent1">
-              <a:shade val="50000"/>
-            </a:schemeClr>
-          </a:lnRef>
-          <a:fillRef idx="1">
-            <a:schemeClr val="accent1"/>
-          </a:fillRef>
-          <a:effectRef idx="0">
-            <a:schemeClr val="accent1"/>
-          </a:effectRef>
-          <a:fontRef idx="minor">
-            <a:schemeClr val="lt1"/>
-          </a:fontRef>
-        </p:style>
-        <p:txBody>
-          <a:bodyPr wrap="none" lIns="45720" rIns="45720" rtlCol="0" anchor="ctr"/>
-          <a:lstStyle/>
-          <a:p>
-            <a:r>
-              <a:rPr lang="en-US" sz="900" dirty="0">
-                <a:solidFill>
-                  <a:srgbClr val="000000"/>
-                </a:solidFill>
-                <a:latin typeface="Courier New" panose="02070309020205020404" pitchFamily="49" charset="0"/>
-                <a:cs typeface="Courier New" panose="02070309020205020404" pitchFamily="49" charset="0"/>
-              </a:rPr>
-              <a:t>0</a:t>
-            </a:r>
-          </a:p>
-        </p:txBody>
-      </p:sp>
-      <p:sp>
-        <p:nvSpPr>
-          <p:cNvPr id="523" name="Rectangle 522"/>
-          <p:cNvSpPr/>
-          <p:nvPr/>
-        </p:nvSpPr>
-        <p:spPr>
-          <a:xfrm>
-            <a:off x="8915400" y="6096000"/>
-            <a:ext cx="152400" cy="152400"/>
-          </a:xfrm>
-          <a:prstGeom prst="rect">
-            <a:avLst/>
-          </a:prstGeom>
-          <a:noFill/>
-          <a:ln>
-            <a:noFill/>
-          </a:ln>
-        </p:spPr>
-        <p:style>
-          <a:lnRef idx="2">
-            <a:schemeClr val="accent1">
-              <a:shade val="50000"/>
-            </a:schemeClr>
-          </a:lnRef>
-          <a:fillRef idx="1">
-            <a:schemeClr val="accent1"/>
-          </a:fillRef>
-          <a:effectRef idx="0">
-            <a:schemeClr val="accent1"/>
-          </a:effectRef>
-          <a:fontRef idx="minor">
-            <a:schemeClr val="lt1"/>
-          </a:fontRef>
-        </p:style>
-        <p:txBody>
-          <a:bodyPr wrap="none" lIns="45720" rIns="45720" rtlCol="0" anchor="ctr"/>
-          <a:lstStyle/>
-          <a:p>
-            <a:r>
-              <a:rPr lang="en-US" sz="900" dirty="0">
-                <a:solidFill>
-                  <a:srgbClr val="000000"/>
-                </a:solidFill>
-                <a:latin typeface="Courier New" panose="02070309020205020404" pitchFamily="49" charset="0"/>
-                <a:cs typeface="Courier New" panose="02070309020205020404" pitchFamily="49" charset="0"/>
-              </a:rPr>
-              <a:t>1</a:t>
-            </a:r>
-          </a:p>
-        </p:txBody>
-      </p:sp>
-      <p:cxnSp>
-        <p:nvCxnSpPr>
-          <p:cNvPr id="524" name="Straight Connector 523"/>
-          <p:cNvCxnSpPr/>
-          <p:nvPr/>
-        </p:nvCxnSpPr>
-        <p:spPr>
-          <a:xfrm>
-            <a:off x="8686800" y="6248400"/>
-            <a:ext cx="228600" cy="0"/>
-          </a:xfrm>
-          <a:prstGeom prst="line">
-            <a:avLst/>
-          </a:prstGeom>
-          <a:ln w="12700">
-            <a:solidFill>
-              <a:srgbClr val="000000"/>
-            </a:solidFill>
-            <a:headEnd type="none" w="med" len="med"/>
-            <a:tailEnd type="none" w="med" len="med"/>
-          </a:ln>
-        </p:spPr>
-        <p:style>
-          <a:lnRef idx="1">
-            <a:schemeClr val="accent1"/>
-          </a:lnRef>
-          <a:fillRef idx="0">
-            <a:schemeClr val="accent1"/>
-          </a:fillRef>
-          <a:effectRef idx="0">
-            <a:schemeClr val="accent1"/>
-          </a:effectRef>
-          <a:fontRef idx="minor">
-            <a:schemeClr val="tx1"/>
-          </a:fontRef>
-        </p:style>
-      </p:cxnSp>
-      <p:cxnSp>
-        <p:nvCxnSpPr>
-          <p:cNvPr id="525" name="Straight Connector 524"/>
-          <p:cNvCxnSpPr/>
-          <p:nvPr/>
-        </p:nvCxnSpPr>
-        <p:spPr>
-          <a:xfrm flipV="1">
-            <a:off x="8686800" y="6248400"/>
-            <a:ext cx="0" cy="685800"/>
-          </a:xfrm>
-          <a:prstGeom prst="line">
-            <a:avLst/>
-          </a:prstGeom>
-          <a:ln w="12700">
-            <a:solidFill>
-              <a:srgbClr val="000000"/>
-            </a:solidFill>
-            <a:headEnd type="oval" w="med" len="med"/>
-            <a:tailEnd type="none" w="med" len="med"/>
-          </a:ln>
-        </p:spPr>
-        <p:style>
-          <a:lnRef idx="1">
-            <a:schemeClr val="accent1"/>
-          </a:lnRef>
-          <a:fillRef idx="0">
-            <a:schemeClr val="accent1"/>
-          </a:fillRef>
-          <a:effectRef idx="0">
-            <a:schemeClr val="accent1"/>
-          </a:effectRef>
-          <a:fontRef idx="minor">
-            <a:schemeClr val="tx1"/>
-          </a:fontRef>
-        </p:style>
-      </p:cxnSp>
-      <p:cxnSp>
-        <p:nvCxnSpPr>
-          <p:cNvPr id="526" name="Straight Connector 525"/>
-          <p:cNvCxnSpPr>
-            <a:stCxn id="482" idx="0"/>
-          </p:cNvCxnSpPr>
-          <p:nvPr/>
-        </p:nvCxnSpPr>
-        <p:spPr>
-          <a:xfrm>
-            <a:off x="8305800" y="5943600"/>
-            <a:ext cx="609600" cy="0"/>
+          <a:xfrm>
+            <a:off x="533400" y="2743200"/>
+            <a:ext cx="10134600" cy="0"/>
           </a:xfrm>
           <a:prstGeom prst="line">
             <a:avLst/>
